--- a/CERC 2025.pptx
+++ b/CERC 2025.pptx
@@ -5,10 +5,10 @@
     <p:sldMasterId id="2147483648" r:id="rId4"/>
   </p:sldMasterIdLst>
   <p:notesMasterIdLst>
-    <p:notesMasterId r:id="rId16"/>
+    <p:notesMasterId r:id="rId17"/>
   </p:notesMasterIdLst>
   <p:handoutMasterIdLst>
-    <p:handoutMasterId r:id="rId17"/>
+    <p:handoutMasterId r:id="rId18"/>
   </p:handoutMasterIdLst>
   <p:sldIdLst>
     <p:sldId id="273" r:id="rId5"/>
@@ -17,11 +17,12 @@
     <p:sldId id="281" r:id="rId8"/>
     <p:sldId id="280" r:id="rId9"/>
     <p:sldId id="278" r:id="rId10"/>
-    <p:sldId id="284" r:id="rId11"/>
-    <p:sldId id="293" r:id="rId12"/>
-    <p:sldId id="279" r:id="rId13"/>
-    <p:sldId id="294" r:id="rId14"/>
-    <p:sldId id="292" r:id="rId15"/>
+    <p:sldId id="295" r:id="rId11"/>
+    <p:sldId id="284" r:id="rId12"/>
+    <p:sldId id="293" r:id="rId13"/>
+    <p:sldId id="279" r:id="rId14"/>
+    <p:sldId id="294" r:id="rId15"/>
+    <p:sldId id="292" r:id="rId16"/>
   </p:sldIdLst>
   <p:sldSz cx="12192000" cy="6858000"/>
   <p:notesSz cx="6858000" cy="9144000"/>
@@ -377,7 +378,7 @@
           <a:p>
             <a:fld id="{83433F7E-3633-4FA3-974D-CA21FB24834F}" type="datetimeFigureOut">
               <a:rPr lang="en-US" smtClean="0"/>
-              <a:t>07-Apr-25</a:t>
+              <a:t>08-Apr-25</a:t>
             </a:fld>
             <a:endParaRPr lang="en-US"/>
           </a:p>
@@ -554,7 +555,7 @@
           <a:p>
             <a:fld id="{D945F7B4-7442-4021-9F1E-8BC3C363C892}" type="datetimeFigureOut">
               <a:rPr lang="en-US" noProof="0" smtClean="0"/>
-              <a:t>07-Apr-25</a:t>
+              <a:t>08-Apr-25</a:t>
             </a:fld>
             <a:endParaRPr lang="en-US" noProof="0" dirty="0"/>
           </a:p>
@@ -1078,7 +1079,7 @@
           <a:p>
             <a:fld id="{DECDE012-9E2E-4477-8B5C-4E7D4E9BCBA6}" type="slidenum">
               <a:rPr lang="en-US" smtClean="0"/>
-              <a:t>11</a:t>
+              <a:t>12</a:t>
             </a:fld>
             <a:endParaRPr lang="en-US"/>
           </a:p>
@@ -10010,6 +10011,415 @@
   <p:cSld>
     <p:spTree>
       <p:nvGrpSpPr>
+        <p:cNvPr id="1" name=""/>
+        <p:cNvGrpSpPr/>
+        <p:nvPr/>
+      </p:nvGrpSpPr>
+      <p:grpSpPr>
+        <a:xfrm>
+          <a:off x="0" y="0"/>
+          <a:ext cx="0" cy="0"/>
+          <a:chOff x="0" y="0"/>
+          <a:chExt cx="0" cy="0"/>
+        </a:xfrm>
+      </p:grpSpPr>
+      <p:sp>
+        <p:nvSpPr>
+          <p:cNvPr id="2" name="Title 1">
+            <a:extLst>
+              <a:ext uri="{FF2B5EF4-FFF2-40B4-BE49-F238E27FC236}">
+                <a16:creationId xmlns:a16="http://schemas.microsoft.com/office/drawing/2014/main" id="{DB262C4D-3F97-1652-3A4A-C989986D9B65}"/>
+              </a:ext>
+            </a:extLst>
+          </p:cNvPr>
+          <p:cNvSpPr>
+            <a:spLocks noGrp="1"/>
+          </p:cNvSpPr>
+          <p:nvPr>
+            <p:ph type="title"/>
+          </p:nvPr>
+        </p:nvSpPr>
+        <p:spPr>
+          <a:xfrm>
+            <a:off x="87221" y="1346290"/>
+            <a:ext cx="4846320" cy="1682749"/>
+          </a:xfrm>
+        </p:spPr>
+        <p:txBody>
+          <a:bodyPr/>
+          <a:lstStyle/>
+          <a:p>
+            <a:r>
+              <a:rPr lang="en-US" dirty="0">
+                <a:solidFill>
+                  <a:schemeClr val="accent5">
+                    <a:lumMod val="50000"/>
+                  </a:schemeClr>
+                </a:solidFill>
+              </a:rPr>
+              <a:t>Security comparison to c’s </a:t>
+            </a:r>
+            <a:r>
+              <a:rPr lang="en-US" dirty="0" err="1">
+                <a:solidFill>
+                  <a:schemeClr val="accent5">
+                    <a:lumMod val="50000"/>
+                  </a:schemeClr>
+                </a:solidFill>
+              </a:rPr>
+              <a:t>prng</a:t>
+            </a:r>
+            <a:endParaRPr lang="en-US" dirty="0">
+              <a:solidFill>
+                <a:schemeClr val="accent5">
+                  <a:lumMod val="50000"/>
+                </a:schemeClr>
+              </a:solidFill>
+            </a:endParaRPr>
+          </a:p>
+        </p:txBody>
+      </p:sp>
+      <p:sp>
+        <p:nvSpPr>
+          <p:cNvPr id="12" name="Footer Placeholder 11">
+            <a:extLst>
+              <a:ext uri="{FF2B5EF4-FFF2-40B4-BE49-F238E27FC236}">
+                <a16:creationId xmlns:a16="http://schemas.microsoft.com/office/drawing/2014/main" id="{BEC1259C-0A50-37A0-081E-E36D391D7A08}"/>
+              </a:ext>
+            </a:extLst>
+          </p:cNvPr>
+          <p:cNvSpPr>
+            <a:spLocks noGrp="1"/>
+          </p:cNvSpPr>
+          <p:nvPr>
+            <p:ph type="ftr" sz="quarter" idx="11"/>
+          </p:nvPr>
+        </p:nvSpPr>
+        <p:spPr/>
+        <p:txBody>
+          <a:bodyPr/>
+          <a:lstStyle/>
+          <a:p>
+            <a:r>
+              <a:rPr lang="en-US"/>
+              <a:t>An implementation of a true random number generator</a:t>
+            </a:r>
+            <a:endParaRPr lang="en-PK" dirty="0"/>
+          </a:p>
+        </p:txBody>
+      </p:sp>
+      <p:sp>
+        <p:nvSpPr>
+          <p:cNvPr id="13" name="Slide Number Placeholder 12">
+            <a:extLst>
+              <a:ext uri="{FF2B5EF4-FFF2-40B4-BE49-F238E27FC236}">
+                <a16:creationId xmlns:a16="http://schemas.microsoft.com/office/drawing/2014/main" id="{208378E4-1369-B8BE-D097-D0A68C992F75}"/>
+              </a:ext>
+            </a:extLst>
+          </p:cNvPr>
+          <p:cNvSpPr>
+            <a:spLocks noGrp="1"/>
+          </p:cNvSpPr>
+          <p:nvPr>
+            <p:ph type="sldNum" sz="quarter" idx="12"/>
+          </p:nvPr>
+        </p:nvSpPr>
+        <p:spPr/>
+        <p:txBody>
+          <a:bodyPr/>
+          <a:lstStyle/>
+          <a:p>
+            <a:fld id="{5BFCF61C-3B18-4C03-8326-CC3B32D710C9}" type="slidenum">
+              <a:rPr lang="en-US" smtClean="0"/>
+              <a:pPr/>
+              <a:t>10</a:t>
+            </a:fld>
+            <a:endParaRPr lang="en-US"/>
+          </a:p>
+        </p:txBody>
+      </p:sp>
+      <p:pic>
+        <p:nvPicPr>
+          <p:cNvPr id="3" name="Picture 2">
+            <a:extLst>
+              <a:ext uri="{FF2B5EF4-FFF2-40B4-BE49-F238E27FC236}">
+                <a16:creationId xmlns:a16="http://schemas.microsoft.com/office/drawing/2014/main" id="{F17C7DC5-917B-9792-EE9A-DB58CDE77495}"/>
+              </a:ext>
+            </a:extLst>
+          </p:cNvPr>
+          <p:cNvPicPr>
+            <a:picLocks noChangeAspect="1"/>
+          </p:cNvPicPr>
+          <p:nvPr/>
+        </p:nvPicPr>
+        <p:blipFill>
+          <a:blip r:embed="rId2"/>
+          <a:stretch>
+            <a:fillRect/>
+          </a:stretch>
+        </p:blipFill>
+        <p:spPr>
+          <a:xfrm>
+            <a:off x="2240280" y="-8686"/>
+            <a:ext cx="942588" cy="982416"/>
+          </a:xfrm>
+          <a:prstGeom prst="rect">
+            <a:avLst/>
+          </a:prstGeom>
+        </p:spPr>
+      </p:pic>
+      <p:pic>
+        <p:nvPicPr>
+          <p:cNvPr id="4" name="Picture 3">
+            <a:extLst>
+              <a:ext uri="{FF2B5EF4-FFF2-40B4-BE49-F238E27FC236}">
+                <a16:creationId xmlns:a16="http://schemas.microsoft.com/office/drawing/2014/main" id="{D5EFF67E-4637-3727-7571-762A49861957}"/>
+              </a:ext>
+            </a:extLst>
+          </p:cNvPr>
+          <p:cNvPicPr>
+            <a:picLocks noChangeAspect="1"/>
+          </p:cNvPicPr>
+          <p:nvPr/>
+        </p:nvPicPr>
+        <p:blipFill>
+          <a:blip r:embed="rId3"/>
+          <a:stretch>
+            <a:fillRect/>
+          </a:stretch>
+        </p:blipFill>
+        <p:spPr>
+          <a:xfrm>
+            <a:off x="3111358" y="7115"/>
+            <a:ext cx="1137914" cy="1137914"/>
+          </a:xfrm>
+          <a:prstGeom prst="rect">
+            <a:avLst/>
+          </a:prstGeom>
+        </p:spPr>
+      </p:pic>
+      <p:sp>
+        <p:nvSpPr>
+          <p:cNvPr id="8" name="TextBox 7">
+            <a:extLst>
+              <a:ext uri="{FF2B5EF4-FFF2-40B4-BE49-F238E27FC236}">
+                <a16:creationId xmlns:a16="http://schemas.microsoft.com/office/drawing/2014/main" id="{0C8CBA8C-03D6-1C78-AD15-166BE2633236}"/>
+              </a:ext>
+            </a:extLst>
+          </p:cNvPr>
+          <p:cNvSpPr txBox="1"/>
+          <p:nvPr/>
+        </p:nvSpPr>
+        <p:spPr>
+          <a:xfrm>
+            <a:off x="5795187" y="1362895"/>
+            <a:ext cx="5669343" cy="1477328"/>
+          </a:xfrm>
+          <a:prstGeom prst="rect">
+            <a:avLst/>
+          </a:prstGeom>
+          <a:noFill/>
+        </p:spPr>
+        <p:txBody>
+          <a:bodyPr wrap="square" rtlCol="0">
+            <a:spAutoFit/>
+          </a:bodyPr>
+          <a:lstStyle/>
+          <a:p>
+            <a:r>
+              <a:rPr lang="en-US" dirty="0">
+                <a:solidFill>
+                  <a:schemeClr val="bg1"/>
+                </a:solidFill>
+                <a:latin typeface="Times New Roman" panose="02020603050405020304" pitchFamily="18" charset="0"/>
+                <a:cs typeface="Times New Roman" panose="02020603050405020304" pitchFamily="18" charset="0"/>
+              </a:rPr>
+              <a:t>Key aspect for comparison: the purpose we use it for!</a:t>
+            </a:r>
+          </a:p>
+          <a:p>
+            <a:pPr marL="285750" indent="-285750">
+              <a:buFont typeface="Wingdings" panose="05000000000000000000" pitchFamily="2" charset="2"/>
+              <a:buChar char="Ø"/>
+            </a:pPr>
+            <a:r>
+              <a:rPr lang="en-US" dirty="0">
+                <a:solidFill>
+                  <a:schemeClr val="bg1"/>
+                </a:solidFill>
+                <a:latin typeface="Times New Roman" panose="02020603050405020304" pitchFamily="18" charset="0"/>
+                <a:cs typeface="Times New Roman" panose="02020603050405020304" pitchFamily="18" charset="0"/>
+              </a:rPr>
+              <a:t>PRNGs produce data really fast, but they have security flaws; good for every-day use</a:t>
+            </a:r>
+          </a:p>
+          <a:p>
+            <a:pPr marL="285750" indent="-285750">
+              <a:buFont typeface="Wingdings" panose="05000000000000000000" pitchFamily="2" charset="2"/>
+              <a:buChar char="Ø"/>
+            </a:pPr>
+            <a:r>
+              <a:rPr lang="en-US" dirty="0">
+                <a:solidFill>
+                  <a:schemeClr val="bg1"/>
+                </a:solidFill>
+                <a:latin typeface="Times New Roman" panose="02020603050405020304" pitchFamily="18" charset="0"/>
+                <a:cs typeface="Times New Roman" panose="02020603050405020304" pitchFamily="18" charset="0"/>
+              </a:rPr>
+              <a:t>TRNGs are slower, but they produce irreproducible sets of data; good for cryptographic applications</a:t>
+            </a:r>
+          </a:p>
+        </p:txBody>
+      </p:sp>
+      <p:sp>
+        <p:nvSpPr>
+          <p:cNvPr id="9" name="TextBox 8">
+            <a:extLst>
+              <a:ext uri="{FF2B5EF4-FFF2-40B4-BE49-F238E27FC236}">
+                <a16:creationId xmlns:a16="http://schemas.microsoft.com/office/drawing/2014/main" id="{5A71B60C-E878-7E5D-1529-4946D1D6A20B}"/>
+              </a:ext>
+            </a:extLst>
+          </p:cNvPr>
+          <p:cNvSpPr txBox="1"/>
+          <p:nvPr/>
+        </p:nvSpPr>
+        <p:spPr>
+          <a:xfrm>
+            <a:off x="5762830" y="3433308"/>
+            <a:ext cx="5196254" cy="923330"/>
+          </a:xfrm>
+          <a:prstGeom prst="rect">
+            <a:avLst/>
+          </a:prstGeom>
+          <a:noFill/>
+        </p:spPr>
+        <p:txBody>
+          <a:bodyPr wrap="square" rtlCol="0">
+            <a:spAutoFit/>
+          </a:bodyPr>
+          <a:lstStyle/>
+          <a:p>
+            <a:r>
+              <a:rPr lang="en-US" dirty="0">
+                <a:solidFill>
+                  <a:schemeClr val="bg1"/>
+                </a:solidFill>
+                <a:latin typeface="Times New Roman" panose="02020603050405020304" pitchFamily="18" charset="0"/>
+                <a:cs typeface="Times New Roman" panose="02020603050405020304" pitchFamily="18" charset="0"/>
+              </a:rPr>
+              <a:t>Let’s see a comparison using different tests between our TRNG  and C’s standard RNG, which uses the Linear Congruential Generator.</a:t>
+            </a:r>
+          </a:p>
+        </p:txBody>
+      </p:sp>
+      <p:pic>
+        <p:nvPicPr>
+          <p:cNvPr id="5" name="Picture 4">
+            <a:extLst>
+              <a:ext uri="{FF2B5EF4-FFF2-40B4-BE49-F238E27FC236}">
+                <a16:creationId xmlns:a16="http://schemas.microsoft.com/office/drawing/2014/main" id="{6EE9483B-AC6B-A0C1-1DAD-3B678B44E034}"/>
+              </a:ext>
+            </a:extLst>
+          </p:cNvPr>
+          <p:cNvPicPr>
+            <a:picLocks noChangeAspect="1"/>
+          </p:cNvPicPr>
+          <p:nvPr/>
+        </p:nvPicPr>
+        <p:blipFill>
+          <a:blip r:embed="rId3"/>
+          <a:stretch>
+            <a:fillRect/>
+          </a:stretch>
+        </p:blipFill>
+        <p:spPr>
+          <a:xfrm>
+            <a:off x="5160494" y="4218926"/>
+            <a:ext cx="2295382" cy="2295382"/>
+          </a:xfrm>
+          <a:prstGeom prst="rect">
+            <a:avLst/>
+          </a:prstGeom>
+        </p:spPr>
+      </p:pic>
+      <p:pic>
+        <p:nvPicPr>
+          <p:cNvPr id="7" name="Picture 6">
+            <a:extLst>
+              <a:ext uri="{FF2B5EF4-FFF2-40B4-BE49-F238E27FC236}">
+                <a16:creationId xmlns:a16="http://schemas.microsoft.com/office/drawing/2014/main" id="{4B6CE9C1-817D-6DBA-CEDB-171B54F0576B}"/>
+              </a:ext>
+            </a:extLst>
+          </p:cNvPr>
+          <p:cNvPicPr>
+            <a:picLocks noChangeAspect="1"/>
+          </p:cNvPicPr>
+          <p:nvPr/>
+        </p:nvPicPr>
+        <p:blipFill>
+          <a:blip r:embed="rId4"/>
+          <a:stretch>
+            <a:fillRect/>
+          </a:stretch>
+        </p:blipFill>
+        <p:spPr>
+          <a:xfrm>
+            <a:off x="7252713" y="4785089"/>
+            <a:ext cx="992412" cy="992412"/>
+          </a:xfrm>
+          <a:prstGeom prst="rect">
+            <a:avLst/>
+          </a:prstGeom>
+        </p:spPr>
+      </p:pic>
+      <p:pic>
+        <p:nvPicPr>
+          <p:cNvPr id="15" name="Picture 14">
+            <a:extLst>
+              <a:ext uri="{FF2B5EF4-FFF2-40B4-BE49-F238E27FC236}">
+                <a16:creationId xmlns:a16="http://schemas.microsoft.com/office/drawing/2014/main" id="{5DEDE447-DA31-2B61-910A-9087DD071072}"/>
+              </a:ext>
+            </a:extLst>
+          </p:cNvPr>
+          <p:cNvPicPr>
+            <a:picLocks noChangeAspect="1"/>
+          </p:cNvPicPr>
+          <p:nvPr/>
+        </p:nvPicPr>
+        <p:blipFill>
+          <a:blip r:embed="rId5"/>
+          <a:stretch>
+            <a:fillRect/>
+          </a:stretch>
+        </p:blipFill>
+        <p:spPr>
+          <a:xfrm>
+            <a:off x="8765198" y="4356638"/>
+            <a:ext cx="1607800" cy="1849315"/>
+          </a:xfrm>
+          <a:prstGeom prst="rect">
+            <a:avLst/>
+          </a:prstGeom>
+        </p:spPr>
+      </p:pic>
+    </p:spTree>
+    <p:extLst>
+      <p:ext uri="{BB962C8B-B14F-4D97-AF65-F5344CB8AC3E}">
+        <p14:creationId xmlns:p14="http://schemas.microsoft.com/office/powerpoint/2010/main" val="616355143"/>
+      </p:ext>
+    </p:extLst>
+  </p:cSld>
+  <p:clrMapOvr>
+    <a:masterClrMapping/>
+  </p:clrMapOvr>
+</p:sld>
+</file>
+
+<file path=ppt/slides/slide11.xml><?xml version="1.0" encoding="utf-8"?>
+<p:sld xmlns:a="http://schemas.openxmlformats.org/drawingml/2006/main" xmlns:r="http://schemas.openxmlformats.org/officeDocument/2006/relationships" xmlns:p="http://schemas.openxmlformats.org/presentationml/2006/main">
+  <p:cSld>
+    <p:spTree>
+      <p:nvGrpSpPr>
         <p:cNvPr id="1" name="">
           <a:extLst>
             <a:ext uri="{FF2B5EF4-FFF2-40B4-BE49-F238E27FC236}">
@@ -10137,7 +10547,7 @@
             <a:fld id="{5BFCF61C-3B18-4C03-8326-CC3B32D710C9}" type="slidenum">
               <a:rPr lang="en-US" smtClean="0"/>
               <a:pPr/>
-              <a:t>10</a:t>
+              <a:t>11</a:t>
             </a:fld>
             <a:endParaRPr lang="en-US"/>
           </a:p>
@@ -10661,7 +11071,7 @@
 </p:sld>
 </file>
 
-<file path=ppt/slides/slide11.xml><?xml version="1.0" encoding="utf-8"?>
+<file path=ppt/slides/slide12.xml><?xml version="1.0" encoding="utf-8"?>
 <p:sld xmlns:a="http://schemas.openxmlformats.org/drawingml/2006/main" xmlns:r="http://schemas.openxmlformats.org/officeDocument/2006/relationships" xmlns:p="http://schemas.openxmlformats.org/presentationml/2006/main">
   <p:cSld>
     <p:spTree>
@@ -10766,7 +11176,7 @@
         </p:blipFill>
         <p:spPr>
           <a:xfrm>
-            <a:off x="3775564" y="285749"/>
+            <a:off x="5551610" y="216698"/>
             <a:ext cx="3843704" cy="3843704"/>
           </a:xfrm>
           <a:prstGeom prst="rect">
@@ -10788,8 +11198,8 @@
         </p:nvSpPr>
         <p:spPr>
           <a:xfrm>
-            <a:off x="1567962" y="4474856"/>
-            <a:ext cx="9056076" cy="584775"/>
+            <a:off x="5222632" y="4193502"/>
+            <a:ext cx="6523892" cy="446276"/>
           </a:xfrm>
           <a:prstGeom prst="rect">
             <a:avLst/>
@@ -10803,7 +11213,7 @@
           <a:lstStyle/>
           <a:p>
             <a:r>
-              <a:rPr lang="en-US" sz="3200" dirty="0">
+              <a:rPr lang="en-US" sz="2300" dirty="0">
                 <a:solidFill>
                   <a:schemeClr val="bg1"/>
                 </a:solidFill>
@@ -10811,6 +11221,65 @@
                 <a:cs typeface="Times New Roman" panose="02020603050405020304" pitchFamily="18" charset="0"/>
               </a:rPr>
               <a:t>https://www.github.com/RexGloriae/RandomNumber</a:t>
+            </a:r>
+          </a:p>
+        </p:txBody>
+      </p:sp>
+      <p:sp>
+        <p:nvSpPr>
+          <p:cNvPr id="6" name="Title 23">
+            <a:extLst>
+              <a:ext uri="{FF2B5EF4-FFF2-40B4-BE49-F238E27FC236}">
+                <a16:creationId xmlns:a16="http://schemas.microsoft.com/office/drawing/2014/main" id="{48D59012-3E84-2E87-836C-104B975FBAF0}"/>
+              </a:ext>
+            </a:extLst>
+          </p:cNvPr>
+          <p:cNvSpPr>
+            <a:spLocks noGrp="1"/>
+          </p:cNvSpPr>
+          <p:nvPr>
+            <p:ph type="ctrTitle"/>
+          </p:nvPr>
+        </p:nvSpPr>
+        <p:spPr>
+          <a:xfrm>
+            <a:off x="1281115" y="2129091"/>
+            <a:ext cx="3843704" cy="2365369"/>
+          </a:xfrm>
+        </p:spPr>
+        <p:txBody>
+          <a:bodyPr>
+            <a:noAutofit/>
+          </a:bodyPr>
+          <a:lstStyle/>
+          <a:p>
+            <a:r>
+              <a:rPr lang="en-US" sz="5000" dirty="0">
+                <a:latin typeface="Times New Roman" panose="02020603050405020304" pitchFamily="18" charset="0"/>
+                <a:cs typeface="Times New Roman" panose="02020603050405020304" pitchFamily="18" charset="0"/>
+              </a:rPr>
+              <a:t>A</a:t>
+            </a:r>
+            <a:r>
+              <a:rPr lang="en-US" sz="3000" dirty="0">
+                <a:latin typeface="Times New Roman" panose="02020603050405020304" pitchFamily="18" charset="0"/>
+                <a:cs typeface="Times New Roman" panose="02020603050405020304" pitchFamily="18" charset="0"/>
+              </a:rPr>
+              <a:t>n</a:t>
+            </a:r>
+            <a:r>
+              <a:rPr lang="en-US" sz="5000" dirty="0">
+                <a:latin typeface="Times New Roman" panose="02020603050405020304" pitchFamily="18" charset="0"/>
+                <a:cs typeface="Times New Roman" panose="02020603050405020304" pitchFamily="18" charset="0"/>
+              </a:rPr>
+              <a:t> </a:t>
+            </a:r>
+            <a:r>
+              <a:rPr lang="en-US" sz="3000" dirty="0">
+                <a:latin typeface="Times New Roman" panose="02020603050405020304" pitchFamily="18" charset="0"/>
+                <a:cs typeface="Times New Roman" panose="02020603050405020304" pitchFamily="18" charset="0"/>
+              </a:rPr>
+              <a:t>implementation of a true random number generator</a:t>
             </a:r>
           </a:p>
         </p:txBody>
@@ -11277,7 +11746,7 @@
         <p:spPr>
           <a:xfrm>
             <a:off x="1652954" y="2681653"/>
-            <a:ext cx="9108831" cy="3139321"/>
+            <a:ext cx="9108831" cy="1785104"/>
           </a:xfrm>
           <a:prstGeom prst="rect">
             <a:avLst/>
@@ -11299,7 +11768,7 @@
                 <a:latin typeface="Times New Roman" panose="02020603050405020304" pitchFamily="18" charset="0"/>
                 <a:cs typeface="Times New Roman" panose="02020603050405020304" pitchFamily="18" charset="0"/>
               </a:rPr>
-              <a:t>A random number generator is a software algorithm or hardware device that generates a number and outputs it;  </a:t>
+              <a:t>a software algorithm or hardware device that generates a number and outputs it;  </a:t>
             </a:r>
           </a:p>
           <a:p>
@@ -11312,7 +11781,7 @@
                 <a:latin typeface="Times New Roman" panose="02020603050405020304" pitchFamily="18" charset="0"/>
                 <a:cs typeface="Times New Roman" panose="02020603050405020304" pitchFamily="18" charset="0"/>
               </a:rPr>
-              <a:t>In Cryptography, generating a random set of data that can’t be reproduced can be challenging;</a:t>
+              <a:t>generating a random set of data that can’t be reproduced can be challenging;</a:t>
             </a:r>
           </a:p>
           <a:p>
@@ -11325,28 +11794,8 @@
                 <a:latin typeface="Times New Roman" panose="02020603050405020304" pitchFamily="18" charset="0"/>
                 <a:cs typeface="Times New Roman" panose="02020603050405020304" pitchFamily="18" charset="0"/>
               </a:rPr>
-              <a:t>A Random Number Generator (RNG) is needed in processes like key generation, initialization vectors and other cryptographic purposes.</a:t>
-            </a:r>
-          </a:p>
-          <a:p>
-            <a:pPr marL="342900" indent="-342900" algn="just">
-              <a:buFont typeface="Arial" panose="020B0604020202020204" pitchFamily="34" charset="0"/>
-              <a:buChar char="•"/>
-            </a:pPr>
-            <a:r>
-              <a:rPr lang="en-US" sz="2200" dirty="0">
-                <a:latin typeface="Times New Roman" panose="02020603050405020304" pitchFamily="18" charset="0"/>
-                <a:cs typeface="Times New Roman" panose="02020603050405020304" pitchFamily="18" charset="0"/>
-              </a:rPr>
-              <a:t>Therefore, the security of such a RNG becomes one of the most concerning subjects.</a:t>
-            </a:r>
-          </a:p>
-          <a:p>
-            <a:pPr algn="just"/>
-            <a:endParaRPr lang="en-US" sz="2200" dirty="0">
-              <a:latin typeface="Times New Roman" panose="02020603050405020304" pitchFamily="18" charset="0"/>
-              <a:cs typeface="Times New Roman" panose="02020603050405020304" pitchFamily="18" charset="0"/>
-            </a:endParaRPr>
+              <a:t>processes like key generation, initialization vectors and other cryptographic purposes.</a:t>
+            </a:r>
           </a:p>
         </p:txBody>
       </p:sp>
@@ -12352,10 +12801,10 @@
       </p:pic>
       <p:pic>
         <p:nvPicPr>
-          <p:cNvPr id="8" name="Picture 7">
-            <a:extLst>
-              <a:ext uri="{FF2B5EF4-FFF2-40B4-BE49-F238E27FC236}">
-                <a16:creationId xmlns:a16="http://schemas.microsoft.com/office/drawing/2014/main" id="{67177D3E-7D00-6E55-BA3F-4004D33EDD8E}"/>
+          <p:cNvPr id="6" name="Picture 5">
+            <a:extLst>
+              <a:ext uri="{FF2B5EF4-FFF2-40B4-BE49-F238E27FC236}">
+                <a16:creationId xmlns:a16="http://schemas.microsoft.com/office/drawing/2014/main" id="{08B7F978-8C10-53E3-C68C-4C72BB8DDA0E}"/>
               </a:ext>
             </a:extLst>
           </p:cNvPr>
@@ -12372,8 +12821,8 @@
         </p:blipFill>
         <p:spPr>
           <a:xfrm>
-            <a:off x="411480" y="1575658"/>
-            <a:ext cx="6191250" cy="4105275"/>
+            <a:off x="349934" y="1455467"/>
+            <a:ext cx="6191250" cy="4114800"/>
           </a:xfrm>
           <a:prstGeom prst="rect">
             <a:avLst/>
@@ -12401,6 +12850,340 @@
         <p:cNvPr id="1" name="">
           <a:extLst>
             <a:ext uri="{FF2B5EF4-FFF2-40B4-BE49-F238E27FC236}">
+              <a16:creationId xmlns:a16="http://schemas.microsoft.com/office/drawing/2014/main" id="{8C41DE15-5B94-8DE7-14E9-961676B77E07}"/>
+            </a:ext>
+          </a:extLst>
+        </p:cNvPr>
+        <p:cNvGrpSpPr/>
+        <p:nvPr/>
+      </p:nvGrpSpPr>
+      <p:grpSpPr>
+        <a:xfrm>
+          <a:off x="0" y="0"/>
+          <a:ext cx="0" cy="0"/>
+          <a:chOff x="0" y="0"/>
+          <a:chExt cx="0" cy="0"/>
+        </a:xfrm>
+      </p:grpSpPr>
+      <p:sp>
+        <p:nvSpPr>
+          <p:cNvPr id="2" name="Title 1">
+            <a:extLst>
+              <a:ext uri="{FF2B5EF4-FFF2-40B4-BE49-F238E27FC236}">
+                <a16:creationId xmlns:a16="http://schemas.microsoft.com/office/drawing/2014/main" id="{F77B98B6-F201-CF19-A80E-305A468C6B7C}"/>
+              </a:ext>
+            </a:extLst>
+          </p:cNvPr>
+          <p:cNvSpPr>
+            <a:spLocks noGrp="1"/>
+          </p:cNvSpPr>
+          <p:nvPr>
+            <p:ph type="title"/>
+          </p:nvPr>
+        </p:nvSpPr>
+        <p:spPr>
+          <a:xfrm rot="-5400000">
+            <a:off x="1082310" y="2173315"/>
+            <a:ext cx="4846320" cy="1682749"/>
+          </a:xfrm>
+        </p:spPr>
+        <p:txBody>
+          <a:bodyPr/>
+          <a:lstStyle/>
+          <a:p>
+            <a:r>
+              <a:rPr lang="en-US" sz="2500" dirty="0"/>
+              <a:t>B</a:t>
+            </a:r>
+            <a:r>
+              <a:rPr lang="en-US" sz="1500" dirty="0"/>
+              <a:t>oring math stuff</a:t>
+            </a:r>
+          </a:p>
+        </p:txBody>
+      </p:sp>
+      <p:sp>
+        <p:nvSpPr>
+          <p:cNvPr id="12" name="Footer Placeholder 11">
+            <a:extLst>
+              <a:ext uri="{FF2B5EF4-FFF2-40B4-BE49-F238E27FC236}">
+                <a16:creationId xmlns:a16="http://schemas.microsoft.com/office/drawing/2014/main" id="{EDE10CBC-5895-22F9-29FF-A53FC22A3EC2}"/>
+              </a:ext>
+            </a:extLst>
+          </p:cNvPr>
+          <p:cNvSpPr>
+            <a:spLocks noGrp="1"/>
+          </p:cNvSpPr>
+          <p:nvPr>
+            <p:ph type="ftr" sz="quarter" idx="11"/>
+          </p:nvPr>
+        </p:nvSpPr>
+        <p:spPr/>
+        <p:txBody>
+          <a:bodyPr/>
+          <a:lstStyle/>
+          <a:p>
+            <a:r>
+              <a:rPr lang="en-US"/>
+              <a:t>An implementation of a true random number generator</a:t>
+            </a:r>
+            <a:endParaRPr lang="en-PK" dirty="0"/>
+          </a:p>
+        </p:txBody>
+      </p:sp>
+      <p:sp>
+        <p:nvSpPr>
+          <p:cNvPr id="13" name="Slide Number Placeholder 12">
+            <a:extLst>
+              <a:ext uri="{FF2B5EF4-FFF2-40B4-BE49-F238E27FC236}">
+                <a16:creationId xmlns:a16="http://schemas.microsoft.com/office/drawing/2014/main" id="{CB865666-E395-70F2-7DD7-879A14D0D256}"/>
+              </a:ext>
+            </a:extLst>
+          </p:cNvPr>
+          <p:cNvSpPr>
+            <a:spLocks noGrp="1"/>
+          </p:cNvSpPr>
+          <p:nvPr>
+            <p:ph type="sldNum" sz="quarter" idx="12"/>
+          </p:nvPr>
+        </p:nvSpPr>
+        <p:spPr/>
+        <p:txBody>
+          <a:bodyPr/>
+          <a:lstStyle/>
+          <a:p>
+            <a:fld id="{5BFCF61C-3B18-4C03-8326-CC3B32D710C9}" type="slidenum">
+              <a:rPr lang="en-US" smtClean="0"/>
+              <a:pPr/>
+              <a:t>7</a:t>
+            </a:fld>
+            <a:endParaRPr lang="en-US"/>
+          </a:p>
+        </p:txBody>
+      </p:sp>
+      <p:pic>
+        <p:nvPicPr>
+          <p:cNvPr id="7" name="Picture 6">
+            <a:extLst>
+              <a:ext uri="{FF2B5EF4-FFF2-40B4-BE49-F238E27FC236}">
+                <a16:creationId xmlns:a16="http://schemas.microsoft.com/office/drawing/2014/main" id="{B9668524-EAF3-3A3D-1B61-DA69EB589D39}"/>
+              </a:ext>
+            </a:extLst>
+          </p:cNvPr>
+          <p:cNvPicPr>
+            <a:picLocks noChangeAspect="1"/>
+          </p:cNvPicPr>
+          <p:nvPr/>
+        </p:nvPicPr>
+        <p:blipFill>
+          <a:blip r:embed="rId2"/>
+          <a:stretch>
+            <a:fillRect/>
+          </a:stretch>
+        </p:blipFill>
+        <p:spPr>
+          <a:xfrm>
+            <a:off x="2240280" y="-8686"/>
+            <a:ext cx="942588" cy="982416"/>
+          </a:xfrm>
+          <a:prstGeom prst="rect">
+            <a:avLst/>
+          </a:prstGeom>
+        </p:spPr>
+      </p:pic>
+      <p:pic>
+        <p:nvPicPr>
+          <p:cNvPr id="8" name="Picture 7">
+            <a:extLst>
+              <a:ext uri="{FF2B5EF4-FFF2-40B4-BE49-F238E27FC236}">
+                <a16:creationId xmlns:a16="http://schemas.microsoft.com/office/drawing/2014/main" id="{9DE45964-9DBE-23B4-D2E7-FADF975AFC35}"/>
+              </a:ext>
+            </a:extLst>
+          </p:cNvPr>
+          <p:cNvPicPr>
+            <a:picLocks noChangeAspect="1"/>
+          </p:cNvPicPr>
+          <p:nvPr/>
+        </p:nvPicPr>
+        <p:blipFill>
+          <a:blip r:embed="rId3"/>
+          <a:stretch>
+            <a:fillRect/>
+          </a:stretch>
+        </p:blipFill>
+        <p:spPr>
+          <a:xfrm>
+            <a:off x="3111358" y="7115"/>
+            <a:ext cx="1137914" cy="1137914"/>
+          </a:xfrm>
+          <a:prstGeom prst="rect">
+            <a:avLst/>
+          </a:prstGeom>
+        </p:spPr>
+      </p:pic>
+      <p:sp>
+        <p:nvSpPr>
+          <p:cNvPr id="16" name="Title 1">
+            <a:extLst>
+              <a:ext uri="{FF2B5EF4-FFF2-40B4-BE49-F238E27FC236}">
+                <a16:creationId xmlns:a16="http://schemas.microsoft.com/office/drawing/2014/main" id="{6A92514E-588A-2327-0D6B-937F3F530B05}"/>
+              </a:ext>
+            </a:extLst>
+          </p:cNvPr>
+          <p:cNvSpPr txBox="1">
+            <a:spLocks/>
+          </p:cNvSpPr>
+          <p:nvPr/>
+        </p:nvSpPr>
+        <p:spPr>
+          <a:xfrm>
+            <a:off x="288414" y="1810898"/>
+            <a:ext cx="4846320" cy="1682749"/>
+          </a:xfrm>
+          <a:prstGeom prst="rect">
+            <a:avLst/>
+          </a:prstGeom>
+        </p:spPr>
+        <p:txBody>
+          <a:bodyPr vert="horz" lIns="91440" tIns="45720" rIns="91440" bIns="45720" rtlCol="0" anchor="t">
+            <a:noAutofit/>
+          </a:bodyPr>
+          <a:lstStyle>
+            <a:lvl1pPr algn="l" defTabSz="914400" rtl="0" eaLnBrk="1" latinLnBrk="0" hangingPunct="1">
+              <a:lnSpc>
+                <a:spcPct val="80000"/>
+              </a:lnSpc>
+              <a:spcBef>
+                <a:spcPct val="0"/>
+              </a:spcBef>
+              <a:buNone/>
+              <a:defRPr sz="5000" kern="1200" cap="all" baseline="0">
+                <a:solidFill>
+                  <a:schemeClr val="tx2"/>
+                </a:solidFill>
+                <a:latin typeface="+mj-lt"/>
+                <a:ea typeface="+mj-ea"/>
+                <a:cs typeface="+mj-cs"/>
+              </a:defRPr>
+            </a:lvl1pPr>
+          </a:lstStyle>
+          <a:p>
+            <a:r>
+              <a:rPr lang="en-US" dirty="0"/>
+              <a:t>Test results</a:t>
+            </a:r>
+          </a:p>
+        </p:txBody>
+      </p:sp>
+      <p:sp>
+        <p:nvSpPr>
+          <p:cNvPr id="3" name="Title 1">
+            <a:extLst>
+              <a:ext uri="{FF2B5EF4-FFF2-40B4-BE49-F238E27FC236}">
+                <a16:creationId xmlns:a16="http://schemas.microsoft.com/office/drawing/2014/main" id="{6C08BC3D-898E-767B-75B9-64192BB7B219}"/>
+              </a:ext>
+            </a:extLst>
+          </p:cNvPr>
+          <p:cNvSpPr txBox="1">
+            <a:spLocks/>
+          </p:cNvSpPr>
+          <p:nvPr/>
+        </p:nvSpPr>
+        <p:spPr>
+          <a:xfrm>
+            <a:off x="4449594" y="1424398"/>
+            <a:ext cx="4846320" cy="1682749"/>
+          </a:xfrm>
+          <a:prstGeom prst="rect">
+            <a:avLst/>
+          </a:prstGeom>
+        </p:spPr>
+        <p:txBody>
+          <a:bodyPr vert="horz" lIns="91440" tIns="45720" rIns="91440" bIns="45720" rtlCol="0" anchor="t">
+            <a:noAutofit/>
+          </a:bodyPr>
+          <a:lstStyle>
+            <a:lvl1pPr algn="l" defTabSz="914400" rtl="0" eaLnBrk="1" latinLnBrk="0" hangingPunct="1">
+              <a:lnSpc>
+                <a:spcPct val="80000"/>
+              </a:lnSpc>
+              <a:spcBef>
+                <a:spcPct val="0"/>
+              </a:spcBef>
+              <a:buNone/>
+              <a:defRPr sz="5000" kern="1200" cap="all" baseline="0">
+                <a:solidFill>
+                  <a:schemeClr val="tx2"/>
+                </a:solidFill>
+                <a:latin typeface="+mj-lt"/>
+                <a:ea typeface="+mj-ea"/>
+                <a:cs typeface="+mj-cs"/>
+              </a:defRPr>
+            </a:lvl1pPr>
+          </a:lstStyle>
+          <a:p>
+            <a:r>
+              <a:rPr lang="en-US" sz="2500" dirty="0"/>
+              <a:t>F</a:t>
+            </a:r>
+            <a:r>
+              <a:rPr lang="en-US" sz="1500" dirty="0"/>
+              <a:t>irst try</a:t>
+            </a:r>
+          </a:p>
+        </p:txBody>
+      </p:sp>
+      <p:pic>
+        <p:nvPicPr>
+          <p:cNvPr id="6" name="Picture 5">
+            <a:extLst>
+              <a:ext uri="{FF2B5EF4-FFF2-40B4-BE49-F238E27FC236}">
+                <a16:creationId xmlns:a16="http://schemas.microsoft.com/office/drawing/2014/main" id="{6DA37D14-AECA-FB35-574F-4DAC4F30AAFE}"/>
+              </a:ext>
+            </a:extLst>
+          </p:cNvPr>
+          <p:cNvPicPr>
+            <a:picLocks noChangeAspect="1"/>
+          </p:cNvPicPr>
+          <p:nvPr/>
+        </p:nvPicPr>
+        <p:blipFill>
+          <a:blip r:embed="rId4"/>
+          <a:stretch>
+            <a:fillRect/>
+          </a:stretch>
+        </p:blipFill>
+        <p:spPr>
+          <a:xfrm>
+            <a:off x="4449594" y="1793329"/>
+            <a:ext cx="7453992" cy="3726996"/>
+          </a:xfrm>
+          <a:prstGeom prst="rect">
+            <a:avLst/>
+          </a:prstGeom>
+        </p:spPr>
+      </p:pic>
+    </p:spTree>
+    <p:extLst>
+      <p:ext uri="{BB962C8B-B14F-4D97-AF65-F5344CB8AC3E}">
+        <p14:creationId xmlns:p14="http://schemas.microsoft.com/office/powerpoint/2010/main" val="2982256995"/>
+      </p:ext>
+    </p:extLst>
+  </p:cSld>
+  <p:clrMapOvr>
+    <a:masterClrMapping/>
+  </p:clrMapOvr>
+</p:sld>
+</file>
+
+<file path=ppt/slides/slide8.xml><?xml version="1.0" encoding="utf-8"?>
+<p:sld xmlns:a="http://schemas.openxmlformats.org/drawingml/2006/main" xmlns:r="http://schemas.openxmlformats.org/officeDocument/2006/relationships" xmlns:p="http://schemas.openxmlformats.org/presentationml/2006/main">
+  <p:cSld>
+    <p:spTree>
+      <p:nvGrpSpPr>
+        <p:cNvPr id="1" name="">
+          <a:extLst>
+            <a:ext uri="{FF2B5EF4-FFF2-40B4-BE49-F238E27FC236}">
               <a16:creationId xmlns:a16="http://schemas.microsoft.com/office/drawing/2014/main" id="{D079E791-3E16-5317-F520-B4BD52B32F02}"/>
             </a:ext>
           </a:extLst>
@@ -12506,7 +13289,7 @@
             <a:fld id="{5BFCF61C-3B18-4C03-8326-CC3B32D710C9}" type="slidenum">
               <a:rPr lang="en-US" smtClean="0"/>
               <a:pPr/>
-              <a:t>7</a:t>
+              <a:t>8</a:t>
             </a:fld>
             <a:endParaRPr lang="en-US"/>
           </a:p>
@@ -12648,7 +13431,7 @@
         </p:blipFill>
         <p:spPr>
           <a:xfrm>
-            <a:off x="4604197" y="301752"/>
+            <a:off x="4596071" y="692411"/>
             <a:ext cx="6934210" cy="3467105"/>
           </a:xfrm>
           <a:prstGeom prst="rect">
@@ -12678,7 +13461,7 @@
         </p:blipFill>
         <p:spPr>
           <a:xfrm>
-            <a:off x="4604197" y="3768857"/>
+            <a:off x="4596071" y="4159516"/>
             <a:ext cx="5362575" cy="1276350"/>
           </a:xfrm>
           <a:prstGeom prst="rect">
@@ -12750,6 +13533,64 @@
                 <a:cs typeface="Times New Roman" panose="02020603050405020304" pitchFamily="18" charset="0"/>
               </a:rPr>
               <a:t>Serial correlation – checks if a value is correlated with the following ones</a:t>
+            </a:r>
+          </a:p>
+        </p:txBody>
+      </p:sp>
+      <p:sp>
+        <p:nvSpPr>
+          <p:cNvPr id="3" name="Title 1">
+            <a:extLst>
+              <a:ext uri="{FF2B5EF4-FFF2-40B4-BE49-F238E27FC236}">
+                <a16:creationId xmlns:a16="http://schemas.microsoft.com/office/drawing/2014/main" id="{9D46124D-E893-429F-CEBB-30560D618105}"/>
+              </a:ext>
+            </a:extLst>
+          </p:cNvPr>
+          <p:cNvSpPr txBox="1">
+            <a:spLocks/>
+          </p:cNvSpPr>
+          <p:nvPr/>
+        </p:nvSpPr>
+        <p:spPr>
+          <a:xfrm>
+            <a:off x="4540374" y="152306"/>
+            <a:ext cx="4846320" cy="1682749"/>
+          </a:xfrm>
+          <a:prstGeom prst="rect">
+            <a:avLst/>
+          </a:prstGeom>
+        </p:spPr>
+        <p:txBody>
+          <a:bodyPr vert="horz" lIns="91440" tIns="45720" rIns="91440" bIns="45720" rtlCol="0" anchor="t">
+            <a:noAutofit/>
+          </a:bodyPr>
+          <a:lstStyle>
+            <a:lvl1pPr algn="l" defTabSz="914400" rtl="0" eaLnBrk="1" latinLnBrk="0" hangingPunct="1">
+              <a:lnSpc>
+                <a:spcPct val="80000"/>
+              </a:lnSpc>
+              <a:spcBef>
+                <a:spcPct val="0"/>
+              </a:spcBef>
+              <a:buNone/>
+              <a:defRPr sz="5000" kern="1200" cap="all" baseline="0">
+                <a:solidFill>
+                  <a:schemeClr val="tx2"/>
+                </a:solidFill>
+                <a:latin typeface="+mj-lt"/>
+                <a:ea typeface="+mj-ea"/>
+                <a:cs typeface="+mj-cs"/>
+              </a:defRPr>
+            </a:lvl1pPr>
+          </a:lstStyle>
+          <a:p>
+            <a:r>
+              <a:rPr lang="en-US" sz="2500" dirty="0"/>
+              <a:t>A</a:t>
+            </a:r>
+            <a:r>
+              <a:rPr lang="en-US" sz="1500" dirty="0"/>
+              <a:t>fter applying DSA knowledge (Bernstein’s hash algorithm)</a:t>
             </a:r>
           </a:p>
         </p:txBody>
@@ -12767,7 +13608,7 @@
 </p:sld>
 </file>
 
-<file path=ppt/slides/slide8.xml><?xml version="1.0" encoding="utf-8"?>
+<file path=ppt/slides/slide9.xml><?xml version="1.0" encoding="utf-8"?>
 <p:sld xmlns:a="http://schemas.openxmlformats.org/drawingml/2006/main" xmlns:r="http://schemas.openxmlformats.org/officeDocument/2006/relationships" xmlns:p="http://schemas.openxmlformats.org/presentationml/2006/main">
   <p:cSld>
     <p:spTree>
@@ -12843,7 +13684,7 @@
             <a:fld id="{5BFCF61C-3B18-4C03-8326-CC3B32D710C9}" type="slidenum">
               <a:rPr lang="en-US" smtClean="0"/>
               <a:pPr/>
-              <a:t>8</a:t>
+              <a:t>9</a:t>
             </a:fld>
             <a:endParaRPr lang="en-US"/>
           </a:p>
@@ -13495,337 +14336,6 @@
     <p:extLst>
       <p:ext uri="{BB962C8B-B14F-4D97-AF65-F5344CB8AC3E}">
         <p14:creationId xmlns:p14="http://schemas.microsoft.com/office/powerpoint/2010/main" val="3572495888"/>
-      </p:ext>
-    </p:extLst>
-  </p:cSld>
-  <p:clrMapOvr>
-    <a:masterClrMapping/>
-  </p:clrMapOvr>
-</p:sld>
-</file>
-
-<file path=ppt/slides/slide9.xml><?xml version="1.0" encoding="utf-8"?>
-<p:sld xmlns:a="http://schemas.openxmlformats.org/drawingml/2006/main" xmlns:r="http://schemas.openxmlformats.org/officeDocument/2006/relationships" xmlns:p="http://schemas.openxmlformats.org/presentationml/2006/main">
-  <p:cSld>
-    <p:spTree>
-      <p:nvGrpSpPr>
-        <p:cNvPr id="1" name=""/>
-        <p:cNvGrpSpPr/>
-        <p:nvPr/>
-      </p:nvGrpSpPr>
-      <p:grpSpPr>
-        <a:xfrm>
-          <a:off x="0" y="0"/>
-          <a:ext cx="0" cy="0"/>
-          <a:chOff x="0" y="0"/>
-          <a:chExt cx="0" cy="0"/>
-        </a:xfrm>
-      </p:grpSpPr>
-      <p:sp>
-        <p:nvSpPr>
-          <p:cNvPr id="2" name="Title 1">
-            <a:extLst>
-              <a:ext uri="{FF2B5EF4-FFF2-40B4-BE49-F238E27FC236}">
-                <a16:creationId xmlns:a16="http://schemas.microsoft.com/office/drawing/2014/main" id="{DB262C4D-3F97-1652-3A4A-C989986D9B65}"/>
-              </a:ext>
-            </a:extLst>
-          </p:cNvPr>
-          <p:cNvSpPr>
-            <a:spLocks noGrp="1"/>
-          </p:cNvSpPr>
-          <p:nvPr>
-            <p:ph type="title"/>
-          </p:nvPr>
-        </p:nvSpPr>
-        <p:spPr>
-          <a:xfrm>
-            <a:off x="87221" y="1346290"/>
-            <a:ext cx="4846320" cy="1682749"/>
-          </a:xfrm>
-        </p:spPr>
-        <p:txBody>
-          <a:bodyPr/>
-          <a:lstStyle/>
-          <a:p>
-            <a:r>
-              <a:rPr lang="en-US" dirty="0">
-                <a:solidFill>
-                  <a:schemeClr val="accent5">
-                    <a:lumMod val="50000"/>
-                  </a:schemeClr>
-                </a:solidFill>
-              </a:rPr>
-              <a:t>Security comparison to c’s </a:t>
-            </a:r>
-            <a:r>
-              <a:rPr lang="en-US" dirty="0" err="1">
-                <a:solidFill>
-                  <a:schemeClr val="accent5">
-                    <a:lumMod val="50000"/>
-                  </a:schemeClr>
-                </a:solidFill>
-              </a:rPr>
-              <a:t>prng</a:t>
-            </a:r>
-            <a:endParaRPr lang="en-US" dirty="0">
-              <a:solidFill>
-                <a:schemeClr val="accent5">
-                  <a:lumMod val="50000"/>
-                </a:schemeClr>
-              </a:solidFill>
-            </a:endParaRPr>
-          </a:p>
-        </p:txBody>
-      </p:sp>
-      <p:sp>
-        <p:nvSpPr>
-          <p:cNvPr id="12" name="Footer Placeholder 11">
-            <a:extLst>
-              <a:ext uri="{FF2B5EF4-FFF2-40B4-BE49-F238E27FC236}">
-                <a16:creationId xmlns:a16="http://schemas.microsoft.com/office/drawing/2014/main" id="{BEC1259C-0A50-37A0-081E-E36D391D7A08}"/>
-              </a:ext>
-            </a:extLst>
-          </p:cNvPr>
-          <p:cNvSpPr>
-            <a:spLocks noGrp="1"/>
-          </p:cNvSpPr>
-          <p:nvPr>
-            <p:ph type="ftr" sz="quarter" idx="11"/>
-          </p:nvPr>
-        </p:nvSpPr>
-        <p:spPr/>
-        <p:txBody>
-          <a:bodyPr/>
-          <a:lstStyle/>
-          <a:p>
-            <a:r>
-              <a:rPr lang="en-US"/>
-              <a:t>An implementation of a true random number generator</a:t>
-            </a:r>
-            <a:endParaRPr lang="en-PK" dirty="0"/>
-          </a:p>
-        </p:txBody>
-      </p:sp>
-      <p:sp>
-        <p:nvSpPr>
-          <p:cNvPr id="13" name="Slide Number Placeholder 12">
-            <a:extLst>
-              <a:ext uri="{FF2B5EF4-FFF2-40B4-BE49-F238E27FC236}">
-                <a16:creationId xmlns:a16="http://schemas.microsoft.com/office/drawing/2014/main" id="{208378E4-1369-B8BE-D097-D0A68C992F75}"/>
-              </a:ext>
-            </a:extLst>
-          </p:cNvPr>
-          <p:cNvSpPr>
-            <a:spLocks noGrp="1"/>
-          </p:cNvSpPr>
-          <p:nvPr>
-            <p:ph type="sldNum" sz="quarter" idx="12"/>
-          </p:nvPr>
-        </p:nvSpPr>
-        <p:spPr/>
-        <p:txBody>
-          <a:bodyPr/>
-          <a:lstStyle/>
-          <a:p>
-            <a:fld id="{5BFCF61C-3B18-4C03-8326-CC3B32D710C9}" type="slidenum">
-              <a:rPr lang="en-US" smtClean="0"/>
-              <a:pPr/>
-              <a:t>9</a:t>
-            </a:fld>
-            <a:endParaRPr lang="en-US"/>
-          </a:p>
-        </p:txBody>
-      </p:sp>
-      <p:pic>
-        <p:nvPicPr>
-          <p:cNvPr id="3" name="Picture 2">
-            <a:extLst>
-              <a:ext uri="{FF2B5EF4-FFF2-40B4-BE49-F238E27FC236}">
-                <a16:creationId xmlns:a16="http://schemas.microsoft.com/office/drawing/2014/main" id="{F17C7DC5-917B-9792-EE9A-DB58CDE77495}"/>
-              </a:ext>
-            </a:extLst>
-          </p:cNvPr>
-          <p:cNvPicPr>
-            <a:picLocks noChangeAspect="1"/>
-          </p:cNvPicPr>
-          <p:nvPr/>
-        </p:nvPicPr>
-        <p:blipFill>
-          <a:blip r:embed="rId2"/>
-          <a:stretch>
-            <a:fillRect/>
-          </a:stretch>
-        </p:blipFill>
-        <p:spPr>
-          <a:xfrm>
-            <a:off x="2240280" y="-8686"/>
-            <a:ext cx="942588" cy="982416"/>
-          </a:xfrm>
-          <a:prstGeom prst="rect">
-            <a:avLst/>
-          </a:prstGeom>
-        </p:spPr>
-      </p:pic>
-      <p:pic>
-        <p:nvPicPr>
-          <p:cNvPr id="4" name="Picture 3">
-            <a:extLst>
-              <a:ext uri="{FF2B5EF4-FFF2-40B4-BE49-F238E27FC236}">
-                <a16:creationId xmlns:a16="http://schemas.microsoft.com/office/drawing/2014/main" id="{D5EFF67E-4637-3727-7571-762A49861957}"/>
-              </a:ext>
-            </a:extLst>
-          </p:cNvPr>
-          <p:cNvPicPr>
-            <a:picLocks noChangeAspect="1"/>
-          </p:cNvPicPr>
-          <p:nvPr/>
-        </p:nvPicPr>
-        <p:blipFill>
-          <a:blip r:embed="rId3"/>
-          <a:stretch>
-            <a:fillRect/>
-          </a:stretch>
-        </p:blipFill>
-        <p:spPr>
-          <a:xfrm>
-            <a:off x="3111358" y="7115"/>
-            <a:ext cx="1137914" cy="1137914"/>
-          </a:xfrm>
-          <a:prstGeom prst="rect">
-            <a:avLst/>
-          </a:prstGeom>
-        </p:spPr>
-      </p:pic>
-      <p:sp>
-        <p:nvSpPr>
-          <p:cNvPr id="8" name="TextBox 7">
-            <a:extLst>
-              <a:ext uri="{FF2B5EF4-FFF2-40B4-BE49-F238E27FC236}">
-                <a16:creationId xmlns:a16="http://schemas.microsoft.com/office/drawing/2014/main" id="{0C8CBA8C-03D6-1C78-AD15-166BE2633236}"/>
-              </a:ext>
-            </a:extLst>
-          </p:cNvPr>
-          <p:cNvSpPr txBox="1"/>
-          <p:nvPr/>
-        </p:nvSpPr>
-        <p:spPr>
-          <a:xfrm>
-            <a:off x="5680887" y="576072"/>
-            <a:ext cx="5669343" cy="2862322"/>
-          </a:xfrm>
-          <a:prstGeom prst="rect">
-            <a:avLst/>
-          </a:prstGeom>
-          <a:noFill/>
-        </p:spPr>
-        <p:txBody>
-          <a:bodyPr wrap="square" rtlCol="0">
-            <a:spAutoFit/>
-          </a:bodyPr>
-          <a:lstStyle/>
-          <a:p>
-            <a:r>
-              <a:rPr lang="en-US" dirty="0">
-                <a:solidFill>
-                  <a:schemeClr val="bg1"/>
-                </a:solidFill>
-                <a:latin typeface="Times New Roman" panose="02020603050405020304" pitchFamily="18" charset="0"/>
-                <a:cs typeface="Times New Roman" panose="02020603050405020304" pitchFamily="18" charset="0"/>
-              </a:rPr>
-              <a:t>When talking about the differences between a TRNG and a PRNG, there is one key aspect to keep in mind: the purpose we use it for. </a:t>
-            </a:r>
-          </a:p>
-          <a:p>
-            <a:pPr marL="285750" indent="-285750">
-              <a:buFont typeface="Wingdings" panose="05000000000000000000" pitchFamily="2" charset="2"/>
-              <a:buChar char="Ø"/>
-            </a:pPr>
-            <a:r>
-              <a:rPr lang="en-US" dirty="0">
-                <a:solidFill>
-                  <a:schemeClr val="bg1"/>
-                </a:solidFill>
-                <a:latin typeface="Times New Roman" panose="02020603050405020304" pitchFamily="18" charset="0"/>
-                <a:cs typeface="Times New Roman" panose="02020603050405020304" pitchFamily="18" charset="0"/>
-              </a:rPr>
-              <a:t>If we need some fast random data, without caring too much about the security behind it, we should definitely choose a PRNG, as it can generate data way faster.</a:t>
-            </a:r>
-          </a:p>
-          <a:p>
-            <a:pPr marL="285750" indent="-285750">
-              <a:buFont typeface="Wingdings" panose="05000000000000000000" pitchFamily="2" charset="2"/>
-              <a:buChar char="Ø"/>
-            </a:pPr>
-            <a:r>
-              <a:rPr lang="en-US" dirty="0">
-                <a:solidFill>
-                  <a:schemeClr val="bg1"/>
-                </a:solidFill>
-                <a:latin typeface="Times New Roman" panose="02020603050405020304" pitchFamily="18" charset="0"/>
-                <a:cs typeface="Times New Roman" panose="02020603050405020304" pitchFamily="18" charset="0"/>
-              </a:rPr>
-              <a:t>On the other hand, if we need to use the random data to generate cryptographic keys, or any other sensitive data, we should opt for a TRNG. While it can be more costly, it grants us the security that it is irreproducible.</a:t>
-            </a:r>
-          </a:p>
-        </p:txBody>
-      </p:sp>
-      <p:sp>
-        <p:nvSpPr>
-          <p:cNvPr id="9" name="TextBox 8">
-            <a:extLst>
-              <a:ext uri="{FF2B5EF4-FFF2-40B4-BE49-F238E27FC236}">
-                <a16:creationId xmlns:a16="http://schemas.microsoft.com/office/drawing/2014/main" id="{5A71B60C-E878-7E5D-1529-4946D1D6A20B}"/>
-              </a:ext>
-            </a:extLst>
-          </p:cNvPr>
-          <p:cNvSpPr txBox="1"/>
-          <p:nvPr/>
-        </p:nvSpPr>
-        <p:spPr>
-          <a:xfrm>
-            <a:off x="4712677" y="3815862"/>
-            <a:ext cx="5196254" cy="1754326"/>
-          </a:xfrm>
-          <a:prstGeom prst="rect">
-            <a:avLst/>
-          </a:prstGeom>
-          <a:noFill/>
-        </p:spPr>
-        <p:txBody>
-          <a:bodyPr wrap="square" rtlCol="0">
-            <a:spAutoFit/>
-          </a:bodyPr>
-          <a:lstStyle/>
-          <a:p>
-            <a:r>
-              <a:rPr lang="en-US" dirty="0">
-                <a:solidFill>
-                  <a:schemeClr val="bg1"/>
-                </a:solidFill>
-                <a:latin typeface="Times New Roman" panose="02020603050405020304" pitchFamily="18" charset="0"/>
-                <a:cs typeface="Times New Roman" panose="02020603050405020304" pitchFamily="18" charset="0"/>
-              </a:rPr>
-              <a:t>To compare the two, we have produced two pairs of files filled with raw data of equal sizes. </a:t>
-            </a:r>
-          </a:p>
-          <a:p>
-            <a:r>
-              <a:rPr lang="en-US" dirty="0">
-                <a:solidFill>
-                  <a:schemeClr val="bg1"/>
-                </a:solidFill>
-                <a:latin typeface="Times New Roman" panose="02020603050405020304" pitchFamily="18" charset="0"/>
-                <a:cs typeface="Times New Roman" panose="02020603050405020304" pitchFamily="18" charset="0"/>
-              </a:rPr>
-              <a:t>One pair contains raw data generated from our TRNG, and the other pair contains raw data generated from C’s standard RNG, using the Linear Congruential Generator.</a:t>
-            </a:r>
-          </a:p>
-        </p:txBody>
-      </p:sp>
-    </p:spTree>
-    <p:extLst>
-      <p:ext uri="{BB962C8B-B14F-4D97-AF65-F5344CB8AC3E}">
-        <p14:creationId xmlns:p14="http://schemas.microsoft.com/office/powerpoint/2010/main" val="616355143"/>
       </p:ext>
     </p:extLst>
   </p:cSld>
@@ -14627,6 +15137,26 @@
 </file>
 
 <file path=customXml/item1.xml><?xml version="1.0" encoding="utf-8"?>
+<p:properties xmlns:p="http://schemas.microsoft.com/office/2006/metadata/properties" xmlns:xsi="http://www.w3.org/2001/XMLSchema-instance" xmlns:pc="http://schemas.microsoft.com/office/infopath/2007/PartnerControls">
+  <documentManagement>
+    <_ip_UnifiedCompliancePolicyUIAction xmlns="http://schemas.microsoft.com/sharepoint/v3" xsi:nil="true"/>
+    <Image xmlns="71af3243-3dd4-4a8d-8c0d-dd76da1f02a5">
+      <Url xsi:nil="true"/>
+      <Description xsi:nil="true"/>
+    </Image>
+    <Status xmlns="71af3243-3dd4-4a8d-8c0d-dd76da1f02a5">Not started</Status>
+    <Background xmlns="71af3243-3dd4-4a8d-8c0d-dd76da1f02a5">false</Background>
+    <_ip_UnifiedCompliancePolicyProperties xmlns="http://schemas.microsoft.com/sharepoint/v3" xsi:nil="true"/>
+    <ImageTagsTaxHTField xmlns="71af3243-3dd4-4a8d-8c0d-dd76da1f02a5">
+      <Terms xmlns="http://schemas.microsoft.com/office/infopath/2007/PartnerControls"/>
+    </ImageTagsTaxHTField>
+    <TaxCatchAll xmlns="230e9df3-be65-4c73-a93b-d1236ebd677e" xsi:nil="true"/>
+    <MediaServiceKeyPoints xmlns="71af3243-3dd4-4a8d-8c0d-dd76da1f02a5" xsi:nil="true"/>
+  </documentManagement>
+</p:properties>
+</file>
+
+<file path=customXml/item2.xml><?xml version="1.0" encoding="utf-8"?>
 <ct:contentTypeSchema xmlns:ct="http://schemas.microsoft.com/office/2006/metadata/contentType" xmlns:ma="http://schemas.microsoft.com/office/2006/metadata/properties/metaAttributes" ct:_="" ma:_="" ma:contentTypeName="Document" ma:contentTypeID="0x01010079F111ED35F8CC479449609E8A0923A6" ma:contentTypeVersion="24" ma:contentTypeDescription="Create a new document." ma:contentTypeScope="" ma:versionID="2d714a3296df14eba7a100bb665443ca">
   <xsd:schema xmlns:xsd="http://www.w3.org/2001/XMLSchema" xmlns:xs="http://www.w3.org/2001/XMLSchema" xmlns:p="http://schemas.microsoft.com/office/2006/metadata/properties" xmlns:ns1="http://schemas.microsoft.com/sharepoint/v3" xmlns:ns2="71af3243-3dd4-4a8d-8c0d-dd76da1f02a5" xmlns:ns3="16c05727-aa75-4e4a-9b5f-8a80a1165891" xmlns:ns4="230e9df3-be65-4c73-a93b-d1236ebd677e" targetNamespace="http://schemas.microsoft.com/office/2006/metadata/properties" ma:root="true" ma:fieldsID="49549bf45bfbbfb6cffed527380e77e1" ns1:_="" ns2:_="" ns3:_="" ns4:_="">
     <xsd:import namespace="http://schemas.microsoft.com/sharepoint/v3"/>
@@ -14914,26 +15444,6 @@
 </ct:contentTypeSchema>
 </file>
 
-<file path=customXml/item2.xml><?xml version="1.0" encoding="utf-8"?>
-<p:properties xmlns:p="http://schemas.microsoft.com/office/2006/metadata/properties" xmlns:xsi="http://www.w3.org/2001/XMLSchema-instance" xmlns:pc="http://schemas.microsoft.com/office/infopath/2007/PartnerControls">
-  <documentManagement>
-    <_ip_UnifiedCompliancePolicyUIAction xmlns="http://schemas.microsoft.com/sharepoint/v3" xsi:nil="true"/>
-    <Image xmlns="71af3243-3dd4-4a8d-8c0d-dd76da1f02a5">
-      <Url xsi:nil="true"/>
-      <Description xsi:nil="true"/>
-    </Image>
-    <Status xmlns="71af3243-3dd4-4a8d-8c0d-dd76da1f02a5">Not started</Status>
-    <Background xmlns="71af3243-3dd4-4a8d-8c0d-dd76da1f02a5">false</Background>
-    <_ip_UnifiedCompliancePolicyProperties xmlns="http://schemas.microsoft.com/sharepoint/v3" xsi:nil="true"/>
-    <ImageTagsTaxHTField xmlns="71af3243-3dd4-4a8d-8c0d-dd76da1f02a5">
-      <Terms xmlns="http://schemas.microsoft.com/office/infopath/2007/PartnerControls"/>
-    </ImageTagsTaxHTField>
-    <TaxCatchAll xmlns="230e9df3-be65-4c73-a93b-d1236ebd677e" xsi:nil="true"/>
-    <MediaServiceKeyPoints xmlns="71af3243-3dd4-4a8d-8c0d-dd76da1f02a5" xsi:nil="true"/>
-  </documentManagement>
-</p:properties>
-</file>
-
 <file path=customXml/item3.xml><?xml version="1.0" encoding="utf-8"?>
 <?mso-contentType ?>
 <FormTemplates xmlns="http://schemas.microsoft.com/sharepoint/v3/contenttype/forms">
@@ -14944,6 +15454,18 @@
 </file>
 
 <file path=customXml/itemProps1.xml><?xml version="1.0" encoding="utf-8"?>
+<ds:datastoreItem xmlns:ds="http://schemas.openxmlformats.org/officeDocument/2006/customXml" ds:itemID="{411F98F7-6576-47F1-AD63-56E26C339747}">
+  <ds:schemaRefs>
+    <ds:schemaRef ds:uri="http://schemas.microsoft.com/office/2006/metadata/properties"/>
+    <ds:schemaRef ds:uri="http://schemas.microsoft.com/office/infopath/2007/PartnerControls"/>
+    <ds:schemaRef ds:uri="http://schemas.microsoft.com/sharepoint/v3"/>
+    <ds:schemaRef ds:uri="71af3243-3dd4-4a8d-8c0d-dd76da1f02a5"/>
+    <ds:schemaRef ds:uri="230e9df3-be65-4c73-a93b-d1236ebd677e"/>
+  </ds:schemaRefs>
+</ds:datastoreItem>
+</file>
+
+<file path=customXml/itemProps2.xml><?xml version="1.0" encoding="utf-8"?>
 <ds:datastoreItem xmlns:ds="http://schemas.openxmlformats.org/officeDocument/2006/customXml" ds:itemID="{5783CE7D-BFC6-4030-A335-E7F88DB66414}">
   <ds:schemaRefs>
     <ds:schemaRef ds:uri="http://schemas.microsoft.com/office/2006/metadata/contentType"/>
@@ -14964,18 +15486,6 @@
 </ds:datastoreItem>
 </file>
 
-<file path=customXml/itemProps2.xml><?xml version="1.0" encoding="utf-8"?>
-<ds:datastoreItem xmlns:ds="http://schemas.openxmlformats.org/officeDocument/2006/customXml" ds:itemID="{411F98F7-6576-47F1-AD63-56E26C339747}">
-  <ds:schemaRefs>
-    <ds:schemaRef ds:uri="http://schemas.microsoft.com/office/2006/metadata/properties"/>
-    <ds:schemaRef ds:uri="http://schemas.microsoft.com/office/infopath/2007/PartnerControls"/>
-    <ds:schemaRef ds:uri="http://schemas.microsoft.com/sharepoint/v3"/>
-    <ds:schemaRef ds:uri="71af3243-3dd4-4a8d-8c0d-dd76da1f02a5"/>
-    <ds:schemaRef ds:uri="230e9df3-be65-4c73-a93b-d1236ebd677e"/>
-  </ds:schemaRefs>
-</ds:datastoreItem>
-</file>
-
 <file path=customXml/itemProps3.xml><?xml version="1.0" encoding="utf-8"?>
 <ds:datastoreItem xmlns:ds="http://schemas.openxmlformats.org/officeDocument/2006/customXml" ds:itemID="{25B4CAA5-BE7A-46AB-97ED-63B24C46A3A8}">
   <ds:schemaRefs>

--- a/CERC 2025.pptx
+++ b/CERC 2025.pptx
@@ -5,10 +5,10 @@
     <p:sldMasterId id="2147483648" r:id="rId4"/>
   </p:sldMasterIdLst>
   <p:notesMasterIdLst>
-    <p:notesMasterId r:id="rId17"/>
+    <p:notesMasterId r:id="rId18"/>
   </p:notesMasterIdLst>
   <p:handoutMasterIdLst>
-    <p:handoutMasterId r:id="rId18"/>
+    <p:handoutMasterId r:id="rId19"/>
   </p:handoutMasterIdLst>
   <p:sldIdLst>
     <p:sldId id="273" r:id="rId5"/>
@@ -17,12 +17,13 @@
     <p:sldId id="281" r:id="rId8"/>
     <p:sldId id="280" r:id="rId9"/>
     <p:sldId id="278" r:id="rId10"/>
-    <p:sldId id="295" r:id="rId11"/>
-    <p:sldId id="284" r:id="rId12"/>
-    <p:sldId id="293" r:id="rId13"/>
-    <p:sldId id="279" r:id="rId14"/>
-    <p:sldId id="294" r:id="rId15"/>
-    <p:sldId id="292" r:id="rId16"/>
+    <p:sldId id="296" r:id="rId11"/>
+    <p:sldId id="295" r:id="rId12"/>
+    <p:sldId id="284" r:id="rId13"/>
+    <p:sldId id="293" r:id="rId14"/>
+    <p:sldId id="279" r:id="rId15"/>
+    <p:sldId id="294" r:id="rId16"/>
+    <p:sldId id="292" r:id="rId17"/>
   </p:sldIdLst>
   <p:sldSz cx="12192000" cy="6858000"/>
   <p:notesSz cx="6858000" cy="9144000"/>
@@ -378,7 +379,7 @@
           <a:p>
             <a:fld id="{83433F7E-3633-4FA3-974D-CA21FB24834F}" type="datetimeFigureOut">
               <a:rPr lang="en-US" smtClean="0"/>
-              <a:t>08-Apr-25</a:t>
+              <a:t>09-Apr-25</a:t>
             </a:fld>
             <a:endParaRPr lang="en-US"/>
           </a:p>
@@ -555,7 +556,7 @@
           <a:p>
             <a:fld id="{D945F7B4-7442-4021-9F1E-8BC3C363C892}" type="datetimeFigureOut">
               <a:rPr lang="en-US" noProof="0" smtClean="0"/>
-              <a:t>08-Apr-25</a:t>
+              <a:t>09-Apr-25</a:t>
             </a:fld>
             <a:endParaRPr lang="en-US" noProof="0" dirty="0"/>
           </a:p>
@@ -1079,7 +1080,7 @@
           <a:p>
             <a:fld id="{DECDE012-9E2E-4477-8B5C-4E7D4E9BCBA6}" type="slidenum">
               <a:rPr lang="en-US" smtClean="0"/>
-              <a:t>12</a:t>
+              <a:t>13</a:t>
             </a:fld>
             <a:endParaRPr lang="en-US"/>
           </a:p>
@@ -10011,6 +10012,743 @@
   <p:cSld>
     <p:spTree>
       <p:nvGrpSpPr>
+        <p:cNvPr id="1" name="">
+          <a:extLst>
+            <a:ext uri="{FF2B5EF4-FFF2-40B4-BE49-F238E27FC236}">
+              <a16:creationId xmlns:a16="http://schemas.microsoft.com/office/drawing/2014/main" id="{66DB10B3-03BD-0203-72FC-C1EF84314BF3}"/>
+            </a:ext>
+          </a:extLst>
+        </p:cNvPr>
+        <p:cNvGrpSpPr/>
+        <p:nvPr/>
+      </p:nvGrpSpPr>
+      <p:grpSpPr>
+        <a:xfrm>
+          <a:off x="0" y="0"/>
+          <a:ext cx="0" cy="0"/>
+          <a:chOff x="0" y="0"/>
+          <a:chExt cx="0" cy="0"/>
+        </a:xfrm>
+      </p:grpSpPr>
+      <p:sp>
+        <p:nvSpPr>
+          <p:cNvPr id="12" name="Footer Placeholder 11">
+            <a:extLst>
+              <a:ext uri="{FF2B5EF4-FFF2-40B4-BE49-F238E27FC236}">
+                <a16:creationId xmlns:a16="http://schemas.microsoft.com/office/drawing/2014/main" id="{A373FE3E-DB55-C519-F4C2-2B046942AA19}"/>
+              </a:ext>
+            </a:extLst>
+          </p:cNvPr>
+          <p:cNvSpPr>
+            <a:spLocks noGrp="1"/>
+          </p:cNvSpPr>
+          <p:nvPr>
+            <p:ph type="ftr" sz="quarter" idx="11"/>
+          </p:nvPr>
+        </p:nvSpPr>
+        <p:spPr/>
+        <p:txBody>
+          <a:bodyPr/>
+          <a:lstStyle/>
+          <a:p>
+            <a:r>
+              <a:rPr lang="en-US"/>
+              <a:t>An implementation of a true random number generator</a:t>
+            </a:r>
+            <a:endParaRPr lang="en-PK" dirty="0"/>
+          </a:p>
+        </p:txBody>
+      </p:sp>
+      <p:sp>
+        <p:nvSpPr>
+          <p:cNvPr id="13" name="Slide Number Placeholder 12">
+            <a:extLst>
+              <a:ext uri="{FF2B5EF4-FFF2-40B4-BE49-F238E27FC236}">
+                <a16:creationId xmlns:a16="http://schemas.microsoft.com/office/drawing/2014/main" id="{6DED96D4-7FD1-E6CE-AFDB-0664F17EE281}"/>
+              </a:ext>
+            </a:extLst>
+          </p:cNvPr>
+          <p:cNvSpPr>
+            <a:spLocks noGrp="1"/>
+          </p:cNvSpPr>
+          <p:nvPr>
+            <p:ph type="sldNum" sz="quarter" idx="12"/>
+          </p:nvPr>
+        </p:nvSpPr>
+        <p:spPr/>
+        <p:txBody>
+          <a:bodyPr/>
+          <a:lstStyle/>
+          <a:p>
+            <a:fld id="{5BFCF61C-3B18-4C03-8326-CC3B32D710C9}" type="slidenum">
+              <a:rPr lang="en-US" smtClean="0"/>
+              <a:pPr/>
+              <a:t>10</a:t>
+            </a:fld>
+            <a:endParaRPr lang="en-US"/>
+          </a:p>
+        </p:txBody>
+      </p:sp>
+      <p:pic>
+        <p:nvPicPr>
+          <p:cNvPr id="7" name="Picture 6">
+            <a:extLst>
+              <a:ext uri="{FF2B5EF4-FFF2-40B4-BE49-F238E27FC236}">
+                <a16:creationId xmlns:a16="http://schemas.microsoft.com/office/drawing/2014/main" id="{8B54732D-87D7-B5E3-0D6F-D4BA87F569BF}"/>
+              </a:ext>
+            </a:extLst>
+          </p:cNvPr>
+          <p:cNvPicPr>
+            <a:picLocks noChangeAspect="1"/>
+          </p:cNvPicPr>
+          <p:nvPr/>
+        </p:nvPicPr>
+        <p:blipFill>
+          <a:blip r:embed="rId2"/>
+          <a:stretch>
+            <a:fillRect/>
+          </a:stretch>
+        </p:blipFill>
+        <p:spPr>
+          <a:xfrm>
+            <a:off x="2240280" y="-8686"/>
+            <a:ext cx="942588" cy="982416"/>
+          </a:xfrm>
+          <a:prstGeom prst="rect">
+            <a:avLst/>
+          </a:prstGeom>
+        </p:spPr>
+      </p:pic>
+      <p:pic>
+        <p:nvPicPr>
+          <p:cNvPr id="8" name="Picture 7">
+            <a:extLst>
+              <a:ext uri="{FF2B5EF4-FFF2-40B4-BE49-F238E27FC236}">
+                <a16:creationId xmlns:a16="http://schemas.microsoft.com/office/drawing/2014/main" id="{F0CC76DF-BB2B-0B88-4583-816D5543989A}"/>
+              </a:ext>
+            </a:extLst>
+          </p:cNvPr>
+          <p:cNvPicPr>
+            <a:picLocks noChangeAspect="1"/>
+          </p:cNvPicPr>
+          <p:nvPr/>
+        </p:nvPicPr>
+        <p:blipFill>
+          <a:blip r:embed="rId3"/>
+          <a:stretch>
+            <a:fillRect/>
+          </a:stretch>
+        </p:blipFill>
+        <p:spPr>
+          <a:xfrm>
+            <a:off x="3111358" y="7115"/>
+            <a:ext cx="1137914" cy="1137914"/>
+          </a:xfrm>
+          <a:prstGeom prst="rect">
+            <a:avLst/>
+          </a:prstGeom>
+        </p:spPr>
+      </p:pic>
+      <p:sp>
+        <p:nvSpPr>
+          <p:cNvPr id="16" name="Title 1">
+            <a:extLst>
+              <a:ext uri="{FF2B5EF4-FFF2-40B4-BE49-F238E27FC236}">
+                <a16:creationId xmlns:a16="http://schemas.microsoft.com/office/drawing/2014/main" id="{1148ED5E-604C-DFA6-E04A-584723E245C0}"/>
+              </a:ext>
+            </a:extLst>
+          </p:cNvPr>
+          <p:cNvSpPr txBox="1">
+            <a:spLocks/>
+          </p:cNvSpPr>
+          <p:nvPr/>
+        </p:nvSpPr>
+        <p:spPr>
+          <a:xfrm>
+            <a:off x="288414" y="1810898"/>
+            <a:ext cx="4846320" cy="1682749"/>
+          </a:xfrm>
+          <a:prstGeom prst="rect">
+            <a:avLst/>
+          </a:prstGeom>
+        </p:spPr>
+        <p:txBody>
+          <a:bodyPr vert="horz" lIns="91440" tIns="45720" rIns="91440" bIns="45720" rtlCol="0" anchor="t">
+            <a:noAutofit/>
+          </a:bodyPr>
+          <a:lstStyle>
+            <a:lvl1pPr algn="l" defTabSz="914400" rtl="0" eaLnBrk="1" latinLnBrk="0" hangingPunct="1">
+              <a:lnSpc>
+                <a:spcPct val="80000"/>
+              </a:lnSpc>
+              <a:spcBef>
+                <a:spcPct val="0"/>
+              </a:spcBef>
+              <a:buNone/>
+              <a:defRPr sz="5000" kern="1200" cap="all" baseline="0">
+                <a:solidFill>
+                  <a:schemeClr val="tx2"/>
+                </a:solidFill>
+                <a:latin typeface="+mj-lt"/>
+                <a:ea typeface="+mj-ea"/>
+                <a:cs typeface="+mj-cs"/>
+              </a:defRPr>
+            </a:lvl1pPr>
+          </a:lstStyle>
+          <a:p>
+            <a:r>
+              <a:rPr lang="en-US" dirty="0"/>
+              <a:t>Test results</a:t>
+            </a:r>
+          </a:p>
+        </p:txBody>
+      </p:sp>
+      <p:sp>
+        <p:nvSpPr>
+          <p:cNvPr id="21" name="TextBox 20">
+            <a:extLst>
+              <a:ext uri="{FF2B5EF4-FFF2-40B4-BE49-F238E27FC236}">
+                <a16:creationId xmlns:a16="http://schemas.microsoft.com/office/drawing/2014/main" id="{D3DFF309-34C9-83B7-E977-02E6D5ADC155}"/>
+              </a:ext>
+            </a:extLst>
+          </p:cNvPr>
+          <p:cNvSpPr txBox="1"/>
+          <p:nvPr/>
+        </p:nvSpPr>
+        <p:spPr>
+          <a:xfrm>
+            <a:off x="4249272" y="301752"/>
+            <a:ext cx="7614138" cy="5970865"/>
+          </a:xfrm>
+          <a:prstGeom prst="rect">
+            <a:avLst/>
+          </a:prstGeom>
+          <a:noFill/>
+        </p:spPr>
+        <p:txBody>
+          <a:bodyPr wrap="square" rtlCol="0">
+            <a:spAutoFit/>
+          </a:bodyPr>
+          <a:lstStyle/>
+          <a:p>
+            <a:r>
+              <a:rPr lang="en-US" dirty="0">
+                <a:latin typeface="Times New Roman" panose="02020603050405020304" pitchFamily="18" charset="0"/>
+                <a:cs typeface="Times New Roman" panose="02020603050405020304" pitchFamily="18" charset="0"/>
+              </a:rPr>
+              <a:t>NIST Test Suite report</a:t>
+            </a:r>
+          </a:p>
+          <a:p>
+            <a:r>
+              <a:rPr lang="en-US" sz="1400" dirty="0">
+                <a:latin typeface="Times New Roman" panose="02020603050405020304" pitchFamily="18" charset="0"/>
+                <a:cs typeface="Times New Roman" panose="02020603050405020304" pitchFamily="18" charset="0"/>
+              </a:rPr>
+              <a:t>------------------------------------------------------------------------------</a:t>
+            </a:r>
+          </a:p>
+          <a:p>
+            <a:r>
+              <a:rPr lang="en-US" sz="1400" dirty="0">
+                <a:latin typeface="Times New Roman" panose="02020603050405020304" pitchFamily="18" charset="0"/>
+                <a:cs typeface="Times New Roman" panose="02020603050405020304" pitchFamily="18" charset="0"/>
+              </a:rPr>
+              <a:t>RESULTS FOR THE UNIFORMITY OF P-VALUES AND THE PROPORTION OF PASSING SEQUENCES</a:t>
+            </a:r>
+          </a:p>
+          <a:p>
+            <a:r>
+              <a:rPr lang="en-US" sz="1400" dirty="0">
+                <a:latin typeface="Times New Roman" panose="02020603050405020304" pitchFamily="18" charset="0"/>
+                <a:cs typeface="Times New Roman" panose="02020603050405020304" pitchFamily="18" charset="0"/>
+              </a:rPr>
+              <a:t>------------------------------------------------------------------------------</a:t>
+            </a:r>
+          </a:p>
+          <a:p>
+            <a:r>
+              <a:rPr lang="en-US" sz="1400" dirty="0">
+                <a:latin typeface="Times New Roman" panose="02020603050405020304" pitchFamily="18" charset="0"/>
+                <a:cs typeface="Times New Roman" panose="02020603050405020304" pitchFamily="18" charset="0"/>
+              </a:rPr>
+              <a:t>   generator is &lt;</a:t>
+            </a:r>
+            <a:r>
+              <a:rPr lang="en-US" sz="1400" dirty="0" err="1">
+                <a:latin typeface="Times New Roman" panose="02020603050405020304" pitchFamily="18" charset="0"/>
+                <a:cs typeface="Times New Roman" panose="02020603050405020304" pitchFamily="18" charset="0"/>
+              </a:rPr>
+              <a:t>data.bin</a:t>
+            </a:r>
+            <a:r>
+              <a:rPr lang="en-US" sz="1400" dirty="0">
+                <a:latin typeface="Times New Roman" panose="02020603050405020304" pitchFamily="18" charset="0"/>
+                <a:cs typeface="Times New Roman" panose="02020603050405020304" pitchFamily="18" charset="0"/>
+              </a:rPr>
+              <a:t>&gt;</a:t>
+            </a:r>
+          </a:p>
+          <a:p>
+            <a:r>
+              <a:rPr lang="en-US" sz="1400" dirty="0">
+                <a:latin typeface="Times New Roman" panose="02020603050405020304" pitchFamily="18" charset="0"/>
+                <a:cs typeface="Times New Roman" panose="02020603050405020304" pitchFamily="18" charset="0"/>
+              </a:rPr>
+              <a:t>------------------------------------------------------------------------------</a:t>
+            </a:r>
+          </a:p>
+          <a:p>
+            <a:r>
+              <a:rPr lang="en-US" sz="1400" dirty="0">
+                <a:latin typeface="Times New Roman" panose="02020603050405020304" pitchFamily="18" charset="0"/>
+                <a:cs typeface="Times New Roman" panose="02020603050405020304" pitchFamily="18" charset="0"/>
+              </a:rPr>
+              <a:t> C1  C2  C3  C4  C5  C6  C7  C8  C9 C10  P-VALUE  PROPORTION  STATISTICAL TEST</a:t>
+            </a:r>
+          </a:p>
+          <a:p>
+            <a:r>
+              <a:rPr lang="en-US" sz="1400" dirty="0">
+                <a:latin typeface="Times New Roman" panose="02020603050405020304" pitchFamily="18" charset="0"/>
+                <a:cs typeface="Times New Roman" panose="02020603050405020304" pitchFamily="18" charset="0"/>
+              </a:rPr>
+              <a:t>------------------------------------------------------------------------------</a:t>
+            </a:r>
+          </a:p>
+          <a:p>
+            <a:r>
+              <a:rPr lang="en-US" sz="1400" dirty="0">
+                <a:latin typeface="Times New Roman" panose="02020603050405020304" pitchFamily="18" charset="0"/>
+                <a:cs typeface="Times New Roman" panose="02020603050405020304" pitchFamily="18" charset="0"/>
+              </a:rPr>
+              <a:t>  0   4   1   1   0   0   0   1   1   2  0.122325     10/10      Frequency</a:t>
+            </a:r>
+          </a:p>
+          <a:p>
+            <a:r>
+              <a:rPr lang="en-US" sz="1400" dirty="0">
+                <a:latin typeface="Times New Roman" panose="02020603050405020304" pitchFamily="18" charset="0"/>
+                <a:cs typeface="Times New Roman" panose="02020603050405020304" pitchFamily="18" charset="0"/>
+              </a:rPr>
+              <a:t>  2   1   1   1   0   2   0   0   2   1  0.739918     10/10      </a:t>
+            </a:r>
+            <a:r>
+              <a:rPr lang="en-US" sz="1400" dirty="0" err="1">
+                <a:latin typeface="Times New Roman" panose="02020603050405020304" pitchFamily="18" charset="0"/>
+                <a:cs typeface="Times New Roman" panose="02020603050405020304" pitchFamily="18" charset="0"/>
+              </a:rPr>
+              <a:t>BlockFrequency</a:t>
+            </a:r>
+            <a:endParaRPr lang="en-US" sz="1400" dirty="0">
+              <a:latin typeface="Times New Roman" panose="02020603050405020304" pitchFamily="18" charset="0"/>
+              <a:cs typeface="Times New Roman" panose="02020603050405020304" pitchFamily="18" charset="0"/>
+            </a:endParaRPr>
+          </a:p>
+          <a:p>
+            <a:r>
+              <a:rPr lang="en-US" sz="1400" dirty="0">
+                <a:latin typeface="Times New Roman" panose="02020603050405020304" pitchFamily="18" charset="0"/>
+                <a:cs typeface="Times New Roman" panose="02020603050405020304" pitchFamily="18" charset="0"/>
+              </a:rPr>
+              <a:t>  2   0   5   0   0   0   2   0   0   1  0.004301     10/10      </a:t>
+            </a:r>
+            <a:r>
+              <a:rPr lang="en-US" sz="1400" dirty="0" err="1">
+                <a:latin typeface="Times New Roman" panose="02020603050405020304" pitchFamily="18" charset="0"/>
+                <a:cs typeface="Times New Roman" panose="02020603050405020304" pitchFamily="18" charset="0"/>
+              </a:rPr>
+              <a:t>CumulativeSums</a:t>
+            </a:r>
+            <a:endParaRPr lang="en-US" sz="1400" dirty="0">
+              <a:latin typeface="Times New Roman" panose="02020603050405020304" pitchFamily="18" charset="0"/>
+              <a:cs typeface="Times New Roman" panose="02020603050405020304" pitchFamily="18" charset="0"/>
+            </a:endParaRPr>
+          </a:p>
+          <a:p>
+            <a:r>
+              <a:rPr lang="en-US" sz="1400" dirty="0">
+                <a:latin typeface="Times New Roman" panose="02020603050405020304" pitchFamily="18" charset="0"/>
+                <a:cs typeface="Times New Roman" panose="02020603050405020304" pitchFamily="18" charset="0"/>
+              </a:rPr>
+              <a:t>  0   2   2   1   2   0   0   1   1   1  0.739918     10/10      </a:t>
+            </a:r>
+            <a:r>
+              <a:rPr lang="en-US" sz="1400" dirty="0" err="1">
+                <a:latin typeface="Times New Roman" panose="02020603050405020304" pitchFamily="18" charset="0"/>
+                <a:cs typeface="Times New Roman" panose="02020603050405020304" pitchFamily="18" charset="0"/>
+              </a:rPr>
+              <a:t>CumulativeSums</a:t>
+            </a:r>
+            <a:endParaRPr lang="en-US" sz="1400" dirty="0">
+              <a:latin typeface="Times New Roman" panose="02020603050405020304" pitchFamily="18" charset="0"/>
+              <a:cs typeface="Times New Roman" panose="02020603050405020304" pitchFamily="18" charset="0"/>
+            </a:endParaRPr>
+          </a:p>
+          <a:p>
+            <a:r>
+              <a:rPr lang="en-US" sz="1400" dirty="0">
+                <a:latin typeface="Times New Roman" panose="02020603050405020304" pitchFamily="18" charset="0"/>
+                <a:cs typeface="Times New Roman" panose="02020603050405020304" pitchFamily="18" charset="0"/>
+              </a:rPr>
+              <a:t>  1   2   0   0   2   0   2   1   0   2  0.534146      9/10      Runs</a:t>
+            </a:r>
+          </a:p>
+          <a:p>
+            <a:r>
+              <a:rPr lang="en-US" sz="1400" dirty="0">
+                <a:latin typeface="Times New Roman" panose="02020603050405020304" pitchFamily="18" charset="0"/>
+                <a:cs typeface="Times New Roman" panose="02020603050405020304" pitchFamily="18" charset="0"/>
+              </a:rPr>
+              <a:t>  2   1   3   2   0   0   0   2   0   0  0.213309      9/10      </a:t>
+            </a:r>
+            <a:r>
+              <a:rPr lang="en-US" sz="1400" dirty="0" err="1">
+                <a:latin typeface="Times New Roman" panose="02020603050405020304" pitchFamily="18" charset="0"/>
+                <a:cs typeface="Times New Roman" panose="02020603050405020304" pitchFamily="18" charset="0"/>
+              </a:rPr>
+              <a:t>LongestRun</a:t>
+            </a:r>
+            <a:endParaRPr lang="en-US" sz="1400" dirty="0">
+              <a:latin typeface="Times New Roman" panose="02020603050405020304" pitchFamily="18" charset="0"/>
+              <a:cs typeface="Times New Roman" panose="02020603050405020304" pitchFamily="18" charset="0"/>
+            </a:endParaRPr>
+          </a:p>
+          <a:p>
+            <a:r>
+              <a:rPr lang="en-US" sz="1400" dirty="0">
+                <a:latin typeface="Times New Roman" panose="02020603050405020304" pitchFamily="18" charset="0"/>
+                <a:cs typeface="Times New Roman" panose="02020603050405020304" pitchFamily="18" charset="0"/>
+              </a:rPr>
+              <a:t>  2   0   1   2   2   0   1   1   0   1  0.739918     10/10      Rank</a:t>
+            </a:r>
+          </a:p>
+          <a:p>
+            <a:r>
+              <a:rPr lang="en-US" sz="1400" dirty="0">
+                <a:latin typeface="Times New Roman" panose="02020603050405020304" pitchFamily="18" charset="0"/>
+                <a:cs typeface="Times New Roman" panose="02020603050405020304" pitchFamily="18" charset="0"/>
+              </a:rPr>
+              <a:t>  0   1   1   1   3   2   0   0   1   1  0.534146     10/10      FFT</a:t>
+            </a:r>
+          </a:p>
+          <a:p>
+            <a:r>
+              <a:rPr lang="en-US" sz="1400" dirty="0">
+                <a:latin typeface="Times New Roman" panose="02020603050405020304" pitchFamily="18" charset="0"/>
+                <a:cs typeface="Times New Roman" panose="02020603050405020304" pitchFamily="18" charset="0"/>
+              </a:rPr>
+              <a:t>  1   2   1   0   1   1   0   1   3   0  0.534146     10/10      </a:t>
+            </a:r>
+            <a:r>
+              <a:rPr lang="en-US" sz="1400" dirty="0" err="1">
+                <a:latin typeface="Times New Roman" panose="02020603050405020304" pitchFamily="18" charset="0"/>
+                <a:cs typeface="Times New Roman" panose="02020603050405020304" pitchFamily="18" charset="0"/>
+              </a:rPr>
+              <a:t>NonOverlappingTemplate</a:t>
+            </a:r>
+            <a:endParaRPr lang="en-US" sz="1400" dirty="0">
+              <a:latin typeface="Times New Roman" panose="02020603050405020304" pitchFamily="18" charset="0"/>
+              <a:cs typeface="Times New Roman" panose="02020603050405020304" pitchFamily="18" charset="0"/>
+            </a:endParaRPr>
+          </a:p>
+          <a:p>
+            <a:r>
+              <a:rPr lang="en-US" sz="1400" dirty="0">
+                <a:latin typeface="Times New Roman" panose="02020603050405020304" pitchFamily="18" charset="0"/>
+                <a:cs typeface="Times New Roman" panose="02020603050405020304" pitchFamily="18" charset="0"/>
+              </a:rPr>
+              <a:t>  1   0   5   0   0   0   1   1   1   1  0.017912     10/10      </a:t>
+            </a:r>
+            <a:r>
+              <a:rPr lang="en-US" sz="1400" dirty="0" err="1">
+                <a:latin typeface="Times New Roman" panose="02020603050405020304" pitchFamily="18" charset="0"/>
+                <a:cs typeface="Times New Roman" panose="02020603050405020304" pitchFamily="18" charset="0"/>
+              </a:rPr>
+              <a:t>NonOverlappingTemplate</a:t>
+            </a:r>
+            <a:endParaRPr lang="en-US" sz="1400" dirty="0">
+              <a:latin typeface="Times New Roman" panose="02020603050405020304" pitchFamily="18" charset="0"/>
+              <a:cs typeface="Times New Roman" panose="02020603050405020304" pitchFamily="18" charset="0"/>
+            </a:endParaRPr>
+          </a:p>
+          <a:p>
+            <a:r>
+              <a:rPr lang="en-US" sz="1400" dirty="0">
+                <a:latin typeface="Times New Roman" panose="02020603050405020304" pitchFamily="18" charset="0"/>
+                <a:cs typeface="Times New Roman" panose="02020603050405020304" pitchFamily="18" charset="0"/>
+              </a:rPr>
+              <a:t>  1   0   2   1   0   0   1   1   1   3  0.534146      9/10      </a:t>
+            </a:r>
+            <a:r>
+              <a:rPr lang="en-US" sz="1400" dirty="0" err="1">
+                <a:latin typeface="Times New Roman" panose="02020603050405020304" pitchFamily="18" charset="0"/>
+                <a:cs typeface="Times New Roman" panose="02020603050405020304" pitchFamily="18" charset="0"/>
+              </a:rPr>
+              <a:t>NonOverlappingTemplate</a:t>
+            </a:r>
+            <a:endParaRPr lang="en-US" sz="1400" dirty="0">
+              <a:latin typeface="Times New Roman" panose="02020603050405020304" pitchFamily="18" charset="0"/>
+              <a:cs typeface="Times New Roman" panose="02020603050405020304" pitchFamily="18" charset="0"/>
+            </a:endParaRPr>
+          </a:p>
+          <a:p>
+            <a:r>
+              <a:rPr lang="en-US" sz="1400" dirty="0">
+                <a:latin typeface="Times New Roman" panose="02020603050405020304" pitchFamily="18" charset="0"/>
+                <a:cs typeface="Times New Roman" panose="02020603050405020304" pitchFamily="18" charset="0"/>
+              </a:rPr>
+              <a:t>  1   1   0   2   0   0   0   6   0   0  0.000199     10/10      </a:t>
+            </a:r>
+            <a:r>
+              <a:rPr lang="en-US" sz="1400" dirty="0" err="1">
+                <a:latin typeface="Times New Roman" panose="02020603050405020304" pitchFamily="18" charset="0"/>
+                <a:cs typeface="Times New Roman" panose="02020603050405020304" pitchFamily="18" charset="0"/>
+              </a:rPr>
+              <a:t>NonOverlappingTemplate</a:t>
+            </a:r>
+            <a:endParaRPr lang="en-US" sz="1400" dirty="0">
+              <a:latin typeface="Times New Roman" panose="02020603050405020304" pitchFamily="18" charset="0"/>
+              <a:cs typeface="Times New Roman" panose="02020603050405020304" pitchFamily="18" charset="0"/>
+            </a:endParaRPr>
+          </a:p>
+          <a:p>
+            <a:r>
+              <a:rPr lang="en-US" sz="1400" dirty="0">
+                <a:latin typeface="Times New Roman" panose="02020603050405020304" pitchFamily="18" charset="0"/>
+                <a:cs typeface="Times New Roman" panose="02020603050405020304" pitchFamily="18" charset="0"/>
+              </a:rPr>
+              <a:t>  1   0   2   1   1   1   1   0   1   2  0.911413     10/10      </a:t>
+            </a:r>
+            <a:r>
+              <a:rPr lang="en-US" sz="1400" dirty="0" err="1">
+                <a:latin typeface="Times New Roman" panose="02020603050405020304" pitchFamily="18" charset="0"/>
+                <a:cs typeface="Times New Roman" panose="02020603050405020304" pitchFamily="18" charset="0"/>
+              </a:rPr>
+              <a:t>NonOverlappingTemplate</a:t>
+            </a:r>
+            <a:endParaRPr lang="en-US" sz="1400" dirty="0">
+              <a:latin typeface="Times New Roman" panose="02020603050405020304" pitchFamily="18" charset="0"/>
+              <a:cs typeface="Times New Roman" panose="02020603050405020304" pitchFamily="18" charset="0"/>
+            </a:endParaRPr>
+          </a:p>
+          <a:p>
+            <a:r>
+              <a:rPr lang="en-US" sz="1400" dirty="0">
+                <a:latin typeface="Times New Roman" panose="02020603050405020304" pitchFamily="18" charset="0"/>
+                <a:cs typeface="Times New Roman" panose="02020603050405020304" pitchFamily="18" charset="0"/>
+              </a:rPr>
+              <a:t>  0   1   1   3   2   0   0   2   0   1  0.350485     10/10      </a:t>
+            </a:r>
+            <a:r>
+              <a:rPr lang="en-US" sz="1400" dirty="0" err="1">
+                <a:latin typeface="Times New Roman" panose="02020603050405020304" pitchFamily="18" charset="0"/>
+                <a:cs typeface="Times New Roman" panose="02020603050405020304" pitchFamily="18" charset="0"/>
+              </a:rPr>
+              <a:t>NonOverlappingTemplate</a:t>
+            </a:r>
+            <a:endParaRPr lang="en-US" sz="1400" dirty="0">
+              <a:latin typeface="Times New Roman" panose="02020603050405020304" pitchFamily="18" charset="0"/>
+              <a:cs typeface="Times New Roman" panose="02020603050405020304" pitchFamily="18" charset="0"/>
+            </a:endParaRPr>
+          </a:p>
+          <a:p>
+            <a:r>
+              <a:rPr lang="en-US" sz="1400" dirty="0">
+                <a:latin typeface="Times New Roman" panose="02020603050405020304" pitchFamily="18" charset="0"/>
+                <a:cs typeface="Times New Roman" panose="02020603050405020304" pitchFamily="18" charset="0"/>
+              </a:rPr>
+              <a:t>  1   0   0   0   0   3   5   1   0   0  0.002043     10/10      </a:t>
+            </a:r>
+            <a:r>
+              <a:rPr lang="en-US" sz="1400" dirty="0" err="1">
+                <a:latin typeface="Times New Roman" panose="02020603050405020304" pitchFamily="18" charset="0"/>
+                <a:cs typeface="Times New Roman" panose="02020603050405020304" pitchFamily="18" charset="0"/>
+              </a:rPr>
+              <a:t>NonOverlappingTemplate</a:t>
+            </a:r>
+            <a:endParaRPr lang="en-US" sz="1400" dirty="0">
+              <a:latin typeface="Times New Roman" panose="02020603050405020304" pitchFamily="18" charset="0"/>
+              <a:cs typeface="Times New Roman" panose="02020603050405020304" pitchFamily="18" charset="0"/>
+            </a:endParaRPr>
+          </a:p>
+          <a:p>
+            <a:r>
+              <a:rPr lang="en-US" sz="1400" dirty="0">
+                <a:latin typeface="Times New Roman" panose="02020603050405020304" pitchFamily="18" charset="0"/>
+                <a:cs typeface="Times New Roman" panose="02020603050405020304" pitchFamily="18" charset="0"/>
+              </a:rPr>
+              <a:t>  2   2   0   1   1   1   1   1   0   1  0.911413     10/10      </a:t>
+            </a:r>
+            <a:r>
+              <a:rPr lang="en-US" sz="1400" dirty="0" err="1">
+                <a:latin typeface="Times New Roman" panose="02020603050405020304" pitchFamily="18" charset="0"/>
+                <a:cs typeface="Times New Roman" panose="02020603050405020304" pitchFamily="18" charset="0"/>
+              </a:rPr>
+              <a:t>NonOverlappingTemplate</a:t>
+            </a:r>
+            <a:endParaRPr lang="en-US" sz="1400" dirty="0">
+              <a:latin typeface="Times New Roman" panose="02020603050405020304" pitchFamily="18" charset="0"/>
+              <a:cs typeface="Times New Roman" panose="02020603050405020304" pitchFamily="18" charset="0"/>
+            </a:endParaRPr>
+          </a:p>
+          <a:p>
+            <a:r>
+              <a:rPr lang="en-US" sz="1400" dirty="0">
+                <a:latin typeface="Times New Roman" panose="02020603050405020304" pitchFamily="18" charset="0"/>
+                <a:cs typeface="Times New Roman" panose="02020603050405020304" pitchFamily="18" charset="0"/>
+              </a:rPr>
+              <a:t>  2   0   0   0   5   0   0   3   0   0  0.000954     10/10      </a:t>
+            </a:r>
+            <a:r>
+              <a:rPr lang="en-US" sz="1400" dirty="0" err="1">
+                <a:latin typeface="Times New Roman" panose="02020603050405020304" pitchFamily="18" charset="0"/>
+                <a:cs typeface="Times New Roman" panose="02020603050405020304" pitchFamily="18" charset="0"/>
+              </a:rPr>
+              <a:t>NonOverlappingTemplate</a:t>
+            </a:r>
+            <a:endParaRPr lang="en-US" sz="1400" dirty="0">
+              <a:latin typeface="Times New Roman" panose="02020603050405020304" pitchFamily="18" charset="0"/>
+              <a:cs typeface="Times New Roman" panose="02020603050405020304" pitchFamily="18" charset="0"/>
+            </a:endParaRPr>
+          </a:p>
+          <a:p>
+            <a:r>
+              <a:rPr lang="en-US" sz="1400" dirty="0">
+                <a:latin typeface="Times New Roman" panose="02020603050405020304" pitchFamily="18" charset="0"/>
+                <a:cs typeface="Times New Roman" panose="02020603050405020304" pitchFamily="18" charset="0"/>
+              </a:rPr>
+              <a:t>  2   1   2   1   0   1   0   2   0   1  0.739918     10/10      </a:t>
+            </a:r>
+            <a:r>
+              <a:rPr lang="en-US" sz="1400" dirty="0" err="1">
+                <a:latin typeface="Times New Roman" panose="02020603050405020304" pitchFamily="18" charset="0"/>
+                <a:cs typeface="Times New Roman" panose="02020603050405020304" pitchFamily="18" charset="0"/>
+              </a:rPr>
+              <a:t>NonOverlappingTemplate</a:t>
+            </a:r>
+            <a:endParaRPr lang="en-US" sz="1400" dirty="0">
+              <a:latin typeface="Times New Roman" panose="02020603050405020304" pitchFamily="18" charset="0"/>
+              <a:cs typeface="Times New Roman" panose="02020603050405020304" pitchFamily="18" charset="0"/>
+            </a:endParaRPr>
+          </a:p>
+        </p:txBody>
+      </p:sp>
+      <p:sp>
+        <p:nvSpPr>
+          <p:cNvPr id="3" name="TextBox 2">
+            <a:extLst>
+              <a:ext uri="{FF2B5EF4-FFF2-40B4-BE49-F238E27FC236}">
+                <a16:creationId xmlns:a16="http://schemas.microsoft.com/office/drawing/2014/main" id="{1CC1E33D-0E75-7757-55A3-3BCA05371D83}"/>
+              </a:ext>
+            </a:extLst>
+          </p:cNvPr>
+          <p:cNvSpPr txBox="1"/>
+          <p:nvPr/>
+        </p:nvSpPr>
+        <p:spPr>
+          <a:xfrm>
+            <a:off x="142462" y="4801922"/>
+            <a:ext cx="2569112" cy="1754326"/>
+          </a:xfrm>
+          <a:prstGeom prst="rect">
+            <a:avLst/>
+          </a:prstGeom>
+          <a:noFill/>
+        </p:spPr>
+        <p:txBody>
+          <a:bodyPr wrap="square" rtlCol="0">
+            <a:spAutoFit/>
+          </a:bodyPr>
+          <a:lstStyle/>
+          <a:p>
+            <a:r>
+              <a:rPr lang="en-US" dirty="0">
+                <a:latin typeface="Times New Roman" panose="02020603050405020304" pitchFamily="18" charset="0"/>
+                <a:cs typeface="Times New Roman" panose="02020603050405020304" pitchFamily="18" charset="0"/>
+              </a:rPr>
+              <a:t>To see the full report generated by the NIST test suite, please check the GitHub public repository provided at the end of this presentation.</a:t>
+            </a:r>
+          </a:p>
+        </p:txBody>
+      </p:sp>
+      <p:sp>
+        <p:nvSpPr>
+          <p:cNvPr id="4" name="Title 1">
+            <a:extLst>
+              <a:ext uri="{FF2B5EF4-FFF2-40B4-BE49-F238E27FC236}">
+                <a16:creationId xmlns:a16="http://schemas.microsoft.com/office/drawing/2014/main" id="{45B75218-1B14-B3B5-FC61-65ABD64BE2BF}"/>
+              </a:ext>
+            </a:extLst>
+          </p:cNvPr>
+          <p:cNvSpPr txBox="1">
+            <a:spLocks/>
+          </p:cNvSpPr>
+          <p:nvPr/>
+        </p:nvSpPr>
+        <p:spPr>
+          <a:xfrm rot="-5400000">
+            <a:off x="1082310" y="2173315"/>
+            <a:ext cx="4846320" cy="1682749"/>
+          </a:xfrm>
+          <a:prstGeom prst="rect">
+            <a:avLst/>
+          </a:prstGeom>
+        </p:spPr>
+        <p:txBody>
+          <a:bodyPr vert="horz" lIns="91440" tIns="45720" rIns="91440" bIns="45720" rtlCol="0" anchor="t">
+            <a:noAutofit/>
+          </a:bodyPr>
+          <a:lstStyle>
+            <a:lvl1pPr algn="l" defTabSz="914400" rtl="0" eaLnBrk="1" latinLnBrk="0" hangingPunct="1">
+              <a:lnSpc>
+                <a:spcPct val="80000"/>
+              </a:lnSpc>
+              <a:spcBef>
+                <a:spcPct val="0"/>
+              </a:spcBef>
+              <a:buNone/>
+              <a:defRPr sz="5000" kern="1200" cap="all" baseline="0">
+                <a:solidFill>
+                  <a:schemeClr val="tx2"/>
+                </a:solidFill>
+                <a:latin typeface="+mj-lt"/>
+                <a:ea typeface="+mj-ea"/>
+                <a:cs typeface="+mj-cs"/>
+              </a:defRPr>
+            </a:lvl1pPr>
+          </a:lstStyle>
+          <a:p>
+            <a:r>
+              <a:rPr lang="en-US" sz="2500"/>
+              <a:t>B</a:t>
+            </a:r>
+            <a:r>
+              <a:rPr lang="en-US" sz="1500"/>
+              <a:t>oring math stuff</a:t>
+            </a:r>
+            <a:endParaRPr lang="en-US" sz="1500" dirty="0"/>
+          </a:p>
+        </p:txBody>
+      </p:sp>
+    </p:spTree>
+    <p:extLst>
+      <p:ext uri="{BB962C8B-B14F-4D97-AF65-F5344CB8AC3E}">
+        <p14:creationId xmlns:p14="http://schemas.microsoft.com/office/powerpoint/2010/main" val="3572495888"/>
+      </p:ext>
+    </p:extLst>
+  </p:cSld>
+  <p:clrMapOvr>
+    <a:masterClrMapping/>
+  </p:clrMapOvr>
+</p:sld>
+</file>
+
+<file path=ppt/slides/slide11.xml><?xml version="1.0" encoding="utf-8"?>
+<p:sld xmlns:a="http://schemas.openxmlformats.org/drawingml/2006/main" xmlns:r="http://schemas.openxmlformats.org/officeDocument/2006/relationships" xmlns:p="http://schemas.openxmlformats.org/presentationml/2006/main">
+  <p:cSld>
+    <p:spTree>
+      <p:nvGrpSpPr>
         <p:cNvPr id="1" name=""/>
         <p:cNvGrpSpPr/>
         <p:nvPr/>
@@ -10132,7 +10870,7 @@
             <a:fld id="{5BFCF61C-3B18-4C03-8326-CC3B32D710C9}" type="slidenum">
               <a:rPr lang="en-US" smtClean="0"/>
               <a:pPr/>
-              <a:t>10</a:t>
+              <a:t>11</a:t>
             </a:fld>
             <a:endParaRPr lang="en-US"/>
           </a:p>
@@ -10415,7 +11153,7 @@
 </p:sld>
 </file>
 
-<file path=ppt/slides/slide11.xml><?xml version="1.0" encoding="utf-8"?>
+<file path=ppt/slides/slide12.xml><?xml version="1.0" encoding="utf-8"?>
 <p:sld xmlns:a="http://schemas.openxmlformats.org/drawingml/2006/main" xmlns:r="http://schemas.openxmlformats.org/officeDocument/2006/relationships" xmlns:p="http://schemas.openxmlformats.org/presentationml/2006/main">
   <p:cSld>
     <p:spTree>
@@ -10547,7 +11285,7 @@
             <a:fld id="{5BFCF61C-3B18-4C03-8326-CC3B32D710C9}" type="slidenum">
               <a:rPr lang="en-US" smtClean="0"/>
               <a:pPr/>
-              <a:t>11</a:t>
+              <a:t>12</a:t>
             </a:fld>
             <a:endParaRPr lang="en-US"/>
           </a:p>
@@ -11071,7 +11809,7 @@
 </p:sld>
 </file>
 
-<file path=ppt/slides/slide12.xml><?xml version="1.0" encoding="utf-8"?>
+<file path=ppt/slides/slide13.xml><?xml version="1.0" encoding="utf-8"?>
 <p:sld xmlns:a="http://schemas.openxmlformats.org/drawingml/2006/main" xmlns:r="http://schemas.openxmlformats.org/officeDocument/2006/relationships" xmlns:p="http://schemas.openxmlformats.org/presentationml/2006/main">
   <p:cSld>
     <p:spTree>
@@ -11921,7 +12659,7 @@
         <p:spPr>
           <a:xfrm>
             <a:off x="334134" y="3978265"/>
-            <a:ext cx="4754880" cy="1682750"/>
+            <a:ext cx="5372074" cy="1682750"/>
           </a:xfrm>
         </p:spPr>
         <p:txBody>
@@ -11998,8 +12736,8 @@
         </p:nvSpPr>
         <p:spPr>
           <a:xfrm>
-            <a:off x="5952392" y="3978265"/>
-            <a:ext cx="4754880" cy="1682750"/>
+            <a:off x="5952391" y="3978264"/>
+            <a:ext cx="5474677" cy="2026881"/>
           </a:xfrm>
         </p:spPr>
         <p:txBody>
@@ -12665,8 +13403,8 @@
         </p:nvSpPr>
         <p:spPr>
           <a:xfrm>
-            <a:off x="6270674" y="3628296"/>
-            <a:ext cx="4846320" cy="1682749"/>
+            <a:off x="6729057" y="3696171"/>
+            <a:ext cx="5333306" cy="1682749"/>
           </a:xfrm>
         </p:spPr>
         <p:txBody>
@@ -12675,7 +13413,11 @@
           <a:p>
             <a:r>
               <a:rPr lang="en-US" dirty="0"/>
-              <a:t>App diagram</a:t>
+              <a:t>A</a:t>
+            </a:r>
+            <a:r>
+              <a:rPr lang="en-US" sz="3000" dirty="0"/>
+              <a:t>pplication workflow</a:t>
             </a:r>
           </a:p>
         </p:txBody>
@@ -12801,10 +13543,10 @@
       </p:pic>
       <p:pic>
         <p:nvPicPr>
-          <p:cNvPr id="6" name="Picture 5">
-            <a:extLst>
-              <a:ext uri="{FF2B5EF4-FFF2-40B4-BE49-F238E27FC236}">
-                <a16:creationId xmlns:a16="http://schemas.microsoft.com/office/drawing/2014/main" id="{08B7F978-8C10-53E3-C68C-4C72BB8DDA0E}"/>
+          <p:cNvPr id="11" name="Picture 10">
+            <a:extLst>
+              <a:ext uri="{FF2B5EF4-FFF2-40B4-BE49-F238E27FC236}">
+                <a16:creationId xmlns:a16="http://schemas.microsoft.com/office/drawing/2014/main" id="{409B8C85-713A-E718-BD3E-FE1E1F6951B5}"/>
               </a:ext>
             </a:extLst>
           </p:cNvPr>
@@ -12821,8 +13563,8 @@
         </p:blipFill>
         <p:spPr>
           <a:xfrm>
-            <a:off x="349934" y="1455467"/>
-            <a:ext cx="6191250" cy="4114800"/>
+            <a:off x="233007" y="668085"/>
+            <a:ext cx="6496050" cy="5810250"/>
           </a:xfrm>
           <a:prstGeom prst="rect">
             <a:avLst/>
@@ -12850,6 +13592,228 @@
         <p:cNvPr id="1" name="">
           <a:extLst>
             <a:ext uri="{FF2B5EF4-FFF2-40B4-BE49-F238E27FC236}">
+              <a16:creationId xmlns:a16="http://schemas.microsoft.com/office/drawing/2014/main" id="{88124026-98A9-0654-F8A8-A28972C45388}"/>
+            </a:ext>
+          </a:extLst>
+        </p:cNvPr>
+        <p:cNvGrpSpPr/>
+        <p:nvPr/>
+      </p:nvGrpSpPr>
+      <p:grpSpPr>
+        <a:xfrm>
+          <a:off x="0" y="0"/>
+          <a:ext cx="0" cy="0"/>
+          <a:chOff x="0" y="0"/>
+          <a:chExt cx="0" cy="0"/>
+        </a:xfrm>
+      </p:grpSpPr>
+      <p:sp>
+        <p:nvSpPr>
+          <p:cNvPr id="2" name="Title 1">
+            <a:extLst>
+              <a:ext uri="{FF2B5EF4-FFF2-40B4-BE49-F238E27FC236}">
+                <a16:creationId xmlns:a16="http://schemas.microsoft.com/office/drawing/2014/main" id="{E0120769-4B42-91CF-B44D-C426A54FCCF4}"/>
+              </a:ext>
+            </a:extLst>
+          </p:cNvPr>
+          <p:cNvSpPr>
+            <a:spLocks noGrp="1"/>
+          </p:cNvSpPr>
+          <p:nvPr>
+            <p:ph type="title"/>
+          </p:nvPr>
+        </p:nvSpPr>
+        <p:spPr>
+          <a:xfrm>
+            <a:off x="6729057" y="3696171"/>
+            <a:ext cx="5333306" cy="1682749"/>
+          </a:xfrm>
+        </p:spPr>
+        <p:txBody>
+          <a:bodyPr/>
+          <a:lstStyle/>
+          <a:p>
+            <a:r>
+              <a:rPr lang="en-US" dirty="0"/>
+              <a:t>A</a:t>
+            </a:r>
+            <a:r>
+              <a:rPr lang="en-US" sz="3000" dirty="0"/>
+              <a:t>pplication workflow</a:t>
+            </a:r>
+          </a:p>
+        </p:txBody>
+      </p:sp>
+      <p:sp>
+        <p:nvSpPr>
+          <p:cNvPr id="13" name="Footer Placeholder 12">
+            <a:extLst>
+              <a:ext uri="{FF2B5EF4-FFF2-40B4-BE49-F238E27FC236}">
+                <a16:creationId xmlns:a16="http://schemas.microsoft.com/office/drawing/2014/main" id="{1DD3C043-1891-9FC8-9F7A-CDA3FB0927F1}"/>
+              </a:ext>
+            </a:extLst>
+          </p:cNvPr>
+          <p:cNvSpPr>
+            <a:spLocks noGrp="1"/>
+          </p:cNvSpPr>
+          <p:nvPr>
+            <p:ph type="ftr" sz="quarter" idx="11"/>
+          </p:nvPr>
+        </p:nvSpPr>
+        <p:spPr/>
+        <p:txBody>
+          <a:bodyPr/>
+          <a:lstStyle/>
+          <a:p>
+            <a:r>
+              <a:rPr lang="en-US"/>
+              <a:t>An implementation of a true random number generator</a:t>
+            </a:r>
+            <a:endParaRPr lang="en-PK" dirty="0"/>
+          </a:p>
+        </p:txBody>
+      </p:sp>
+      <p:sp>
+        <p:nvSpPr>
+          <p:cNvPr id="14" name="Slide Number Placeholder 13">
+            <a:extLst>
+              <a:ext uri="{FF2B5EF4-FFF2-40B4-BE49-F238E27FC236}">
+                <a16:creationId xmlns:a16="http://schemas.microsoft.com/office/drawing/2014/main" id="{8224291F-5E11-5331-D61B-D62F8245CDDD}"/>
+              </a:ext>
+            </a:extLst>
+          </p:cNvPr>
+          <p:cNvSpPr>
+            <a:spLocks noGrp="1"/>
+          </p:cNvSpPr>
+          <p:nvPr>
+            <p:ph type="sldNum" sz="quarter" idx="12"/>
+          </p:nvPr>
+        </p:nvSpPr>
+        <p:spPr/>
+        <p:txBody>
+          <a:bodyPr/>
+          <a:lstStyle/>
+          <a:p>
+            <a:fld id="{5BFCF61C-3B18-4C03-8326-CC3B32D710C9}" type="slidenum">
+              <a:rPr lang="en-US" smtClean="0"/>
+              <a:pPr/>
+              <a:t>7</a:t>
+            </a:fld>
+            <a:endParaRPr lang="en-US"/>
+          </a:p>
+        </p:txBody>
+      </p:sp>
+      <p:pic>
+        <p:nvPicPr>
+          <p:cNvPr id="3" name="Picture 2">
+            <a:extLst>
+              <a:ext uri="{FF2B5EF4-FFF2-40B4-BE49-F238E27FC236}">
+                <a16:creationId xmlns:a16="http://schemas.microsoft.com/office/drawing/2014/main" id="{2C435950-DBEA-E7F2-59F8-5A994169920D}"/>
+              </a:ext>
+            </a:extLst>
+          </p:cNvPr>
+          <p:cNvPicPr>
+            <a:picLocks noChangeAspect="1"/>
+          </p:cNvPicPr>
+          <p:nvPr/>
+        </p:nvPicPr>
+        <p:blipFill>
+          <a:blip r:embed="rId2"/>
+          <a:stretch>
+            <a:fillRect/>
+          </a:stretch>
+        </p:blipFill>
+        <p:spPr>
+          <a:xfrm>
+            <a:off x="2240280" y="-8686"/>
+            <a:ext cx="942588" cy="982416"/>
+          </a:xfrm>
+          <a:prstGeom prst="rect">
+            <a:avLst/>
+          </a:prstGeom>
+        </p:spPr>
+      </p:pic>
+      <p:pic>
+        <p:nvPicPr>
+          <p:cNvPr id="4" name="Picture 3">
+            <a:extLst>
+              <a:ext uri="{FF2B5EF4-FFF2-40B4-BE49-F238E27FC236}">
+                <a16:creationId xmlns:a16="http://schemas.microsoft.com/office/drawing/2014/main" id="{E9B6B8FB-DBF5-A689-E9CC-A289EFF25F10}"/>
+              </a:ext>
+            </a:extLst>
+          </p:cNvPr>
+          <p:cNvPicPr>
+            <a:picLocks noChangeAspect="1"/>
+          </p:cNvPicPr>
+          <p:nvPr/>
+        </p:nvPicPr>
+        <p:blipFill>
+          <a:blip r:embed="rId3"/>
+          <a:stretch>
+            <a:fillRect/>
+          </a:stretch>
+        </p:blipFill>
+        <p:spPr>
+          <a:xfrm>
+            <a:off x="3111358" y="7115"/>
+            <a:ext cx="1137914" cy="1137914"/>
+          </a:xfrm>
+          <a:prstGeom prst="rect">
+            <a:avLst/>
+          </a:prstGeom>
+        </p:spPr>
+      </p:pic>
+      <p:pic>
+        <p:nvPicPr>
+          <p:cNvPr id="6" name="Picture 5">
+            <a:extLst>
+              <a:ext uri="{FF2B5EF4-FFF2-40B4-BE49-F238E27FC236}">
+                <a16:creationId xmlns:a16="http://schemas.microsoft.com/office/drawing/2014/main" id="{43450AAE-5E8A-2B32-7498-0EBC156ADE02}"/>
+              </a:ext>
+            </a:extLst>
+          </p:cNvPr>
+          <p:cNvPicPr>
+            <a:picLocks noChangeAspect="1"/>
+          </p:cNvPicPr>
+          <p:nvPr/>
+        </p:nvPicPr>
+        <p:blipFill>
+          <a:blip r:embed="rId4"/>
+          <a:stretch>
+            <a:fillRect/>
+          </a:stretch>
+        </p:blipFill>
+        <p:spPr>
+          <a:xfrm>
+            <a:off x="481369" y="1580315"/>
+            <a:ext cx="4981575" cy="4772025"/>
+          </a:xfrm>
+          <a:prstGeom prst="rect">
+            <a:avLst/>
+          </a:prstGeom>
+        </p:spPr>
+      </p:pic>
+    </p:spTree>
+    <p:extLst>
+      <p:ext uri="{BB962C8B-B14F-4D97-AF65-F5344CB8AC3E}">
+        <p14:creationId xmlns:p14="http://schemas.microsoft.com/office/powerpoint/2010/main" val="4082954154"/>
+      </p:ext>
+    </p:extLst>
+  </p:cSld>
+  <p:clrMapOvr>
+    <a:masterClrMapping/>
+  </p:clrMapOvr>
+</p:sld>
+</file>
+
+<file path=ppt/slides/slide8.xml><?xml version="1.0" encoding="utf-8"?>
+<p:sld xmlns:a="http://schemas.openxmlformats.org/drawingml/2006/main" xmlns:r="http://schemas.openxmlformats.org/officeDocument/2006/relationships" xmlns:p="http://schemas.openxmlformats.org/presentationml/2006/main">
+  <p:cSld>
+    <p:spTree>
+      <p:nvGrpSpPr>
+        <p:cNvPr id="1" name="">
+          <a:extLst>
+            <a:ext uri="{FF2B5EF4-FFF2-40B4-BE49-F238E27FC236}">
               <a16:creationId xmlns:a16="http://schemas.microsoft.com/office/drawing/2014/main" id="{8C41DE15-5B94-8DE7-14E9-961676B77E07}"/>
             </a:ext>
           </a:extLst>
@@ -12955,7 +13919,7 @@
             <a:fld id="{5BFCF61C-3B18-4C03-8326-CC3B32D710C9}" type="slidenum">
               <a:rPr lang="en-US" smtClean="0"/>
               <a:pPr/>
-              <a:t>7</a:t>
+              <a:t>8</a:t>
             </a:fld>
             <a:endParaRPr lang="en-US"/>
           </a:p>
@@ -13176,7 +14140,7 @@
 </p:sld>
 </file>
 
-<file path=ppt/slides/slide8.xml><?xml version="1.0" encoding="utf-8"?>
+<file path=ppt/slides/slide9.xml><?xml version="1.0" encoding="utf-8"?>
 <p:sld xmlns:a="http://schemas.openxmlformats.org/drawingml/2006/main" xmlns:r="http://schemas.openxmlformats.org/officeDocument/2006/relationships" xmlns:p="http://schemas.openxmlformats.org/presentationml/2006/main">
   <p:cSld>
     <p:spTree>
@@ -13289,7 +14253,7 @@
             <a:fld id="{5BFCF61C-3B18-4C03-8326-CC3B32D710C9}" type="slidenum">
               <a:rPr lang="en-US" smtClean="0"/>
               <a:pPr/>
-              <a:t>8</a:t>
+              <a:t>9</a:t>
             </a:fld>
             <a:endParaRPr lang="en-US"/>
           </a:p>
@@ -13599,743 +14563,6 @@
     <p:extLst>
       <p:ext uri="{BB962C8B-B14F-4D97-AF65-F5344CB8AC3E}">
         <p14:creationId xmlns:p14="http://schemas.microsoft.com/office/powerpoint/2010/main" val="3838484374"/>
-      </p:ext>
-    </p:extLst>
-  </p:cSld>
-  <p:clrMapOvr>
-    <a:masterClrMapping/>
-  </p:clrMapOvr>
-</p:sld>
-</file>
-
-<file path=ppt/slides/slide9.xml><?xml version="1.0" encoding="utf-8"?>
-<p:sld xmlns:a="http://schemas.openxmlformats.org/drawingml/2006/main" xmlns:r="http://schemas.openxmlformats.org/officeDocument/2006/relationships" xmlns:p="http://schemas.openxmlformats.org/presentationml/2006/main">
-  <p:cSld>
-    <p:spTree>
-      <p:nvGrpSpPr>
-        <p:cNvPr id="1" name="">
-          <a:extLst>
-            <a:ext uri="{FF2B5EF4-FFF2-40B4-BE49-F238E27FC236}">
-              <a16:creationId xmlns:a16="http://schemas.microsoft.com/office/drawing/2014/main" id="{66DB10B3-03BD-0203-72FC-C1EF84314BF3}"/>
-            </a:ext>
-          </a:extLst>
-        </p:cNvPr>
-        <p:cNvGrpSpPr/>
-        <p:nvPr/>
-      </p:nvGrpSpPr>
-      <p:grpSpPr>
-        <a:xfrm>
-          <a:off x="0" y="0"/>
-          <a:ext cx="0" cy="0"/>
-          <a:chOff x="0" y="0"/>
-          <a:chExt cx="0" cy="0"/>
-        </a:xfrm>
-      </p:grpSpPr>
-      <p:sp>
-        <p:nvSpPr>
-          <p:cNvPr id="12" name="Footer Placeholder 11">
-            <a:extLst>
-              <a:ext uri="{FF2B5EF4-FFF2-40B4-BE49-F238E27FC236}">
-                <a16:creationId xmlns:a16="http://schemas.microsoft.com/office/drawing/2014/main" id="{A373FE3E-DB55-C519-F4C2-2B046942AA19}"/>
-              </a:ext>
-            </a:extLst>
-          </p:cNvPr>
-          <p:cNvSpPr>
-            <a:spLocks noGrp="1"/>
-          </p:cNvSpPr>
-          <p:nvPr>
-            <p:ph type="ftr" sz="quarter" idx="11"/>
-          </p:nvPr>
-        </p:nvSpPr>
-        <p:spPr/>
-        <p:txBody>
-          <a:bodyPr/>
-          <a:lstStyle/>
-          <a:p>
-            <a:r>
-              <a:rPr lang="en-US"/>
-              <a:t>An implementation of a true random number generator</a:t>
-            </a:r>
-            <a:endParaRPr lang="en-PK" dirty="0"/>
-          </a:p>
-        </p:txBody>
-      </p:sp>
-      <p:sp>
-        <p:nvSpPr>
-          <p:cNvPr id="13" name="Slide Number Placeholder 12">
-            <a:extLst>
-              <a:ext uri="{FF2B5EF4-FFF2-40B4-BE49-F238E27FC236}">
-                <a16:creationId xmlns:a16="http://schemas.microsoft.com/office/drawing/2014/main" id="{6DED96D4-7FD1-E6CE-AFDB-0664F17EE281}"/>
-              </a:ext>
-            </a:extLst>
-          </p:cNvPr>
-          <p:cNvSpPr>
-            <a:spLocks noGrp="1"/>
-          </p:cNvSpPr>
-          <p:nvPr>
-            <p:ph type="sldNum" sz="quarter" idx="12"/>
-          </p:nvPr>
-        </p:nvSpPr>
-        <p:spPr/>
-        <p:txBody>
-          <a:bodyPr/>
-          <a:lstStyle/>
-          <a:p>
-            <a:fld id="{5BFCF61C-3B18-4C03-8326-CC3B32D710C9}" type="slidenum">
-              <a:rPr lang="en-US" smtClean="0"/>
-              <a:pPr/>
-              <a:t>9</a:t>
-            </a:fld>
-            <a:endParaRPr lang="en-US"/>
-          </a:p>
-        </p:txBody>
-      </p:sp>
-      <p:pic>
-        <p:nvPicPr>
-          <p:cNvPr id="7" name="Picture 6">
-            <a:extLst>
-              <a:ext uri="{FF2B5EF4-FFF2-40B4-BE49-F238E27FC236}">
-                <a16:creationId xmlns:a16="http://schemas.microsoft.com/office/drawing/2014/main" id="{8B54732D-87D7-B5E3-0D6F-D4BA87F569BF}"/>
-              </a:ext>
-            </a:extLst>
-          </p:cNvPr>
-          <p:cNvPicPr>
-            <a:picLocks noChangeAspect="1"/>
-          </p:cNvPicPr>
-          <p:nvPr/>
-        </p:nvPicPr>
-        <p:blipFill>
-          <a:blip r:embed="rId2"/>
-          <a:stretch>
-            <a:fillRect/>
-          </a:stretch>
-        </p:blipFill>
-        <p:spPr>
-          <a:xfrm>
-            <a:off x="2240280" y="-8686"/>
-            <a:ext cx="942588" cy="982416"/>
-          </a:xfrm>
-          <a:prstGeom prst="rect">
-            <a:avLst/>
-          </a:prstGeom>
-        </p:spPr>
-      </p:pic>
-      <p:pic>
-        <p:nvPicPr>
-          <p:cNvPr id="8" name="Picture 7">
-            <a:extLst>
-              <a:ext uri="{FF2B5EF4-FFF2-40B4-BE49-F238E27FC236}">
-                <a16:creationId xmlns:a16="http://schemas.microsoft.com/office/drawing/2014/main" id="{F0CC76DF-BB2B-0B88-4583-816D5543989A}"/>
-              </a:ext>
-            </a:extLst>
-          </p:cNvPr>
-          <p:cNvPicPr>
-            <a:picLocks noChangeAspect="1"/>
-          </p:cNvPicPr>
-          <p:nvPr/>
-        </p:nvPicPr>
-        <p:blipFill>
-          <a:blip r:embed="rId3"/>
-          <a:stretch>
-            <a:fillRect/>
-          </a:stretch>
-        </p:blipFill>
-        <p:spPr>
-          <a:xfrm>
-            <a:off x="3111358" y="7115"/>
-            <a:ext cx="1137914" cy="1137914"/>
-          </a:xfrm>
-          <a:prstGeom prst="rect">
-            <a:avLst/>
-          </a:prstGeom>
-        </p:spPr>
-      </p:pic>
-      <p:sp>
-        <p:nvSpPr>
-          <p:cNvPr id="16" name="Title 1">
-            <a:extLst>
-              <a:ext uri="{FF2B5EF4-FFF2-40B4-BE49-F238E27FC236}">
-                <a16:creationId xmlns:a16="http://schemas.microsoft.com/office/drawing/2014/main" id="{1148ED5E-604C-DFA6-E04A-584723E245C0}"/>
-              </a:ext>
-            </a:extLst>
-          </p:cNvPr>
-          <p:cNvSpPr txBox="1">
-            <a:spLocks/>
-          </p:cNvSpPr>
-          <p:nvPr/>
-        </p:nvSpPr>
-        <p:spPr>
-          <a:xfrm>
-            <a:off x="288414" y="1810898"/>
-            <a:ext cx="4846320" cy="1682749"/>
-          </a:xfrm>
-          <a:prstGeom prst="rect">
-            <a:avLst/>
-          </a:prstGeom>
-        </p:spPr>
-        <p:txBody>
-          <a:bodyPr vert="horz" lIns="91440" tIns="45720" rIns="91440" bIns="45720" rtlCol="0" anchor="t">
-            <a:noAutofit/>
-          </a:bodyPr>
-          <a:lstStyle>
-            <a:lvl1pPr algn="l" defTabSz="914400" rtl="0" eaLnBrk="1" latinLnBrk="0" hangingPunct="1">
-              <a:lnSpc>
-                <a:spcPct val="80000"/>
-              </a:lnSpc>
-              <a:spcBef>
-                <a:spcPct val="0"/>
-              </a:spcBef>
-              <a:buNone/>
-              <a:defRPr sz="5000" kern="1200" cap="all" baseline="0">
-                <a:solidFill>
-                  <a:schemeClr val="tx2"/>
-                </a:solidFill>
-                <a:latin typeface="+mj-lt"/>
-                <a:ea typeface="+mj-ea"/>
-                <a:cs typeface="+mj-cs"/>
-              </a:defRPr>
-            </a:lvl1pPr>
-          </a:lstStyle>
-          <a:p>
-            <a:r>
-              <a:rPr lang="en-US" dirty="0"/>
-              <a:t>Test results</a:t>
-            </a:r>
-          </a:p>
-        </p:txBody>
-      </p:sp>
-      <p:sp>
-        <p:nvSpPr>
-          <p:cNvPr id="21" name="TextBox 20">
-            <a:extLst>
-              <a:ext uri="{FF2B5EF4-FFF2-40B4-BE49-F238E27FC236}">
-                <a16:creationId xmlns:a16="http://schemas.microsoft.com/office/drawing/2014/main" id="{D3DFF309-34C9-83B7-E977-02E6D5ADC155}"/>
-              </a:ext>
-            </a:extLst>
-          </p:cNvPr>
-          <p:cNvSpPr txBox="1"/>
-          <p:nvPr/>
-        </p:nvSpPr>
-        <p:spPr>
-          <a:xfrm>
-            <a:off x="4249272" y="301752"/>
-            <a:ext cx="7614138" cy="5970865"/>
-          </a:xfrm>
-          <a:prstGeom prst="rect">
-            <a:avLst/>
-          </a:prstGeom>
-          <a:noFill/>
-        </p:spPr>
-        <p:txBody>
-          <a:bodyPr wrap="square" rtlCol="0">
-            <a:spAutoFit/>
-          </a:bodyPr>
-          <a:lstStyle/>
-          <a:p>
-            <a:r>
-              <a:rPr lang="en-US" dirty="0">
-                <a:latin typeface="Times New Roman" panose="02020603050405020304" pitchFamily="18" charset="0"/>
-                <a:cs typeface="Times New Roman" panose="02020603050405020304" pitchFamily="18" charset="0"/>
-              </a:rPr>
-              <a:t>NIST Test Suite report</a:t>
-            </a:r>
-          </a:p>
-          <a:p>
-            <a:r>
-              <a:rPr lang="en-US" sz="1400" dirty="0">
-                <a:latin typeface="Times New Roman" panose="02020603050405020304" pitchFamily="18" charset="0"/>
-                <a:cs typeface="Times New Roman" panose="02020603050405020304" pitchFamily="18" charset="0"/>
-              </a:rPr>
-              <a:t>------------------------------------------------------------------------------</a:t>
-            </a:r>
-          </a:p>
-          <a:p>
-            <a:r>
-              <a:rPr lang="en-US" sz="1400" dirty="0">
-                <a:latin typeface="Times New Roman" panose="02020603050405020304" pitchFamily="18" charset="0"/>
-                <a:cs typeface="Times New Roman" panose="02020603050405020304" pitchFamily="18" charset="0"/>
-              </a:rPr>
-              <a:t>RESULTS FOR THE UNIFORMITY OF P-VALUES AND THE PROPORTION OF PASSING SEQUENCES</a:t>
-            </a:r>
-          </a:p>
-          <a:p>
-            <a:r>
-              <a:rPr lang="en-US" sz="1400" dirty="0">
-                <a:latin typeface="Times New Roman" panose="02020603050405020304" pitchFamily="18" charset="0"/>
-                <a:cs typeface="Times New Roman" panose="02020603050405020304" pitchFamily="18" charset="0"/>
-              </a:rPr>
-              <a:t>------------------------------------------------------------------------------</a:t>
-            </a:r>
-          </a:p>
-          <a:p>
-            <a:r>
-              <a:rPr lang="en-US" sz="1400" dirty="0">
-                <a:latin typeface="Times New Roman" panose="02020603050405020304" pitchFamily="18" charset="0"/>
-                <a:cs typeface="Times New Roman" panose="02020603050405020304" pitchFamily="18" charset="0"/>
-              </a:rPr>
-              <a:t>   generator is &lt;</a:t>
-            </a:r>
-            <a:r>
-              <a:rPr lang="en-US" sz="1400" dirty="0" err="1">
-                <a:latin typeface="Times New Roman" panose="02020603050405020304" pitchFamily="18" charset="0"/>
-                <a:cs typeface="Times New Roman" panose="02020603050405020304" pitchFamily="18" charset="0"/>
-              </a:rPr>
-              <a:t>data.bin</a:t>
-            </a:r>
-            <a:r>
-              <a:rPr lang="en-US" sz="1400" dirty="0">
-                <a:latin typeface="Times New Roman" panose="02020603050405020304" pitchFamily="18" charset="0"/>
-                <a:cs typeface="Times New Roman" panose="02020603050405020304" pitchFamily="18" charset="0"/>
-              </a:rPr>
-              <a:t>&gt;</a:t>
-            </a:r>
-          </a:p>
-          <a:p>
-            <a:r>
-              <a:rPr lang="en-US" sz="1400" dirty="0">
-                <a:latin typeface="Times New Roman" panose="02020603050405020304" pitchFamily="18" charset="0"/>
-                <a:cs typeface="Times New Roman" panose="02020603050405020304" pitchFamily="18" charset="0"/>
-              </a:rPr>
-              <a:t>------------------------------------------------------------------------------</a:t>
-            </a:r>
-          </a:p>
-          <a:p>
-            <a:r>
-              <a:rPr lang="en-US" sz="1400" dirty="0">
-                <a:latin typeface="Times New Roman" panose="02020603050405020304" pitchFamily="18" charset="0"/>
-                <a:cs typeface="Times New Roman" panose="02020603050405020304" pitchFamily="18" charset="0"/>
-              </a:rPr>
-              <a:t> C1  C2  C3  C4  C5  C6  C7  C8  C9 C10  P-VALUE  PROPORTION  STATISTICAL TEST</a:t>
-            </a:r>
-          </a:p>
-          <a:p>
-            <a:r>
-              <a:rPr lang="en-US" sz="1400" dirty="0">
-                <a:latin typeface="Times New Roman" panose="02020603050405020304" pitchFamily="18" charset="0"/>
-                <a:cs typeface="Times New Roman" panose="02020603050405020304" pitchFamily="18" charset="0"/>
-              </a:rPr>
-              <a:t>------------------------------------------------------------------------------</a:t>
-            </a:r>
-          </a:p>
-          <a:p>
-            <a:r>
-              <a:rPr lang="en-US" sz="1400" dirty="0">
-                <a:latin typeface="Times New Roman" panose="02020603050405020304" pitchFamily="18" charset="0"/>
-                <a:cs typeface="Times New Roman" panose="02020603050405020304" pitchFamily="18" charset="0"/>
-              </a:rPr>
-              <a:t>  0   4   1   1   0   0   0   1   1   2  0.122325     10/10      Frequency</a:t>
-            </a:r>
-          </a:p>
-          <a:p>
-            <a:r>
-              <a:rPr lang="en-US" sz="1400" dirty="0">
-                <a:latin typeface="Times New Roman" panose="02020603050405020304" pitchFamily="18" charset="0"/>
-                <a:cs typeface="Times New Roman" panose="02020603050405020304" pitchFamily="18" charset="0"/>
-              </a:rPr>
-              <a:t>  2   1   1   1   0   2   0   0   2   1  0.739918     10/10      </a:t>
-            </a:r>
-            <a:r>
-              <a:rPr lang="en-US" sz="1400" dirty="0" err="1">
-                <a:latin typeface="Times New Roman" panose="02020603050405020304" pitchFamily="18" charset="0"/>
-                <a:cs typeface="Times New Roman" panose="02020603050405020304" pitchFamily="18" charset="0"/>
-              </a:rPr>
-              <a:t>BlockFrequency</a:t>
-            </a:r>
-            <a:endParaRPr lang="en-US" sz="1400" dirty="0">
-              <a:latin typeface="Times New Roman" panose="02020603050405020304" pitchFamily="18" charset="0"/>
-              <a:cs typeface="Times New Roman" panose="02020603050405020304" pitchFamily="18" charset="0"/>
-            </a:endParaRPr>
-          </a:p>
-          <a:p>
-            <a:r>
-              <a:rPr lang="en-US" sz="1400" dirty="0">
-                <a:latin typeface="Times New Roman" panose="02020603050405020304" pitchFamily="18" charset="0"/>
-                <a:cs typeface="Times New Roman" panose="02020603050405020304" pitchFamily="18" charset="0"/>
-              </a:rPr>
-              <a:t>  2   0   5   0   0   0   2   0   0   1  0.004301     10/10      </a:t>
-            </a:r>
-            <a:r>
-              <a:rPr lang="en-US" sz="1400" dirty="0" err="1">
-                <a:latin typeface="Times New Roman" panose="02020603050405020304" pitchFamily="18" charset="0"/>
-                <a:cs typeface="Times New Roman" panose="02020603050405020304" pitchFamily="18" charset="0"/>
-              </a:rPr>
-              <a:t>CumulativeSums</a:t>
-            </a:r>
-            <a:endParaRPr lang="en-US" sz="1400" dirty="0">
-              <a:latin typeface="Times New Roman" panose="02020603050405020304" pitchFamily="18" charset="0"/>
-              <a:cs typeface="Times New Roman" panose="02020603050405020304" pitchFamily="18" charset="0"/>
-            </a:endParaRPr>
-          </a:p>
-          <a:p>
-            <a:r>
-              <a:rPr lang="en-US" sz="1400" dirty="0">
-                <a:latin typeface="Times New Roman" panose="02020603050405020304" pitchFamily="18" charset="0"/>
-                <a:cs typeface="Times New Roman" panose="02020603050405020304" pitchFamily="18" charset="0"/>
-              </a:rPr>
-              <a:t>  0   2   2   1   2   0   0   1   1   1  0.739918     10/10      </a:t>
-            </a:r>
-            <a:r>
-              <a:rPr lang="en-US" sz="1400" dirty="0" err="1">
-                <a:latin typeface="Times New Roman" panose="02020603050405020304" pitchFamily="18" charset="0"/>
-                <a:cs typeface="Times New Roman" panose="02020603050405020304" pitchFamily="18" charset="0"/>
-              </a:rPr>
-              <a:t>CumulativeSums</a:t>
-            </a:r>
-            <a:endParaRPr lang="en-US" sz="1400" dirty="0">
-              <a:latin typeface="Times New Roman" panose="02020603050405020304" pitchFamily="18" charset="0"/>
-              <a:cs typeface="Times New Roman" panose="02020603050405020304" pitchFamily="18" charset="0"/>
-            </a:endParaRPr>
-          </a:p>
-          <a:p>
-            <a:r>
-              <a:rPr lang="en-US" sz="1400" dirty="0">
-                <a:latin typeface="Times New Roman" panose="02020603050405020304" pitchFamily="18" charset="0"/>
-                <a:cs typeface="Times New Roman" panose="02020603050405020304" pitchFamily="18" charset="0"/>
-              </a:rPr>
-              <a:t>  1   2   0   0   2   0   2   1   0   2  0.534146      9/10      Runs</a:t>
-            </a:r>
-          </a:p>
-          <a:p>
-            <a:r>
-              <a:rPr lang="en-US" sz="1400" dirty="0">
-                <a:latin typeface="Times New Roman" panose="02020603050405020304" pitchFamily="18" charset="0"/>
-                <a:cs typeface="Times New Roman" panose="02020603050405020304" pitchFamily="18" charset="0"/>
-              </a:rPr>
-              <a:t>  2   1   3   2   0   0   0   2   0   0  0.213309      9/10      </a:t>
-            </a:r>
-            <a:r>
-              <a:rPr lang="en-US" sz="1400" dirty="0" err="1">
-                <a:latin typeface="Times New Roman" panose="02020603050405020304" pitchFamily="18" charset="0"/>
-                <a:cs typeface="Times New Roman" panose="02020603050405020304" pitchFamily="18" charset="0"/>
-              </a:rPr>
-              <a:t>LongestRun</a:t>
-            </a:r>
-            <a:endParaRPr lang="en-US" sz="1400" dirty="0">
-              <a:latin typeface="Times New Roman" panose="02020603050405020304" pitchFamily="18" charset="0"/>
-              <a:cs typeface="Times New Roman" panose="02020603050405020304" pitchFamily="18" charset="0"/>
-            </a:endParaRPr>
-          </a:p>
-          <a:p>
-            <a:r>
-              <a:rPr lang="en-US" sz="1400" dirty="0">
-                <a:latin typeface="Times New Roman" panose="02020603050405020304" pitchFamily="18" charset="0"/>
-                <a:cs typeface="Times New Roman" panose="02020603050405020304" pitchFamily="18" charset="0"/>
-              </a:rPr>
-              <a:t>  2   0   1   2   2   0   1   1   0   1  0.739918     10/10      Rank</a:t>
-            </a:r>
-          </a:p>
-          <a:p>
-            <a:r>
-              <a:rPr lang="en-US" sz="1400" dirty="0">
-                <a:latin typeface="Times New Roman" panose="02020603050405020304" pitchFamily="18" charset="0"/>
-                <a:cs typeface="Times New Roman" panose="02020603050405020304" pitchFamily="18" charset="0"/>
-              </a:rPr>
-              <a:t>  0   1   1   1   3   2   0   0   1   1  0.534146     10/10      FFT</a:t>
-            </a:r>
-          </a:p>
-          <a:p>
-            <a:r>
-              <a:rPr lang="en-US" sz="1400" dirty="0">
-                <a:latin typeface="Times New Roman" panose="02020603050405020304" pitchFamily="18" charset="0"/>
-                <a:cs typeface="Times New Roman" panose="02020603050405020304" pitchFamily="18" charset="0"/>
-              </a:rPr>
-              <a:t>  1   2   1   0   1   1   0   1   3   0  0.534146     10/10      </a:t>
-            </a:r>
-            <a:r>
-              <a:rPr lang="en-US" sz="1400" dirty="0" err="1">
-                <a:latin typeface="Times New Roman" panose="02020603050405020304" pitchFamily="18" charset="0"/>
-                <a:cs typeface="Times New Roman" panose="02020603050405020304" pitchFamily="18" charset="0"/>
-              </a:rPr>
-              <a:t>NonOverlappingTemplate</a:t>
-            </a:r>
-            <a:endParaRPr lang="en-US" sz="1400" dirty="0">
-              <a:latin typeface="Times New Roman" panose="02020603050405020304" pitchFamily="18" charset="0"/>
-              <a:cs typeface="Times New Roman" panose="02020603050405020304" pitchFamily="18" charset="0"/>
-            </a:endParaRPr>
-          </a:p>
-          <a:p>
-            <a:r>
-              <a:rPr lang="en-US" sz="1400" dirty="0">
-                <a:latin typeface="Times New Roman" panose="02020603050405020304" pitchFamily="18" charset="0"/>
-                <a:cs typeface="Times New Roman" panose="02020603050405020304" pitchFamily="18" charset="0"/>
-              </a:rPr>
-              <a:t>  1   0   5   0   0   0   1   1   1   1  0.017912     10/10      </a:t>
-            </a:r>
-            <a:r>
-              <a:rPr lang="en-US" sz="1400" dirty="0" err="1">
-                <a:latin typeface="Times New Roman" panose="02020603050405020304" pitchFamily="18" charset="0"/>
-                <a:cs typeface="Times New Roman" panose="02020603050405020304" pitchFamily="18" charset="0"/>
-              </a:rPr>
-              <a:t>NonOverlappingTemplate</a:t>
-            </a:r>
-            <a:endParaRPr lang="en-US" sz="1400" dirty="0">
-              <a:latin typeface="Times New Roman" panose="02020603050405020304" pitchFamily="18" charset="0"/>
-              <a:cs typeface="Times New Roman" panose="02020603050405020304" pitchFamily="18" charset="0"/>
-            </a:endParaRPr>
-          </a:p>
-          <a:p>
-            <a:r>
-              <a:rPr lang="en-US" sz="1400" dirty="0">
-                <a:latin typeface="Times New Roman" panose="02020603050405020304" pitchFamily="18" charset="0"/>
-                <a:cs typeface="Times New Roman" panose="02020603050405020304" pitchFamily="18" charset="0"/>
-              </a:rPr>
-              <a:t>  1   0   2   1   0   0   1   1   1   3  0.534146      9/10      </a:t>
-            </a:r>
-            <a:r>
-              <a:rPr lang="en-US" sz="1400" dirty="0" err="1">
-                <a:latin typeface="Times New Roman" panose="02020603050405020304" pitchFamily="18" charset="0"/>
-                <a:cs typeface="Times New Roman" panose="02020603050405020304" pitchFamily="18" charset="0"/>
-              </a:rPr>
-              <a:t>NonOverlappingTemplate</a:t>
-            </a:r>
-            <a:endParaRPr lang="en-US" sz="1400" dirty="0">
-              <a:latin typeface="Times New Roman" panose="02020603050405020304" pitchFamily="18" charset="0"/>
-              <a:cs typeface="Times New Roman" panose="02020603050405020304" pitchFamily="18" charset="0"/>
-            </a:endParaRPr>
-          </a:p>
-          <a:p>
-            <a:r>
-              <a:rPr lang="en-US" sz="1400" dirty="0">
-                <a:latin typeface="Times New Roman" panose="02020603050405020304" pitchFamily="18" charset="0"/>
-                <a:cs typeface="Times New Roman" panose="02020603050405020304" pitchFamily="18" charset="0"/>
-              </a:rPr>
-              <a:t>  1   1   0   2   0   0   0   6   0   0  0.000199     10/10      </a:t>
-            </a:r>
-            <a:r>
-              <a:rPr lang="en-US" sz="1400" dirty="0" err="1">
-                <a:latin typeface="Times New Roman" panose="02020603050405020304" pitchFamily="18" charset="0"/>
-                <a:cs typeface="Times New Roman" panose="02020603050405020304" pitchFamily="18" charset="0"/>
-              </a:rPr>
-              <a:t>NonOverlappingTemplate</a:t>
-            </a:r>
-            <a:endParaRPr lang="en-US" sz="1400" dirty="0">
-              <a:latin typeface="Times New Roman" panose="02020603050405020304" pitchFamily="18" charset="0"/>
-              <a:cs typeface="Times New Roman" panose="02020603050405020304" pitchFamily="18" charset="0"/>
-            </a:endParaRPr>
-          </a:p>
-          <a:p>
-            <a:r>
-              <a:rPr lang="en-US" sz="1400" dirty="0">
-                <a:latin typeface="Times New Roman" panose="02020603050405020304" pitchFamily="18" charset="0"/>
-                <a:cs typeface="Times New Roman" panose="02020603050405020304" pitchFamily="18" charset="0"/>
-              </a:rPr>
-              <a:t>  1   0   2   1   1   1   1   0   1   2  0.911413     10/10      </a:t>
-            </a:r>
-            <a:r>
-              <a:rPr lang="en-US" sz="1400" dirty="0" err="1">
-                <a:latin typeface="Times New Roman" panose="02020603050405020304" pitchFamily="18" charset="0"/>
-                <a:cs typeface="Times New Roman" panose="02020603050405020304" pitchFamily="18" charset="0"/>
-              </a:rPr>
-              <a:t>NonOverlappingTemplate</a:t>
-            </a:r>
-            <a:endParaRPr lang="en-US" sz="1400" dirty="0">
-              <a:latin typeface="Times New Roman" panose="02020603050405020304" pitchFamily="18" charset="0"/>
-              <a:cs typeface="Times New Roman" panose="02020603050405020304" pitchFamily="18" charset="0"/>
-            </a:endParaRPr>
-          </a:p>
-          <a:p>
-            <a:r>
-              <a:rPr lang="en-US" sz="1400" dirty="0">
-                <a:latin typeface="Times New Roman" panose="02020603050405020304" pitchFamily="18" charset="0"/>
-                <a:cs typeface="Times New Roman" panose="02020603050405020304" pitchFamily="18" charset="0"/>
-              </a:rPr>
-              <a:t>  0   1   1   3   2   0   0   2   0   1  0.350485     10/10      </a:t>
-            </a:r>
-            <a:r>
-              <a:rPr lang="en-US" sz="1400" dirty="0" err="1">
-                <a:latin typeface="Times New Roman" panose="02020603050405020304" pitchFamily="18" charset="0"/>
-                <a:cs typeface="Times New Roman" panose="02020603050405020304" pitchFamily="18" charset="0"/>
-              </a:rPr>
-              <a:t>NonOverlappingTemplate</a:t>
-            </a:r>
-            <a:endParaRPr lang="en-US" sz="1400" dirty="0">
-              <a:latin typeface="Times New Roman" panose="02020603050405020304" pitchFamily="18" charset="0"/>
-              <a:cs typeface="Times New Roman" panose="02020603050405020304" pitchFamily="18" charset="0"/>
-            </a:endParaRPr>
-          </a:p>
-          <a:p>
-            <a:r>
-              <a:rPr lang="en-US" sz="1400" dirty="0">
-                <a:latin typeface="Times New Roman" panose="02020603050405020304" pitchFamily="18" charset="0"/>
-                <a:cs typeface="Times New Roman" panose="02020603050405020304" pitchFamily="18" charset="0"/>
-              </a:rPr>
-              <a:t>  1   0   0   0   0   3   5   1   0   0  0.002043     10/10      </a:t>
-            </a:r>
-            <a:r>
-              <a:rPr lang="en-US" sz="1400" dirty="0" err="1">
-                <a:latin typeface="Times New Roman" panose="02020603050405020304" pitchFamily="18" charset="0"/>
-                <a:cs typeface="Times New Roman" panose="02020603050405020304" pitchFamily="18" charset="0"/>
-              </a:rPr>
-              <a:t>NonOverlappingTemplate</a:t>
-            </a:r>
-            <a:endParaRPr lang="en-US" sz="1400" dirty="0">
-              <a:latin typeface="Times New Roman" panose="02020603050405020304" pitchFamily="18" charset="0"/>
-              <a:cs typeface="Times New Roman" panose="02020603050405020304" pitchFamily="18" charset="0"/>
-            </a:endParaRPr>
-          </a:p>
-          <a:p>
-            <a:r>
-              <a:rPr lang="en-US" sz="1400" dirty="0">
-                <a:latin typeface="Times New Roman" panose="02020603050405020304" pitchFamily="18" charset="0"/>
-                <a:cs typeface="Times New Roman" panose="02020603050405020304" pitchFamily="18" charset="0"/>
-              </a:rPr>
-              <a:t>  2   2   0   1   1   1   1   1   0   1  0.911413     10/10      </a:t>
-            </a:r>
-            <a:r>
-              <a:rPr lang="en-US" sz="1400" dirty="0" err="1">
-                <a:latin typeface="Times New Roman" panose="02020603050405020304" pitchFamily="18" charset="0"/>
-                <a:cs typeface="Times New Roman" panose="02020603050405020304" pitchFamily="18" charset="0"/>
-              </a:rPr>
-              <a:t>NonOverlappingTemplate</a:t>
-            </a:r>
-            <a:endParaRPr lang="en-US" sz="1400" dirty="0">
-              <a:latin typeface="Times New Roman" panose="02020603050405020304" pitchFamily="18" charset="0"/>
-              <a:cs typeface="Times New Roman" panose="02020603050405020304" pitchFamily="18" charset="0"/>
-            </a:endParaRPr>
-          </a:p>
-          <a:p>
-            <a:r>
-              <a:rPr lang="en-US" sz="1400" dirty="0">
-                <a:latin typeface="Times New Roman" panose="02020603050405020304" pitchFamily="18" charset="0"/>
-                <a:cs typeface="Times New Roman" panose="02020603050405020304" pitchFamily="18" charset="0"/>
-              </a:rPr>
-              <a:t>  2   0   0   0   5   0   0   3   0   0  0.000954     10/10      </a:t>
-            </a:r>
-            <a:r>
-              <a:rPr lang="en-US" sz="1400" dirty="0" err="1">
-                <a:latin typeface="Times New Roman" panose="02020603050405020304" pitchFamily="18" charset="0"/>
-                <a:cs typeface="Times New Roman" panose="02020603050405020304" pitchFamily="18" charset="0"/>
-              </a:rPr>
-              <a:t>NonOverlappingTemplate</a:t>
-            </a:r>
-            <a:endParaRPr lang="en-US" sz="1400" dirty="0">
-              <a:latin typeface="Times New Roman" panose="02020603050405020304" pitchFamily="18" charset="0"/>
-              <a:cs typeface="Times New Roman" panose="02020603050405020304" pitchFamily="18" charset="0"/>
-            </a:endParaRPr>
-          </a:p>
-          <a:p>
-            <a:r>
-              <a:rPr lang="en-US" sz="1400" dirty="0">
-                <a:latin typeface="Times New Roman" panose="02020603050405020304" pitchFamily="18" charset="0"/>
-                <a:cs typeface="Times New Roman" panose="02020603050405020304" pitchFamily="18" charset="0"/>
-              </a:rPr>
-              <a:t>  2   1   2   1   0   1   0   2   0   1  0.739918     10/10      </a:t>
-            </a:r>
-            <a:r>
-              <a:rPr lang="en-US" sz="1400" dirty="0" err="1">
-                <a:latin typeface="Times New Roman" panose="02020603050405020304" pitchFamily="18" charset="0"/>
-                <a:cs typeface="Times New Roman" panose="02020603050405020304" pitchFamily="18" charset="0"/>
-              </a:rPr>
-              <a:t>NonOverlappingTemplate</a:t>
-            </a:r>
-            <a:endParaRPr lang="en-US" sz="1400" dirty="0">
-              <a:latin typeface="Times New Roman" panose="02020603050405020304" pitchFamily="18" charset="0"/>
-              <a:cs typeface="Times New Roman" panose="02020603050405020304" pitchFamily="18" charset="0"/>
-            </a:endParaRPr>
-          </a:p>
-        </p:txBody>
-      </p:sp>
-      <p:sp>
-        <p:nvSpPr>
-          <p:cNvPr id="3" name="TextBox 2">
-            <a:extLst>
-              <a:ext uri="{FF2B5EF4-FFF2-40B4-BE49-F238E27FC236}">
-                <a16:creationId xmlns:a16="http://schemas.microsoft.com/office/drawing/2014/main" id="{1CC1E33D-0E75-7757-55A3-3BCA05371D83}"/>
-              </a:ext>
-            </a:extLst>
-          </p:cNvPr>
-          <p:cNvSpPr txBox="1"/>
-          <p:nvPr/>
-        </p:nvSpPr>
-        <p:spPr>
-          <a:xfrm>
-            <a:off x="142462" y="4801922"/>
-            <a:ext cx="2569112" cy="1754326"/>
-          </a:xfrm>
-          <a:prstGeom prst="rect">
-            <a:avLst/>
-          </a:prstGeom>
-          <a:noFill/>
-        </p:spPr>
-        <p:txBody>
-          <a:bodyPr wrap="square" rtlCol="0">
-            <a:spAutoFit/>
-          </a:bodyPr>
-          <a:lstStyle/>
-          <a:p>
-            <a:r>
-              <a:rPr lang="en-US" dirty="0">
-                <a:latin typeface="Times New Roman" panose="02020603050405020304" pitchFamily="18" charset="0"/>
-                <a:cs typeface="Times New Roman" panose="02020603050405020304" pitchFamily="18" charset="0"/>
-              </a:rPr>
-              <a:t>To see the full report generated by the NIST test suite, please check the GitHub public repository provided at the end of this presentation.</a:t>
-            </a:r>
-          </a:p>
-        </p:txBody>
-      </p:sp>
-      <p:sp>
-        <p:nvSpPr>
-          <p:cNvPr id="4" name="Title 1">
-            <a:extLst>
-              <a:ext uri="{FF2B5EF4-FFF2-40B4-BE49-F238E27FC236}">
-                <a16:creationId xmlns:a16="http://schemas.microsoft.com/office/drawing/2014/main" id="{45B75218-1B14-B3B5-FC61-65ABD64BE2BF}"/>
-              </a:ext>
-            </a:extLst>
-          </p:cNvPr>
-          <p:cNvSpPr txBox="1">
-            <a:spLocks/>
-          </p:cNvSpPr>
-          <p:nvPr/>
-        </p:nvSpPr>
-        <p:spPr>
-          <a:xfrm rot="-5400000">
-            <a:off x="1082310" y="2173315"/>
-            <a:ext cx="4846320" cy="1682749"/>
-          </a:xfrm>
-          <a:prstGeom prst="rect">
-            <a:avLst/>
-          </a:prstGeom>
-        </p:spPr>
-        <p:txBody>
-          <a:bodyPr vert="horz" lIns="91440" tIns="45720" rIns="91440" bIns="45720" rtlCol="0" anchor="t">
-            <a:noAutofit/>
-          </a:bodyPr>
-          <a:lstStyle>
-            <a:lvl1pPr algn="l" defTabSz="914400" rtl="0" eaLnBrk="1" latinLnBrk="0" hangingPunct="1">
-              <a:lnSpc>
-                <a:spcPct val="80000"/>
-              </a:lnSpc>
-              <a:spcBef>
-                <a:spcPct val="0"/>
-              </a:spcBef>
-              <a:buNone/>
-              <a:defRPr sz="5000" kern="1200" cap="all" baseline="0">
-                <a:solidFill>
-                  <a:schemeClr val="tx2"/>
-                </a:solidFill>
-                <a:latin typeface="+mj-lt"/>
-                <a:ea typeface="+mj-ea"/>
-                <a:cs typeface="+mj-cs"/>
-              </a:defRPr>
-            </a:lvl1pPr>
-          </a:lstStyle>
-          <a:p>
-            <a:r>
-              <a:rPr lang="en-US" sz="2500"/>
-              <a:t>B</a:t>
-            </a:r>
-            <a:r>
-              <a:rPr lang="en-US" sz="1500"/>
-              <a:t>oring math stuff</a:t>
-            </a:r>
-            <a:endParaRPr lang="en-US" sz="1500" dirty="0"/>
-          </a:p>
-        </p:txBody>
-      </p:sp>
-    </p:spTree>
-    <p:extLst>
-      <p:ext uri="{BB962C8B-B14F-4D97-AF65-F5344CB8AC3E}">
-        <p14:creationId xmlns:p14="http://schemas.microsoft.com/office/powerpoint/2010/main" val="3572495888"/>
       </p:ext>
     </p:extLst>
   </p:cSld>
@@ -15137,26 +15364,6 @@
 </file>
 
 <file path=customXml/item1.xml><?xml version="1.0" encoding="utf-8"?>
-<p:properties xmlns:p="http://schemas.microsoft.com/office/2006/metadata/properties" xmlns:xsi="http://www.w3.org/2001/XMLSchema-instance" xmlns:pc="http://schemas.microsoft.com/office/infopath/2007/PartnerControls">
-  <documentManagement>
-    <_ip_UnifiedCompliancePolicyUIAction xmlns="http://schemas.microsoft.com/sharepoint/v3" xsi:nil="true"/>
-    <Image xmlns="71af3243-3dd4-4a8d-8c0d-dd76da1f02a5">
-      <Url xsi:nil="true"/>
-      <Description xsi:nil="true"/>
-    </Image>
-    <Status xmlns="71af3243-3dd4-4a8d-8c0d-dd76da1f02a5">Not started</Status>
-    <Background xmlns="71af3243-3dd4-4a8d-8c0d-dd76da1f02a5">false</Background>
-    <_ip_UnifiedCompliancePolicyProperties xmlns="http://schemas.microsoft.com/sharepoint/v3" xsi:nil="true"/>
-    <ImageTagsTaxHTField xmlns="71af3243-3dd4-4a8d-8c0d-dd76da1f02a5">
-      <Terms xmlns="http://schemas.microsoft.com/office/infopath/2007/PartnerControls"/>
-    </ImageTagsTaxHTField>
-    <TaxCatchAll xmlns="230e9df3-be65-4c73-a93b-d1236ebd677e" xsi:nil="true"/>
-    <MediaServiceKeyPoints xmlns="71af3243-3dd4-4a8d-8c0d-dd76da1f02a5" xsi:nil="true"/>
-  </documentManagement>
-</p:properties>
-</file>
-
-<file path=customXml/item2.xml><?xml version="1.0" encoding="utf-8"?>
 <ct:contentTypeSchema xmlns:ct="http://schemas.microsoft.com/office/2006/metadata/contentType" xmlns:ma="http://schemas.microsoft.com/office/2006/metadata/properties/metaAttributes" ct:_="" ma:_="" ma:contentTypeName="Document" ma:contentTypeID="0x01010079F111ED35F8CC479449609E8A0923A6" ma:contentTypeVersion="24" ma:contentTypeDescription="Create a new document." ma:contentTypeScope="" ma:versionID="2d714a3296df14eba7a100bb665443ca">
   <xsd:schema xmlns:xsd="http://www.w3.org/2001/XMLSchema" xmlns:xs="http://www.w3.org/2001/XMLSchema" xmlns:p="http://schemas.microsoft.com/office/2006/metadata/properties" xmlns:ns1="http://schemas.microsoft.com/sharepoint/v3" xmlns:ns2="71af3243-3dd4-4a8d-8c0d-dd76da1f02a5" xmlns:ns3="16c05727-aa75-4e4a-9b5f-8a80a1165891" xmlns:ns4="230e9df3-be65-4c73-a93b-d1236ebd677e" targetNamespace="http://schemas.microsoft.com/office/2006/metadata/properties" ma:root="true" ma:fieldsID="49549bf45bfbbfb6cffed527380e77e1" ns1:_="" ns2:_="" ns3:_="" ns4:_="">
     <xsd:import namespace="http://schemas.microsoft.com/sharepoint/v3"/>
@@ -15444,6 +15651,26 @@
 </ct:contentTypeSchema>
 </file>
 
+<file path=customXml/item2.xml><?xml version="1.0" encoding="utf-8"?>
+<p:properties xmlns:p="http://schemas.microsoft.com/office/2006/metadata/properties" xmlns:xsi="http://www.w3.org/2001/XMLSchema-instance" xmlns:pc="http://schemas.microsoft.com/office/infopath/2007/PartnerControls">
+  <documentManagement>
+    <_ip_UnifiedCompliancePolicyUIAction xmlns="http://schemas.microsoft.com/sharepoint/v3" xsi:nil="true"/>
+    <Image xmlns="71af3243-3dd4-4a8d-8c0d-dd76da1f02a5">
+      <Url xsi:nil="true"/>
+      <Description xsi:nil="true"/>
+    </Image>
+    <Status xmlns="71af3243-3dd4-4a8d-8c0d-dd76da1f02a5">Not started</Status>
+    <Background xmlns="71af3243-3dd4-4a8d-8c0d-dd76da1f02a5">false</Background>
+    <_ip_UnifiedCompliancePolicyProperties xmlns="http://schemas.microsoft.com/sharepoint/v3" xsi:nil="true"/>
+    <ImageTagsTaxHTField xmlns="71af3243-3dd4-4a8d-8c0d-dd76da1f02a5">
+      <Terms xmlns="http://schemas.microsoft.com/office/infopath/2007/PartnerControls"/>
+    </ImageTagsTaxHTField>
+    <TaxCatchAll xmlns="230e9df3-be65-4c73-a93b-d1236ebd677e" xsi:nil="true"/>
+    <MediaServiceKeyPoints xmlns="71af3243-3dd4-4a8d-8c0d-dd76da1f02a5" xsi:nil="true"/>
+  </documentManagement>
+</p:properties>
+</file>
+
 <file path=customXml/item3.xml><?xml version="1.0" encoding="utf-8"?>
 <?mso-contentType ?>
 <FormTemplates xmlns="http://schemas.microsoft.com/sharepoint/v3/contenttype/forms">
@@ -15454,18 +15681,6 @@
 </file>
 
 <file path=customXml/itemProps1.xml><?xml version="1.0" encoding="utf-8"?>
-<ds:datastoreItem xmlns:ds="http://schemas.openxmlformats.org/officeDocument/2006/customXml" ds:itemID="{411F98F7-6576-47F1-AD63-56E26C339747}">
-  <ds:schemaRefs>
-    <ds:schemaRef ds:uri="http://schemas.microsoft.com/office/2006/metadata/properties"/>
-    <ds:schemaRef ds:uri="http://schemas.microsoft.com/office/infopath/2007/PartnerControls"/>
-    <ds:schemaRef ds:uri="http://schemas.microsoft.com/sharepoint/v3"/>
-    <ds:schemaRef ds:uri="71af3243-3dd4-4a8d-8c0d-dd76da1f02a5"/>
-    <ds:schemaRef ds:uri="230e9df3-be65-4c73-a93b-d1236ebd677e"/>
-  </ds:schemaRefs>
-</ds:datastoreItem>
-</file>
-
-<file path=customXml/itemProps2.xml><?xml version="1.0" encoding="utf-8"?>
 <ds:datastoreItem xmlns:ds="http://schemas.openxmlformats.org/officeDocument/2006/customXml" ds:itemID="{5783CE7D-BFC6-4030-A335-E7F88DB66414}">
   <ds:schemaRefs>
     <ds:schemaRef ds:uri="http://schemas.microsoft.com/office/2006/metadata/contentType"/>
@@ -15486,6 +15701,18 @@
 </ds:datastoreItem>
 </file>
 
+<file path=customXml/itemProps2.xml><?xml version="1.0" encoding="utf-8"?>
+<ds:datastoreItem xmlns:ds="http://schemas.openxmlformats.org/officeDocument/2006/customXml" ds:itemID="{411F98F7-6576-47F1-AD63-56E26C339747}">
+  <ds:schemaRefs>
+    <ds:schemaRef ds:uri="http://schemas.microsoft.com/office/2006/metadata/properties"/>
+    <ds:schemaRef ds:uri="http://schemas.microsoft.com/office/infopath/2007/PartnerControls"/>
+    <ds:schemaRef ds:uri="http://schemas.microsoft.com/sharepoint/v3"/>
+    <ds:schemaRef ds:uri="71af3243-3dd4-4a8d-8c0d-dd76da1f02a5"/>
+    <ds:schemaRef ds:uri="230e9df3-be65-4c73-a93b-d1236ebd677e"/>
+  </ds:schemaRefs>
+</ds:datastoreItem>
+</file>
+
 <file path=customXml/itemProps3.xml><?xml version="1.0" encoding="utf-8"?>
 <ds:datastoreItem xmlns:ds="http://schemas.openxmlformats.org/officeDocument/2006/customXml" ds:itemID="{25B4CAA5-BE7A-46AB-97ED-63B24C46A3A8}">
   <ds:schemaRefs>

--- a/CERC 2025.pptx
+++ b/CERC 2025.pptx
@@ -14,15 +14,15 @@
     <p:sldId id="273" r:id="rId5"/>
     <p:sldId id="282" r:id="rId6"/>
     <p:sldId id="277" r:id="rId7"/>
-    <p:sldId id="281" r:id="rId8"/>
+    <p:sldId id="297" r:id="rId8"/>
     <p:sldId id="280" r:id="rId9"/>
-    <p:sldId id="278" r:id="rId10"/>
-    <p:sldId id="296" r:id="rId11"/>
+    <p:sldId id="298" r:id="rId10"/>
+    <p:sldId id="299" r:id="rId11"/>
     <p:sldId id="295" r:id="rId12"/>
     <p:sldId id="284" r:id="rId13"/>
     <p:sldId id="293" r:id="rId14"/>
-    <p:sldId id="279" r:id="rId15"/>
-    <p:sldId id="294" r:id="rId16"/>
+    <p:sldId id="300" r:id="rId15"/>
+    <p:sldId id="301" r:id="rId16"/>
     <p:sldId id="292" r:id="rId17"/>
   </p:sldIdLst>
   <p:sldSz cx="12192000" cy="6858000"/>
@@ -992,6 +992,114 @@
 </file>
 
 <file path=ppt/notesSlides/notesSlide3.xml><?xml version="1.0" encoding="utf-8"?>
+<p:notes xmlns:a="http://schemas.openxmlformats.org/drawingml/2006/main" xmlns:r="http://schemas.openxmlformats.org/officeDocument/2006/relationships" xmlns:p="http://schemas.openxmlformats.org/presentationml/2006/main">
+  <p:cSld>
+    <p:spTree>
+      <p:nvGrpSpPr>
+        <p:cNvPr id="1" name="">
+          <a:extLst>
+            <a:ext uri="{FF2B5EF4-FFF2-40B4-BE49-F238E27FC236}">
+              <a16:creationId xmlns:a16="http://schemas.microsoft.com/office/drawing/2014/main" id="{6A05F2DF-D73F-B05F-5583-8F12E928E195}"/>
+            </a:ext>
+          </a:extLst>
+        </p:cNvPr>
+        <p:cNvGrpSpPr/>
+        <p:nvPr/>
+      </p:nvGrpSpPr>
+      <p:grpSpPr>
+        <a:xfrm>
+          <a:off x="0" y="0"/>
+          <a:ext cx="0" cy="0"/>
+          <a:chOff x="0" y="0"/>
+          <a:chExt cx="0" cy="0"/>
+        </a:xfrm>
+      </p:grpSpPr>
+      <p:sp>
+        <p:nvSpPr>
+          <p:cNvPr id="2" name="Slide Image Placeholder 1">
+            <a:extLst>
+              <a:ext uri="{FF2B5EF4-FFF2-40B4-BE49-F238E27FC236}">
+                <a16:creationId xmlns:a16="http://schemas.microsoft.com/office/drawing/2014/main" id="{1A60F148-39F8-C3BC-631E-747E91FF5E0A}"/>
+              </a:ext>
+            </a:extLst>
+          </p:cNvPr>
+          <p:cNvSpPr>
+            <a:spLocks noGrp="1" noRot="1" noChangeAspect="1"/>
+          </p:cNvSpPr>
+          <p:nvPr>
+            <p:ph type="sldImg"/>
+          </p:nvPr>
+        </p:nvSpPr>
+        <p:spPr/>
+      </p:sp>
+      <p:sp>
+        <p:nvSpPr>
+          <p:cNvPr id="3" name="Notes Placeholder 2">
+            <a:extLst>
+              <a:ext uri="{FF2B5EF4-FFF2-40B4-BE49-F238E27FC236}">
+                <a16:creationId xmlns:a16="http://schemas.microsoft.com/office/drawing/2014/main" id="{375C1CD4-3396-AF9B-A355-840989EB61E8}"/>
+              </a:ext>
+            </a:extLst>
+          </p:cNvPr>
+          <p:cNvSpPr>
+            <a:spLocks noGrp="1"/>
+          </p:cNvSpPr>
+          <p:nvPr>
+            <p:ph type="body" idx="1"/>
+          </p:nvPr>
+        </p:nvSpPr>
+        <p:spPr/>
+        <p:txBody>
+          <a:bodyPr/>
+          <a:lstStyle/>
+          <a:p>
+            <a:endParaRPr lang="en-US"/>
+          </a:p>
+        </p:txBody>
+      </p:sp>
+      <p:sp>
+        <p:nvSpPr>
+          <p:cNvPr id="4" name="Slide Number Placeholder 3">
+            <a:extLst>
+              <a:ext uri="{FF2B5EF4-FFF2-40B4-BE49-F238E27FC236}">
+                <a16:creationId xmlns:a16="http://schemas.microsoft.com/office/drawing/2014/main" id="{0DBB8C21-E5BB-6EA3-7617-B1E5243EEEB0}"/>
+              </a:ext>
+            </a:extLst>
+          </p:cNvPr>
+          <p:cNvSpPr>
+            <a:spLocks noGrp="1"/>
+          </p:cNvSpPr>
+          <p:nvPr>
+            <p:ph type="sldNum" sz="quarter" idx="5"/>
+          </p:nvPr>
+        </p:nvSpPr>
+        <p:spPr/>
+        <p:txBody>
+          <a:bodyPr/>
+          <a:lstStyle/>
+          <a:p>
+            <a:fld id="{DECDE012-9E2E-4477-8B5C-4E7D4E9BCBA6}" type="slidenum">
+              <a:rPr lang="en-US" noProof="0" smtClean="0"/>
+              <a:t>4</a:t>
+            </a:fld>
+            <a:endParaRPr lang="en-US" noProof="0"/>
+          </a:p>
+        </p:txBody>
+      </p:sp>
+    </p:spTree>
+    <p:extLst>
+      <p:ext uri="{BB962C8B-B14F-4D97-AF65-F5344CB8AC3E}">
+        <p14:creationId xmlns:p14="http://schemas.microsoft.com/office/powerpoint/2010/main" val="1482098020"/>
+      </p:ext>
+    </p:extLst>
+  </p:cSld>
+  <p:clrMapOvr>
+    <a:masterClrMapping/>
+  </p:clrMapOvr>
+</p:notes>
+</file>
+
+<file path=ppt/notesSlides/notesSlide4.xml><?xml version="1.0" encoding="utf-8"?>
 <p:notes xmlns:a="http://schemas.openxmlformats.org/drawingml/2006/main" xmlns:r="http://schemas.openxmlformats.org/officeDocument/2006/relationships" xmlns:p="http://schemas.openxmlformats.org/presentationml/2006/main">
   <p:cSld>
     <p:spTree>
@@ -9801,7 +9909,7 @@
         </p:nvSpPr>
         <p:spPr>
           <a:xfrm>
-            <a:off x="2039815" y="150876"/>
+            <a:off x="2189284" y="1189345"/>
             <a:ext cx="6751789" cy="2387600"/>
           </a:xfrm>
         </p:spPr>
@@ -9812,11 +9920,18 @@
           <a:lstStyle/>
           <a:p>
             <a:r>
-              <a:rPr lang="en-US" dirty="0">
+              <a:rPr lang="en-US" sz="7800" dirty="0">
                 <a:latin typeface="Times New Roman" panose="02020603050405020304" pitchFamily="18" charset="0"/>
                 <a:cs typeface="Times New Roman" panose="02020603050405020304" pitchFamily="18" charset="0"/>
               </a:rPr>
-              <a:t>An implementation of a true random number generator</a:t>
+              <a:t>A</a:t>
+            </a:r>
+            <a:r>
+              <a:rPr lang="en-US" sz="5600" dirty="0">
+                <a:latin typeface="Times New Roman" panose="02020603050405020304" pitchFamily="18" charset="0"/>
+                <a:cs typeface="Times New Roman" panose="02020603050405020304" pitchFamily="18" charset="0"/>
+              </a:rPr>
+              <a:t>n implementation of a true random number generator</a:t>
             </a:r>
           </a:p>
         </p:txBody>
@@ -10165,7 +10280,7 @@
         </p:nvSpPr>
         <p:spPr>
           <a:xfrm>
-            <a:off x="288414" y="1810898"/>
+            <a:off x="0" y="2416579"/>
             <a:ext cx="4846320" cy="1682749"/>
           </a:xfrm>
           <a:prstGeom prst="rect">
@@ -10198,7 +10313,11 @@
           <a:p>
             <a:r>
               <a:rPr lang="en-US" dirty="0"/>
-              <a:t>Test results</a:t>
+              <a:t>4. T</a:t>
+            </a:r>
+            <a:r>
+              <a:rPr lang="en-US" sz="3500" dirty="0"/>
+              <a:t>est results</a:t>
             </a:r>
           </a:p>
         </p:txBody>
@@ -10749,7 +10868,13 @@
   <p:cSld>
     <p:spTree>
       <p:nvGrpSpPr>
-        <p:cNvPr id="1" name=""/>
+        <p:cNvPr id="1" name="">
+          <a:extLst>
+            <a:ext uri="{FF2B5EF4-FFF2-40B4-BE49-F238E27FC236}">
+              <a16:creationId xmlns:a16="http://schemas.microsoft.com/office/drawing/2014/main" id="{D24FF662-C4EB-7E0C-4A5C-36CF6E8BAB89}"/>
+            </a:ext>
+          </a:extLst>
+        </p:cNvPr>
         <p:cNvGrpSpPr/>
         <p:nvPr/>
       </p:nvGrpSpPr>
@@ -10763,66 +10888,10 @@
       </p:grpSpPr>
       <p:sp>
         <p:nvSpPr>
-          <p:cNvPr id="2" name="Title 1">
-            <a:extLst>
-              <a:ext uri="{FF2B5EF4-FFF2-40B4-BE49-F238E27FC236}">
-                <a16:creationId xmlns:a16="http://schemas.microsoft.com/office/drawing/2014/main" id="{DB262C4D-3F97-1652-3A4A-C989986D9B65}"/>
-              </a:ext>
-            </a:extLst>
-          </p:cNvPr>
-          <p:cNvSpPr>
-            <a:spLocks noGrp="1"/>
-          </p:cNvSpPr>
-          <p:nvPr>
-            <p:ph type="title"/>
-          </p:nvPr>
-        </p:nvSpPr>
-        <p:spPr>
-          <a:xfrm>
-            <a:off x="87221" y="1346290"/>
-            <a:ext cx="4846320" cy="1682749"/>
-          </a:xfrm>
-        </p:spPr>
-        <p:txBody>
-          <a:bodyPr/>
-          <a:lstStyle/>
-          <a:p>
-            <a:r>
-              <a:rPr lang="en-US" dirty="0">
-                <a:solidFill>
-                  <a:schemeClr val="accent5">
-                    <a:lumMod val="50000"/>
-                  </a:schemeClr>
-                </a:solidFill>
-              </a:rPr>
-              <a:t>Security comparison to c’s </a:t>
-            </a:r>
-            <a:r>
-              <a:rPr lang="en-US" dirty="0" err="1">
-                <a:solidFill>
-                  <a:schemeClr val="accent5">
-                    <a:lumMod val="50000"/>
-                  </a:schemeClr>
-                </a:solidFill>
-              </a:rPr>
-              <a:t>prng</a:t>
-            </a:r>
-            <a:endParaRPr lang="en-US" dirty="0">
-              <a:solidFill>
-                <a:schemeClr val="accent5">
-                  <a:lumMod val="50000"/>
-                </a:schemeClr>
-              </a:solidFill>
-            </a:endParaRPr>
-          </a:p>
-        </p:txBody>
-      </p:sp>
-      <p:sp>
-        <p:nvSpPr>
           <p:cNvPr id="12" name="Footer Placeholder 11">
             <a:extLst>
               <a:ext uri="{FF2B5EF4-FFF2-40B4-BE49-F238E27FC236}">
-                <a16:creationId xmlns:a16="http://schemas.microsoft.com/office/drawing/2014/main" id="{BEC1259C-0A50-37A0-081E-E36D391D7A08}"/>
+                <a16:creationId xmlns:a16="http://schemas.microsoft.com/office/drawing/2014/main" id="{6C104098-3A6F-A459-3D60-036CBB50E765}"/>
               </a:ext>
             </a:extLst>
           </p:cNvPr>
@@ -10851,7 +10920,7 @@
           <p:cNvPr id="13" name="Slide Number Placeholder 12">
             <a:extLst>
               <a:ext uri="{FF2B5EF4-FFF2-40B4-BE49-F238E27FC236}">
-                <a16:creationId xmlns:a16="http://schemas.microsoft.com/office/drawing/2014/main" id="{208378E4-1369-B8BE-D097-D0A68C992F75}"/>
+                <a16:creationId xmlns:a16="http://schemas.microsoft.com/office/drawing/2014/main" id="{0EF9194D-A249-59D4-0519-BF95DF8E2AAE}"/>
               </a:ext>
             </a:extLst>
           </p:cNvPr>
@@ -10878,10 +10947,10 @@
       </p:sp>
       <p:pic>
         <p:nvPicPr>
-          <p:cNvPr id="3" name="Picture 2">
-            <a:extLst>
-              <a:ext uri="{FF2B5EF4-FFF2-40B4-BE49-F238E27FC236}">
-                <a16:creationId xmlns:a16="http://schemas.microsoft.com/office/drawing/2014/main" id="{F17C7DC5-917B-9792-EE9A-DB58CDE77495}"/>
+          <p:cNvPr id="7" name="Picture 6">
+            <a:extLst>
+              <a:ext uri="{FF2B5EF4-FFF2-40B4-BE49-F238E27FC236}">
+                <a16:creationId xmlns:a16="http://schemas.microsoft.com/office/drawing/2014/main" id="{CF336571-EAA1-E3C2-4D11-D08E7C8642A6}"/>
               </a:ext>
             </a:extLst>
           </p:cNvPr>
@@ -10908,10 +10977,10 @@
       </p:pic>
       <p:pic>
         <p:nvPicPr>
-          <p:cNvPr id="4" name="Picture 3">
-            <a:extLst>
-              <a:ext uri="{FF2B5EF4-FFF2-40B4-BE49-F238E27FC236}">
-                <a16:creationId xmlns:a16="http://schemas.microsoft.com/office/drawing/2014/main" id="{D5EFF67E-4637-3727-7571-762A49861957}"/>
+          <p:cNvPr id="8" name="Picture 7">
+            <a:extLst>
+              <a:ext uri="{FF2B5EF4-FFF2-40B4-BE49-F238E27FC236}">
+                <a16:creationId xmlns:a16="http://schemas.microsoft.com/office/drawing/2014/main" id="{82636831-21E2-0055-2CE9-2F0ABECFD928}"/>
               </a:ext>
             </a:extLst>
           </p:cNvPr>
@@ -10938,10 +11007,79 @@
       </p:pic>
       <p:sp>
         <p:nvSpPr>
-          <p:cNvPr id="8" name="TextBox 7">
-            <a:extLst>
-              <a:ext uri="{FF2B5EF4-FFF2-40B4-BE49-F238E27FC236}">
-                <a16:creationId xmlns:a16="http://schemas.microsoft.com/office/drawing/2014/main" id="{0C8CBA8C-03D6-1C78-AD15-166BE2633236}"/>
+          <p:cNvPr id="16" name="Title 1">
+            <a:extLst>
+              <a:ext uri="{FF2B5EF4-FFF2-40B4-BE49-F238E27FC236}">
+                <a16:creationId xmlns:a16="http://schemas.microsoft.com/office/drawing/2014/main" id="{259D5F46-D0B0-15FC-AF94-34D7D9858E98}"/>
+              </a:ext>
+            </a:extLst>
+          </p:cNvPr>
+          <p:cNvSpPr txBox="1">
+            <a:spLocks/>
+          </p:cNvSpPr>
+          <p:nvPr/>
+        </p:nvSpPr>
+        <p:spPr>
+          <a:xfrm>
+            <a:off x="0" y="1523040"/>
+            <a:ext cx="4846320" cy="1682749"/>
+          </a:xfrm>
+          <a:prstGeom prst="rect">
+            <a:avLst/>
+          </a:prstGeom>
+        </p:spPr>
+        <p:txBody>
+          <a:bodyPr vert="horz" lIns="91440" tIns="45720" rIns="91440" bIns="45720" rtlCol="0" anchor="t">
+            <a:noAutofit/>
+          </a:bodyPr>
+          <a:lstStyle>
+            <a:lvl1pPr algn="l" defTabSz="914400" rtl="0" eaLnBrk="1" latinLnBrk="0" hangingPunct="1">
+              <a:lnSpc>
+                <a:spcPct val="80000"/>
+              </a:lnSpc>
+              <a:spcBef>
+                <a:spcPct val="0"/>
+              </a:spcBef>
+              <a:buNone/>
+              <a:defRPr sz="5000" kern="1200" cap="all" baseline="0">
+                <a:solidFill>
+                  <a:schemeClr val="tx2"/>
+                </a:solidFill>
+                <a:latin typeface="+mj-lt"/>
+                <a:ea typeface="+mj-ea"/>
+                <a:cs typeface="+mj-cs"/>
+              </a:defRPr>
+            </a:lvl1pPr>
+          </a:lstStyle>
+          <a:p>
+            <a:r>
+              <a:rPr lang="en-US" dirty="0"/>
+              <a:t>4. S</a:t>
+            </a:r>
+            <a:r>
+              <a:rPr lang="en-US" sz="3500" dirty="0"/>
+              <a:t>ecurity comparison</a:t>
+            </a:r>
+          </a:p>
+          <a:p>
+            <a:r>
+              <a:rPr lang="en-US" sz="3500" dirty="0"/>
+              <a:t>to c’s </a:t>
+            </a:r>
+            <a:r>
+              <a:rPr lang="en-US" sz="3500" dirty="0" err="1"/>
+              <a:t>prng</a:t>
+            </a:r>
+            <a:endParaRPr lang="en-US" sz="3500" dirty="0"/>
+          </a:p>
+        </p:txBody>
+      </p:sp>
+      <p:sp>
+        <p:nvSpPr>
+          <p:cNvPr id="2" name="TextBox 1">
+            <a:extLst>
+              <a:ext uri="{FF2B5EF4-FFF2-40B4-BE49-F238E27FC236}">
+                <a16:creationId xmlns:a16="http://schemas.microsoft.com/office/drawing/2014/main" id="{4C444A9C-E514-3E19-9D8B-6F28D01ECFF0}"/>
               </a:ext>
             </a:extLst>
           </p:cNvPr>
@@ -10950,7 +11088,7 @@
         </p:nvSpPr>
         <p:spPr>
           <a:xfrm>
-            <a:off x="5795187" y="1362895"/>
+            <a:off x="4846320" y="1213426"/>
             <a:ext cx="5669343" cy="1477328"/>
           </a:xfrm>
           <a:prstGeom prst="rect">
@@ -10966,9 +11104,6 @@
           <a:p>
             <a:r>
               <a:rPr lang="en-US" dirty="0">
-                <a:solidFill>
-                  <a:schemeClr val="bg1"/>
-                </a:solidFill>
                 <a:latin typeface="Times New Roman" panose="02020603050405020304" pitchFamily="18" charset="0"/>
                 <a:cs typeface="Times New Roman" panose="02020603050405020304" pitchFamily="18" charset="0"/>
               </a:rPr>
@@ -10982,9 +11117,6 @@
             </a:pPr>
             <a:r>
               <a:rPr lang="en-US" dirty="0">
-                <a:solidFill>
-                  <a:schemeClr val="bg1"/>
-                </a:solidFill>
                 <a:latin typeface="Times New Roman" panose="02020603050405020304" pitchFamily="18" charset="0"/>
                 <a:cs typeface="Times New Roman" panose="02020603050405020304" pitchFamily="18" charset="0"/>
               </a:rPr>
@@ -10998,9 +11130,6 @@
             </a:pPr>
             <a:r>
               <a:rPr lang="en-US" dirty="0">
-                <a:solidFill>
-                  <a:schemeClr val="bg1"/>
-                </a:solidFill>
                 <a:latin typeface="Times New Roman" panose="02020603050405020304" pitchFamily="18" charset="0"/>
                 <a:cs typeface="Times New Roman" panose="02020603050405020304" pitchFamily="18" charset="0"/>
               </a:rPr>
@@ -11011,10 +11140,10 @@
       </p:sp>
       <p:sp>
         <p:nvSpPr>
-          <p:cNvPr id="9" name="TextBox 8">
-            <a:extLst>
-              <a:ext uri="{FF2B5EF4-FFF2-40B4-BE49-F238E27FC236}">
-                <a16:creationId xmlns:a16="http://schemas.microsoft.com/office/drawing/2014/main" id="{5A71B60C-E878-7E5D-1529-4946D1D6A20B}"/>
+          <p:cNvPr id="5" name="TextBox 4">
+            <a:extLst>
+              <a:ext uri="{FF2B5EF4-FFF2-40B4-BE49-F238E27FC236}">
+                <a16:creationId xmlns:a16="http://schemas.microsoft.com/office/drawing/2014/main" id="{D31B3370-6163-4430-2980-5FE07F943AB2}"/>
               </a:ext>
             </a:extLst>
           </p:cNvPr>
@@ -11023,7 +11152,7 @@
         </p:nvSpPr>
         <p:spPr>
           <a:xfrm>
-            <a:off x="5762830" y="3433308"/>
+            <a:off x="4846320" y="3000368"/>
             <a:ext cx="5196254" cy="923330"/>
           </a:xfrm>
           <a:prstGeom prst="rect">
@@ -11039,9 +11168,6 @@
           <a:p>
             <a:r>
               <a:rPr lang="en-US" dirty="0">
-                <a:solidFill>
-                  <a:schemeClr val="bg1"/>
-                </a:solidFill>
                 <a:latin typeface="Times New Roman" panose="02020603050405020304" pitchFamily="18" charset="0"/>
                 <a:cs typeface="Times New Roman" panose="02020603050405020304" pitchFamily="18" charset="0"/>
               </a:rPr>
@@ -11052,10 +11178,10 @@
       </p:sp>
       <p:pic>
         <p:nvPicPr>
-          <p:cNvPr id="5" name="Picture 4">
-            <a:extLst>
-              <a:ext uri="{FF2B5EF4-FFF2-40B4-BE49-F238E27FC236}">
-                <a16:creationId xmlns:a16="http://schemas.microsoft.com/office/drawing/2014/main" id="{6EE9483B-AC6B-A0C1-1DAD-3B678B44E034}"/>
+          <p:cNvPr id="6" name="Picture 5">
+            <a:extLst>
+              <a:ext uri="{FF2B5EF4-FFF2-40B4-BE49-F238E27FC236}">
+                <a16:creationId xmlns:a16="http://schemas.microsoft.com/office/drawing/2014/main" id="{10E55D2E-6472-E82A-4F9C-A7D39C7B28EB}"/>
               </a:ext>
             </a:extLst>
           </p:cNvPr>
@@ -11072,7 +11198,7 @@
         </p:blipFill>
         <p:spPr>
           <a:xfrm>
-            <a:off x="5160494" y="4218926"/>
+            <a:off x="4830070" y="4233312"/>
             <a:ext cx="2295382" cy="2295382"/>
           </a:xfrm>
           <a:prstGeom prst="rect">
@@ -11082,10 +11208,10 @@
       </p:pic>
       <p:pic>
         <p:nvPicPr>
-          <p:cNvPr id="7" name="Picture 6">
-            <a:extLst>
-              <a:ext uri="{FF2B5EF4-FFF2-40B4-BE49-F238E27FC236}">
-                <a16:creationId xmlns:a16="http://schemas.microsoft.com/office/drawing/2014/main" id="{4B6CE9C1-817D-6DBA-CEDB-171B54F0576B}"/>
+          <p:cNvPr id="9" name="Picture 8">
+            <a:extLst>
+              <a:ext uri="{FF2B5EF4-FFF2-40B4-BE49-F238E27FC236}">
+                <a16:creationId xmlns:a16="http://schemas.microsoft.com/office/drawing/2014/main" id="{19802B94-F7F7-A580-35DF-70EA2C0C407A}"/>
               </a:ext>
             </a:extLst>
           </p:cNvPr>
@@ -11102,7 +11228,7 @@
         </p:blipFill>
         <p:spPr>
           <a:xfrm>
-            <a:off x="7252713" y="4785089"/>
+            <a:off x="6922289" y="4799475"/>
             <a:ext cx="992412" cy="992412"/>
           </a:xfrm>
           <a:prstGeom prst="rect">
@@ -11112,10 +11238,10 @@
       </p:pic>
       <p:pic>
         <p:nvPicPr>
-          <p:cNvPr id="15" name="Picture 14">
-            <a:extLst>
-              <a:ext uri="{FF2B5EF4-FFF2-40B4-BE49-F238E27FC236}">
-                <a16:creationId xmlns:a16="http://schemas.microsoft.com/office/drawing/2014/main" id="{5DEDE447-DA31-2B61-910A-9087DD071072}"/>
+          <p:cNvPr id="10" name="Picture 9">
+            <a:extLst>
+              <a:ext uri="{FF2B5EF4-FFF2-40B4-BE49-F238E27FC236}">
+                <a16:creationId xmlns:a16="http://schemas.microsoft.com/office/drawing/2014/main" id="{95F8A431-9F6A-7F4C-B0A9-A5544933A652}"/>
               </a:ext>
             </a:extLst>
           </p:cNvPr>
@@ -11132,7 +11258,7 @@
         </p:blipFill>
         <p:spPr>
           <a:xfrm>
-            <a:off x="8765198" y="4356638"/>
+            <a:off x="8434774" y="4371024"/>
             <a:ext cx="1607800" cy="1849315"/>
           </a:xfrm>
           <a:prstGeom prst="rect">
@@ -11143,7 +11269,7 @@
     </p:spTree>
     <p:extLst>
       <p:ext uri="{BB962C8B-B14F-4D97-AF65-F5344CB8AC3E}">
-        <p14:creationId xmlns:p14="http://schemas.microsoft.com/office/powerpoint/2010/main" val="616355143"/>
+        <p14:creationId xmlns:p14="http://schemas.microsoft.com/office/powerpoint/2010/main" val="1076027024"/>
       </p:ext>
     </p:extLst>
   </p:cSld>
@@ -11161,7 +11287,7 @@
         <p:cNvPr id="1" name="">
           <a:extLst>
             <a:ext uri="{FF2B5EF4-FFF2-40B4-BE49-F238E27FC236}">
-              <a16:creationId xmlns:a16="http://schemas.microsoft.com/office/drawing/2014/main" id="{842FEB02-C122-1170-4105-D2A2F949166B}"/>
+              <a16:creationId xmlns:a16="http://schemas.microsoft.com/office/drawing/2014/main" id="{8028C715-049A-1FCC-4B87-D8EFE682F7CC}"/>
             </a:ext>
           </a:extLst>
         </p:cNvPr>
@@ -11178,66 +11304,10 @@
       </p:grpSpPr>
       <p:sp>
         <p:nvSpPr>
-          <p:cNvPr id="2" name="Title 1">
-            <a:extLst>
-              <a:ext uri="{FF2B5EF4-FFF2-40B4-BE49-F238E27FC236}">
-                <a16:creationId xmlns:a16="http://schemas.microsoft.com/office/drawing/2014/main" id="{CECA8535-0F84-30CE-F87C-170F5DE4E412}"/>
-              </a:ext>
-            </a:extLst>
-          </p:cNvPr>
-          <p:cNvSpPr>
-            <a:spLocks noGrp="1"/>
-          </p:cNvSpPr>
-          <p:nvPr>
-            <p:ph type="title"/>
-          </p:nvPr>
-        </p:nvSpPr>
-        <p:spPr>
-          <a:xfrm>
-            <a:off x="87221" y="1346290"/>
-            <a:ext cx="4846320" cy="1682749"/>
-          </a:xfrm>
-        </p:spPr>
-        <p:txBody>
-          <a:bodyPr/>
-          <a:lstStyle/>
-          <a:p>
-            <a:r>
-              <a:rPr lang="en-US" dirty="0">
-                <a:solidFill>
-                  <a:schemeClr val="accent5">
-                    <a:lumMod val="50000"/>
-                  </a:schemeClr>
-                </a:solidFill>
-              </a:rPr>
-              <a:t>Security comparison to c’s </a:t>
-            </a:r>
-            <a:r>
-              <a:rPr lang="en-US" dirty="0" err="1">
-                <a:solidFill>
-                  <a:schemeClr val="accent5">
-                    <a:lumMod val="50000"/>
-                  </a:schemeClr>
-                </a:solidFill>
-              </a:rPr>
-              <a:t>prng</a:t>
-            </a:r>
-            <a:endParaRPr lang="en-US" dirty="0">
-              <a:solidFill>
-                <a:schemeClr val="accent5">
-                  <a:lumMod val="50000"/>
-                </a:schemeClr>
-              </a:solidFill>
-            </a:endParaRPr>
-          </a:p>
-        </p:txBody>
-      </p:sp>
-      <p:sp>
-        <p:nvSpPr>
           <p:cNvPr id="12" name="Footer Placeholder 11">
             <a:extLst>
               <a:ext uri="{FF2B5EF4-FFF2-40B4-BE49-F238E27FC236}">
-                <a16:creationId xmlns:a16="http://schemas.microsoft.com/office/drawing/2014/main" id="{27905749-19FD-2377-1FFE-6D8269B2E0B5}"/>
+                <a16:creationId xmlns:a16="http://schemas.microsoft.com/office/drawing/2014/main" id="{38122AF1-F52F-A070-9203-971C23746B0A}"/>
               </a:ext>
             </a:extLst>
           </p:cNvPr>
@@ -11266,7 +11336,7 @@
           <p:cNvPr id="13" name="Slide Number Placeholder 12">
             <a:extLst>
               <a:ext uri="{FF2B5EF4-FFF2-40B4-BE49-F238E27FC236}">
-                <a16:creationId xmlns:a16="http://schemas.microsoft.com/office/drawing/2014/main" id="{97F9E172-A36F-4038-6BB8-32798E806AB6}"/>
+                <a16:creationId xmlns:a16="http://schemas.microsoft.com/office/drawing/2014/main" id="{0F56A678-CA5B-8357-38BF-D572E0BC501D}"/>
               </a:ext>
             </a:extLst>
           </p:cNvPr>
@@ -11293,10 +11363,10 @@
       </p:sp>
       <p:pic>
         <p:nvPicPr>
-          <p:cNvPr id="3" name="Picture 2">
-            <a:extLst>
-              <a:ext uri="{FF2B5EF4-FFF2-40B4-BE49-F238E27FC236}">
-                <a16:creationId xmlns:a16="http://schemas.microsoft.com/office/drawing/2014/main" id="{B0E6B945-CF11-A569-89D8-AFBE99A89E7B}"/>
+          <p:cNvPr id="7" name="Picture 6">
+            <a:extLst>
+              <a:ext uri="{FF2B5EF4-FFF2-40B4-BE49-F238E27FC236}">
+                <a16:creationId xmlns:a16="http://schemas.microsoft.com/office/drawing/2014/main" id="{8A83BF82-CCD4-1446-9CB7-DB82DDA345DB}"/>
               </a:ext>
             </a:extLst>
           </p:cNvPr>
@@ -11323,10 +11393,10 @@
       </p:pic>
       <p:pic>
         <p:nvPicPr>
-          <p:cNvPr id="4" name="Picture 3">
-            <a:extLst>
-              <a:ext uri="{FF2B5EF4-FFF2-40B4-BE49-F238E27FC236}">
-                <a16:creationId xmlns:a16="http://schemas.microsoft.com/office/drawing/2014/main" id="{7E1BE18B-B83C-160E-79C1-90B9D1474704}"/>
+          <p:cNvPr id="8" name="Picture 7">
+            <a:extLst>
+              <a:ext uri="{FF2B5EF4-FFF2-40B4-BE49-F238E27FC236}">
+                <a16:creationId xmlns:a16="http://schemas.microsoft.com/office/drawing/2014/main" id="{26D54137-9919-63C8-EE7A-5A900EA90D72}"/>
               </a:ext>
             </a:extLst>
           </p:cNvPr>
@@ -11353,378 +11423,10 @@
       </p:pic>
       <p:sp>
         <p:nvSpPr>
-          <p:cNvPr id="5" name="TextBox 4">
-            <a:extLst>
-              <a:ext uri="{FF2B5EF4-FFF2-40B4-BE49-F238E27FC236}">
-                <a16:creationId xmlns:a16="http://schemas.microsoft.com/office/drawing/2014/main" id="{3D3AF185-27C4-2A50-A350-C5B55252B645}"/>
-              </a:ext>
-            </a:extLst>
-          </p:cNvPr>
-          <p:cNvSpPr txBox="1"/>
-          <p:nvPr/>
-        </p:nvSpPr>
-        <p:spPr>
-          <a:xfrm>
-            <a:off x="4150595" y="3168627"/>
-            <a:ext cx="3890809" cy="2031325"/>
-          </a:xfrm>
-          <a:prstGeom prst="rect">
-            <a:avLst/>
-          </a:prstGeom>
-          <a:noFill/>
-        </p:spPr>
-        <p:txBody>
-          <a:bodyPr wrap="none" rtlCol="0">
-            <a:spAutoFit/>
-          </a:bodyPr>
-          <a:lstStyle/>
-          <a:p>
-            <a:r>
-              <a:rPr lang="en-US" dirty="0">
-                <a:solidFill>
-                  <a:schemeClr val="bg1"/>
-                </a:solidFill>
-                <a:latin typeface="Times New Roman" panose="02020603050405020304" pitchFamily="18" charset="0"/>
-                <a:cs typeface="Times New Roman" panose="02020603050405020304" pitchFamily="18" charset="0"/>
-              </a:rPr>
-              <a:t>TRNG Comparison:</a:t>
-            </a:r>
-          </a:p>
-          <a:p>
-            <a:r>
-              <a:rPr lang="en-US" dirty="0">
-                <a:solidFill>
-                  <a:schemeClr val="bg1"/>
-                </a:solidFill>
-                <a:latin typeface="Times New Roman" panose="02020603050405020304" pitchFamily="18" charset="0"/>
-                <a:cs typeface="Times New Roman" panose="02020603050405020304" pitchFamily="18" charset="0"/>
-              </a:rPr>
-              <a:t>Hamming Distance: 1973795 / 1981546</a:t>
-            </a:r>
-          </a:p>
-          <a:p>
-            <a:r>
-              <a:rPr lang="en-US" dirty="0">
-                <a:solidFill>
-                  <a:schemeClr val="bg1"/>
-                </a:solidFill>
-                <a:latin typeface="Times New Roman" panose="02020603050405020304" pitchFamily="18" charset="0"/>
-                <a:cs typeface="Times New Roman" panose="02020603050405020304" pitchFamily="18" charset="0"/>
-              </a:rPr>
-              <a:t>Entropy File 1: 7.9999</a:t>
-            </a:r>
-          </a:p>
-          <a:p>
-            <a:r>
-              <a:rPr lang="en-US" dirty="0">
-                <a:solidFill>
-                  <a:schemeClr val="bg1"/>
-                </a:solidFill>
-                <a:latin typeface="Times New Roman" panose="02020603050405020304" pitchFamily="18" charset="0"/>
-                <a:cs typeface="Times New Roman" panose="02020603050405020304" pitchFamily="18" charset="0"/>
-              </a:rPr>
-              <a:t>Entropy File 2: 7.9999</a:t>
-            </a:r>
-          </a:p>
-          <a:p>
-            <a:r>
-              <a:rPr lang="en-US" dirty="0">
-                <a:solidFill>
-                  <a:schemeClr val="bg1"/>
-                </a:solidFill>
-                <a:latin typeface="Times New Roman" panose="02020603050405020304" pitchFamily="18" charset="0"/>
-                <a:cs typeface="Times New Roman" panose="02020603050405020304" pitchFamily="18" charset="0"/>
-              </a:rPr>
-              <a:t>Compression Ratio File 1: 1.0003</a:t>
-            </a:r>
-          </a:p>
-          <a:p>
-            <a:r>
-              <a:rPr lang="en-US" dirty="0">
-                <a:solidFill>
-                  <a:schemeClr val="bg1"/>
-                </a:solidFill>
-                <a:latin typeface="Times New Roman" panose="02020603050405020304" pitchFamily="18" charset="0"/>
-                <a:cs typeface="Times New Roman" panose="02020603050405020304" pitchFamily="18" charset="0"/>
-              </a:rPr>
-              <a:t>Compression Ratio File 2: 1.0003</a:t>
-            </a:r>
-          </a:p>
-          <a:p>
-            <a:r>
-              <a:rPr lang="en-US" dirty="0">
-                <a:solidFill>
-                  <a:schemeClr val="bg1"/>
-                </a:solidFill>
-                <a:latin typeface="Times New Roman" panose="02020603050405020304" pitchFamily="18" charset="0"/>
-                <a:cs typeface="Times New Roman" panose="02020603050405020304" pitchFamily="18" charset="0"/>
-              </a:rPr>
-              <a:t>Pearson Correlation: -0.0001</a:t>
-            </a:r>
-          </a:p>
-        </p:txBody>
-      </p:sp>
-      <p:sp>
-        <p:nvSpPr>
-          <p:cNvPr id="6" name="TextBox 5">
-            <a:extLst>
-              <a:ext uri="{FF2B5EF4-FFF2-40B4-BE49-F238E27FC236}">
-                <a16:creationId xmlns:a16="http://schemas.microsoft.com/office/drawing/2014/main" id="{9E4582D7-D4C7-D706-6D1D-10589938099D}"/>
-              </a:ext>
-            </a:extLst>
-          </p:cNvPr>
-          <p:cNvSpPr txBox="1"/>
-          <p:nvPr/>
-        </p:nvSpPr>
-        <p:spPr>
-          <a:xfrm>
-            <a:off x="8177003" y="3168626"/>
-            <a:ext cx="3890809" cy="2031325"/>
-          </a:xfrm>
-          <a:prstGeom prst="rect">
-            <a:avLst/>
-          </a:prstGeom>
-          <a:noFill/>
-        </p:spPr>
-        <p:txBody>
-          <a:bodyPr wrap="square" rtlCol="0">
-            <a:spAutoFit/>
-          </a:bodyPr>
-          <a:lstStyle/>
-          <a:p>
-            <a:r>
-              <a:rPr lang="en-US" dirty="0">
-                <a:solidFill>
-                  <a:schemeClr val="bg1"/>
-                </a:solidFill>
-                <a:latin typeface="Times New Roman" panose="02020603050405020304" pitchFamily="18" charset="0"/>
-                <a:cs typeface="Times New Roman" panose="02020603050405020304" pitchFamily="18" charset="0"/>
-              </a:rPr>
-              <a:t>PRNG Comparison:</a:t>
-            </a:r>
-          </a:p>
-          <a:p>
-            <a:r>
-              <a:rPr lang="en-US" dirty="0">
-                <a:solidFill>
-                  <a:schemeClr val="bg1"/>
-                </a:solidFill>
-                <a:latin typeface="Times New Roman" panose="02020603050405020304" pitchFamily="18" charset="0"/>
-                <a:cs typeface="Times New Roman" panose="02020603050405020304" pitchFamily="18" charset="0"/>
-              </a:rPr>
-              <a:t>Hamming Distance: 0 / 1981546</a:t>
-            </a:r>
-          </a:p>
-          <a:p>
-            <a:r>
-              <a:rPr lang="en-US" dirty="0">
-                <a:solidFill>
-                  <a:schemeClr val="bg1"/>
-                </a:solidFill>
-                <a:latin typeface="Times New Roman" panose="02020603050405020304" pitchFamily="18" charset="0"/>
-                <a:cs typeface="Times New Roman" panose="02020603050405020304" pitchFamily="18" charset="0"/>
-              </a:rPr>
-              <a:t>Entropy File 1: 7.9999</a:t>
-            </a:r>
-          </a:p>
-          <a:p>
-            <a:r>
-              <a:rPr lang="en-US" dirty="0">
-                <a:solidFill>
-                  <a:schemeClr val="bg1"/>
-                </a:solidFill>
-                <a:latin typeface="Times New Roman" panose="02020603050405020304" pitchFamily="18" charset="0"/>
-                <a:cs typeface="Times New Roman" panose="02020603050405020304" pitchFamily="18" charset="0"/>
-              </a:rPr>
-              <a:t>Entropy File 2: 7.9999</a:t>
-            </a:r>
-          </a:p>
-          <a:p>
-            <a:r>
-              <a:rPr lang="en-US" dirty="0">
-                <a:solidFill>
-                  <a:schemeClr val="bg1"/>
-                </a:solidFill>
-                <a:latin typeface="Times New Roman" panose="02020603050405020304" pitchFamily="18" charset="0"/>
-                <a:cs typeface="Times New Roman" panose="02020603050405020304" pitchFamily="18" charset="0"/>
-              </a:rPr>
-              <a:t>Compression Ratio File 1: 1.0003</a:t>
-            </a:r>
-          </a:p>
-          <a:p>
-            <a:r>
-              <a:rPr lang="en-US" dirty="0">
-                <a:solidFill>
-                  <a:schemeClr val="bg1"/>
-                </a:solidFill>
-                <a:latin typeface="Times New Roman" panose="02020603050405020304" pitchFamily="18" charset="0"/>
-                <a:cs typeface="Times New Roman" panose="02020603050405020304" pitchFamily="18" charset="0"/>
-              </a:rPr>
-              <a:t>Compression Ratio File 2: 1.0003</a:t>
-            </a:r>
-          </a:p>
-          <a:p>
-            <a:r>
-              <a:rPr lang="en-US" dirty="0">
-                <a:solidFill>
-                  <a:schemeClr val="bg1"/>
-                </a:solidFill>
-                <a:latin typeface="Times New Roman" panose="02020603050405020304" pitchFamily="18" charset="0"/>
-                <a:cs typeface="Times New Roman" panose="02020603050405020304" pitchFamily="18" charset="0"/>
-              </a:rPr>
-              <a:t>Pearson Correlation: 1.0000</a:t>
-            </a:r>
-          </a:p>
-        </p:txBody>
-      </p:sp>
-      <p:sp>
-        <p:nvSpPr>
-          <p:cNvPr id="7" name="TextBox 6">
-            <a:extLst>
-              <a:ext uri="{FF2B5EF4-FFF2-40B4-BE49-F238E27FC236}">
-                <a16:creationId xmlns:a16="http://schemas.microsoft.com/office/drawing/2014/main" id="{5FFE1FA3-9D7C-FACC-3964-188BE92464EF}"/>
-              </a:ext>
-            </a:extLst>
-          </p:cNvPr>
-          <p:cNvSpPr txBox="1"/>
-          <p:nvPr/>
-        </p:nvSpPr>
-        <p:spPr>
-          <a:xfrm>
-            <a:off x="6297805" y="1346290"/>
-            <a:ext cx="5143500" cy="923330"/>
-          </a:xfrm>
-          <a:prstGeom prst="rect">
-            <a:avLst/>
-          </a:prstGeom>
-          <a:noFill/>
-        </p:spPr>
-        <p:txBody>
-          <a:bodyPr wrap="square" rtlCol="0">
-            <a:spAutoFit/>
-          </a:bodyPr>
-          <a:lstStyle/>
-          <a:p>
-            <a:r>
-              <a:rPr lang="en-US" dirty="0">
-                <a:solidFill>
-                  <a:schemeClr val="bg1"/>
-                </a:solidFill>
-                <a:latin typeface="Times New Roman" panose="02020603050405020304" pitchFamily="18" charset="0"/>
-                <a:cs typeface="Times New Roman" panose="02020603050405020304" pitchFamily="18" charset="0"/>
-              </a:rPr>
-              <a:t>Whilst both algorithms produce high entropy data, the main differences can be seen in their behavior when given the same start conditions.</a:t>
-            </a:r>
-          </a:p>
-        </p:txBody>
-      </p:sp>
-      <p:sp>
-        <p:nvSpPr>
-          <p:cNvPr id="10" name="TextBox 9">
-            <a:extLst>
-              <a:ext uri="{FF2B5EF4-FFF2-40B4-BE49-F238E27FC236}">
-                <a16:creationId xmlns:a16="http://schemas.microsoft.com/office/drawing/2014/main" id="{CF149AFB-6CE6-BFE6-14D7-B26F2FB23D97}"/>
-              </a:ext>
-            </a:extLst>
-          </p:cNvPr>
-          <p:cNvSpPr txBox="1"/>
-          <p:nvPr/>
-        </p:nvSpPr>
-        <p:spPr>
-          <a:xfrm>
-            <a:off x="4014998" y="5199951"/>
-            <a:ext cx="7127974" cy="1477328"/>
-          </a:xfrm>
-          <a:prstGeom prst="rect">
-            <a:avLst/>
-          </a:prstGeom>
-          <a:noFill/>
-        </p:spPr>
-        <p:txBody>
-          <a:bodyPr wrap="square" rtlCol="0">
-            <a:spAutoFit/>
-          </a:bodyPr>
-          <a:lstStyle/>
-          <a:p>
-            <a:pPr marL="285750" indent="-285750">
-              <a:buFont typeface="Arial" panose="020B0604020202020204" pitchFamily="34" charset="0"/>
-              <a:buChar char="•"/>
-            </a:pPr>
-            <a:r>
-              <a:rPr lang="en-US" dirty="0">
-                <a:solidFill>
-                  <a:schemeClr val="bg1"/>
-                </a:solidFill>
-                <a:latin typeface="Times New Roman" panose="02020603050405020304" pitchFamily="18" charset="0"/>
-                <a:cs typeface="Times New Roman" panose="02020603050405020304" pitchFamily="18" charset="0"/>
-              </a:rPr>
-              <a:t>Hamming distance – the number of bit positions that differ in each file</a:t>
-            </a:r>
-          </a:p>
-          <a:p>
-            <a:pPr marL="285750" indent="-285750">
-              <a:buFont typeface="Arial" panose="020B0604020202020204" pitchFamily="34" charset="0"/>
-              <a:buChar char="•"/>
-            </a:pPr>
-            <a:r>
-              <a:rPr lang="en-US" dirty="0">
-                <a:solidFill>
-                  <a:schemeClr val="bg1"/>
-                </a:solidFill>
-                <a:latin typeface="Times New Roman" panose="02020603050405020304" pitchFamily="18" charset="0"/>
-                <a:cs typeface="Times New Roman" panose="02020603050405020304" pitchFamily="18" charset="0"/>
-              </a:rPr>
-              <a:t>Pearson Correlation – measures the linear relationship between two variables; as one increases, the other one increases too (+1) </a:t>
-            </a:r>
-            <a:r>
-              <a:rPr lang="en-US" i="1" dirty="0">
-                <a:solidFill>
-                  <a:schemeClr val="bg1"/>
-                </a:solidFill>
-                <a:latin typeface="Times New Roman" panose="02020603050405020304" pitchFamily="18" charset="0"/>
-                <a:cs typeface="Times New Roman" panose="02020603050405020304" pitchFamily="18" charset="0"/>
-              </a:rPr>
-              <a:t>or </a:t>
-            </a:r>
-            <a:r>
-              <a:rPr lang="en-US" dirty="0">
-                <a:solidFill>
-                  <a:schemeClr val="bg1"/>
-                </a:solidFill>
-                <a:latin typeface="Times New Roman" panose="02020603050405020304" pitchFamily="18" charset="0"/>
-                <a:cs typeface="Times New Roman" panose="02020603050405020304" pitchFamily="18" charset="0"/>
-              </a:rPr>
-              <a:t>as one increases, the other decreases (-1) </a:t>
-            </a:r>
-            <a:r>
-              <a:rPr lang="en-US" i="1" dirty="0">
-                <a:solidFill>
-                  <a:schemeClr val="bg1"/>
-                </a:solidFill>
-                <a:latin typeface="Times New Roman" panose="02020603050405020304" pitchFamily="18" charset="0"/>
-                <a:cs typeface="Times New Roman" panose="02020603050405020304" pitchFamily="18" charset="0"/>
-              </a:rPr>
-              <a:t>or</a:t>
-            </a:r>
-            <a:r>
-              <a:rPr lang="en-US" dirty="0">
-                <a:solidFill>
-                  <a:schemeClr val="bg1"/>
-                </a:solidFill>
-                <a:latin typeface="Times New Roman" panose="02020603050405020304" pitchFamily="18" charset="0"/>
-                <a:cs typeface="Times New Roman" panose="02020603050405020304" pitchFamily="18" charset="0"/>
-              </a:rPr>
-              <a:t> there is no linear relationship between the variables (0).</a:t>
-            </a:r>
-          </a:p>
-        </p:txBody>
-      </p:sp>
-      <p:sp>
-        <p:nvSpPr>
-          <p:cNvPr id="11" name="Title 1">
-            <a:extLst>
-              <a:ext uri="{FF2B5EF4-FFF2-40B4-BE49-F238E27FC236}">
-                <a16:creationId xmlns:a16="http://schemas.microsoft.com/office/drawing/2014/main" id="{F0D1AD7E-CBE8-C49D-927D-743DBBA9CD47}"/>
+          <p:cNvPr id="16" name="Title 1">
+            <a:extLst>
+              <a:ext uri="{FF2B5EF4-FFF2-40B4-BE49-F238E27FC236}">
+                <a16:creationId xmlns:a16="http://schemas.microsoft.com/office/drawing/2014/main" id="{B25C80D2-F159-C938-104F-1861FA825167}"/>
               </a:ext>
             </a:extLst>
           </p:cNvPr>
@@ -11734,8 +11436,8 @@
           <p:nvPr/>
         </p:nvSpPr>
         <p:spPr>
-          <a:xfrm rot="-5400000">
-            <a:off x="1988838" y="3233985"/>
+          <a:xfrm>
+            <a:off x="0" y="1523040"/>
             <a:ext cx="4846320" cy="1682749"/>
           </a:xfrm>
           <a:prstGeom prst="rect">
@@ -11757,7 +11459,7 @@
               <a:buNone/>
               <a:defRPr sz="5000" kern="1200" cap="all" baseline="0">
                 <a:solidFill>
-                  <a:schemeClr val="accent4"/>
+                  <a:schemeClr val="tx2"/>
                 </a:solidFill>
                 <a:latin typeface="+mj-lt"/>
                 <a:ea typeface="+mj-ea"/>
@@ -11767,11 +11469,78 @@
           </a:lstStyle>
           <a:p>
             <a:r>
+              <a:rPr lang="en-US" dirty="0"/>
+              <a:t>4. S</a:t>
+            </a:r>
+            <a:r>
+              <a:rPr lang="en-US" sz="3500" dirty="0"/>
+              <a:t>ecurity comparison</a:t>
+            </a:r>
+          </a:p>
+          <a:p>
+            <a:r>
+              <a:rPr lang="en-US" sz="3500" dirty="0"/>
+              <a:t>to c’s </a:t>
+            </a:r>
+            <a:r>
+              <a:rPr lang="en-US" sz="3500" dirty="0" err="1"/>
+              <a:t>prng</a:t>
+            </a:r>
+            <a:endParaRPr lang="en-US" sz="3500" dirty="0"/>
+          </a:p>
+        </p:txBody>
+      </p:sp>
+      <p:sp>
+        <p:nvSpPr>
+          <p:cNvPr id="3" name="Title 1">
+            <a:extLst>
+              <a:ext uri="{FF2B5EF4-FFF2-40B4-BE49-F238E27FC236}">
+                <a16:creationId xmlns:a16="http://schemas.microsoft.com/office/drawing/2014/main" id="{CA743DD2-3E1B-1F5F-98B5-F3CDCF13AA17}"/>
+              </a:ext>
+            </a:extLst>
+          </p:cNvPr>
+          <p:cNvSpPr txBox="1">
+            <a:spLocks/>
+          </p:cNvSpPr>
+          <p:nvPr/>
+        </p:nvSpPr>
+        <p:spPr>
+          <a:xfrm rot="-5400000">
+            <a:off x="1045463" y="3264159"/>
+            <a:ext cx="4846320" cy="1682749"/>
+          </a:xfrm>
+          <a:prstGeom prst="rect">
+            <a:avLst/>
+          </a:prstGeom>
+        </p:spPr>
+        <p:txBody>
+          <a:bodyPr vert="horz" lIns="91440" tIns="45720" rIns="91440" bIns="45720" rtlCol="0" anchor="t">
+            <a:noAutofit/>
+          </a:bodyPr>
+          <a:lstStyle>
+            <a:lvl1pPr algn="l" defTabSz="914400" rtl="0" eaLnBrk="1" latinLnBrk="0" hangingPunct="1">
+              <a:lnSpc>
+                <a:spcPct val="80000"/>
+              </a:lnSpc>
+              <a:spcBef>
+                <a:spcPct val="0"/>
+              </a:spcBef>
+              <a:buNone/>
+              <a:defRPr sz="5000" kern="1200" cap="all" baseline="0">
+                <a:solidFill>
+                  <a:schemeClr val="accent4"/>
+                </a:solidFill>
+                <a:latin typeface="+mj-lt"/>
+                <a:ea typeface="+mj-ea"/>
+                <a:cs typeface="+mj-cs"/>
+              </a:defRPr>
+            </a:lvl1pPr>
+          </a:lstStyle>
+          <a:p>
+            <a:r>
               <a:rPr lang="en-US" sz="2500" dirty="0">
                 <a:solidFill>
-                  <a:schemeClr val="accent5">
-                    <a:lumMod val="50000"/>
-                  </a:schemeClr>
+                  <a:schemeClr val="tx1"/>
                 </a:solidFill>
               </a:rPr>
               <a:t>S</a:t>
@@ -11779,27 +11548,328 @@
             <a:r>
               <a:rPr lang="en-US" sz="1500" dirty="0">
                 <a:solidFill>
-                  <a:schemeClr val="accent5">
-                    <a:lumMod val="50000"/>
-                  </a:schemeClr>
+                  <a:schemeClr val="tx1"/>
                 </a:solidFill>
               </a:rPr>
               <a:t>ome more math stuff</a:t>
             </a:r>
             <a:endParaRPr lang="en-US" sz="2500" dirty="0">
               <a:solidFill>
-                <a:schemeClr val="accent5">
-                  <a:lumMod val="50000"/>
-                </a:schemeClr>
+                <a:schemeClr val="tx1"/>
               </a:solidFill>
             </a:endParaRPr>
+          </a:p>
+        </p:txBody>
+      </p:sp>
+      <p:sp>
+        <p:nvSpPr>
+          <p:cNvPr id="4" name="TextBox 3">
+            <a:extLst>
+              <a:ext uri="{FF2B5EF4-FFF2-40B4-BE49-F238E27FC236}">
+                <a16:creationId xmlns:a16="http://schemas.microsoft.com/office/drawing/2014/main" id="{9F9597E7-9A15-A313-496B-120BD4D77CFB}"/>
+              </a:ext>
+            </a:extLst>
+          </p:cNvPr>
+          <p:cNvSpPr txBox="1"/>
+          <p:nvPr/>
+        </p:nvSpPr>
+        <p:spPr>
+          <a:xfrm>
+            <a:off x="4244800" y="1248448"/>
+            <a:ext cx="5143500" cy="923330"/>
+          </a:xfrm>
+          <a:prstGeom prst="rect">
+            <a:avLst/>
+          </a:prstGeom>
+          <a:noFill/>
+        </p:spPr>
+        <p:txBody>
+          <a:bodyPr wrap="square" rtlCol="0">
+            <a:spAutoFit/>
+          </a:bodyPr>
+          <a:lstStyle/>
+          <a:p>
+            <a:r>
+              <a:rPr lang="en-US" dirty="0">
+                <a:latin typeface="Times New Roman" panose="02020603050405020304" pitchFamily="18" charset="0"/>
+                <a:cs typeface="Times New Roman" panose="02020603050405020304" pitchFamily="18" charset="0"/>
+              </a:rPr>
+              <a:t>Whilst both algorithms produce high entropy data, the main differences can be seen in their behavior when given the same start conditions.</a:t>
+            </a:r>
+          </a:p>
+        </p:txBody>
+      </p:sp>
+      <p:sp>
+        <p:nvSpPr>
+          <p:cNvPr id="11" name="TextBox 10">
+            <a:extLst>
+              <a:ext uri="{FF2B5EF4-FFF2-40B4-BE49-F238E27FC236}">
+                <a16:creationId xmlns:a16="http://schemas.microsoft.com/office/drawing/2014/main" id="{4DF27EFB-A991-62C0-BFFD-A68723EABDDB}"/>
+              </a:ext>
+            </a:extLst>
+          </p:cNvPr>
+          <p:cNvSpPr txBox="1"/>
+          <p:nvPr/>
+        </p:nvSpPr>
+        <p:spPr>
+          <a:xfrm>
+            <a:off x="4249272" y="2601723"/>
+            <a:ext cx="3890809" cy="2031325"/>
+          </a:xfrm>
+          <a:prstGeom prst="rect">
+            <a:avLst/>
+          </a:prstGeom>
+          <a:noFill/>
+        </p:spPr>
+        <p:txBody>
+          <a:bodyPr wrap="none" rtlCol="0">
+            <a:spAutoFit/>
+          </a:bodyPr>
+          <a:lstStyle/>
+          <a:p>
+            <a:r>
+              <a:rPr lang="en-US" dirty="0">
+                <a:latin typeface="Times New Roman" panose="02020603050405020304" pitchFamily="18" charset="0"/>
+                <a:cs typeface="Times New Roman" panose="02020603050405020304" pitchFamily="18" charset="0"/>
+              </a:rPr>
+              <a:t>TRNG Comparison:</a:t>
+            </a:r>
+          </a:p>
+          <a:p>
+            <a:r>
+              <a:rPr lang="en-US" dirty="0">
+                <a:latin typeface="Times New Roman" panose="02020603050405020304" pitchFamily="18" charset="0"/>
+                <a:cs typeface="Times New Roman" panose="02020603050405020304" pitchFamily="18" charset="0"/>
+              </a:rPr>
+              <a:t>Hamming Distance: 1973795 / 1981546</a:t>
+            </a:r>
+          </a:p>
+          <a:p>
+            <a:r>
+              <a:rPr lang="en-US" dirty="0">
+                <a:latin typeface="Times New Roman" panose="02020603050405020304" pitchFamily="18" charset="0"/>
+                <a:cs typeface="Times New Roman" panose="02020603050405020304" pitchFamily="18" charset="0"/>
+              </a:rPr>
+              <a:t>Entropy File 1: 7.9999</a:t>
+            </a:r>
+          </a:p>
+          <a:p>
+            <a:r>
+              <a:rPr lang="en-US" dirty="0">
+                <a:latin typeface="Times New Roman" panose="02020603050405020304" pitchFamily="18" charset="0"/>
+                <a:cs typeface="Times New Roman" panose="02020603050405020304" pitchFamily="18" charset="0"/>
+              </a:rPr>
+              <a:t>Entropy File 2: 7.9999</a:t>
+            </a:r>
+          </a:p>
+          <a:p>
+            <a:r>
+              <a:rPr lang="en-US" dirty="0">
+                <a:latin typeface="Times New Roman" panose="02020603050405020304" pitchFamily="18" charset="0"/>
+                <a:cs typeface="Times New Roman" panose="02020603050405020304" pitchFamily="18" charset="0"/>
+              </a:rPr>
+              <a:t>Compression Ratio File 1: 1.0003</a:t>
+            </a:r>
+          </a:p>
+          <a:p>
+            <a:r>
+              <a:rPr lang="en-US" dirty="0">
+                <a:latin typeface="Times New Roman" panose="02020603050405020304" pitchFamily="18" charset="0"/>
+                <a:cs typeface="Times New Roman" panose="02020603050405020304" pitchFamily="18" charset="0"/>
+              </a:rPr>
+              <a:t>Compression Ratio File 2: 1.0003</a:t>
+            </a:r>
+          </a:p>
+          <a:p>
+            <a:r>
+              <a:rPr lang="en-US" dirty="0">
+                <a:latin typeface="Times New Roman" panose="02020603050405020304" pitchFamily="18" charset="0"/>
+                <a:cs typeface="Times New Roman" panose="02020603050405020304" pitchFamily="18" charset="0"/>
+              </a:rPr>
+              <a:t>Pearson Correlation: -0.0001</a:t>
+            </a:r>
+          </a:p>
+        </p:txBody>
+      </p:sp>
+      <p:sp>
+        <p:nvSpPr>
+          <p:cNvPr id="14" name="TextBox 13">
+            <a:extLst>
+              <a:ext uri="{FF2B5EF4-FFF2-40B4-BE49-F238E27FC236}">
+                <a16:creationId xmlns:a16="http://schemas.microsoft.com/office/drawing/2014/main" id="{5F4EE906-1F9A-3E1A-DC7A-CDEE97E36196}"/>
+              </a:ext>
+            </a:extLst>
+          </p:cNvPr>
+          <p:cNvSpPr txBox="1"/>
+          <p:nvPr/>
+        </p:nvSpPr>
+        <p:spPr>
+          <a:xfrm>
+            <a:off x="8177003" y="2601722"/>
+            <a:ext cx="3890809" cy="2031325"/>
+          </a:xfrm>
+          <a:prstGeom prst="rect">
+            <a:avLst/>
+          </a:prstGeom>
+          <a:noFill/>
+        </p:spPr>
+        <p:txBody>
+          <a:bodyPr wrap="square" rtlCol="0">
+            <a:spAutoFit/>
+          </a:bodyPr>
+          <a:lstStyle/>
+          <a:p>
+            <a:r>
+              <a:rPr lang="en-US" dirty="0">
+                <a:latin typeface="Times New Roman" panose="02020603050405020304" pitchFamily="18" charset="0"/>
+                <a:cs typeface="Times New Roman" panose="02020603050405020304" pitchFamily="18" charset="0"/>
+              </a:rPr>
+              <a:t>PRNG Comparison:</a:t>
+            </a:r>
+          </a:p>
+          <a:p>
+            <a:r>
+              <a:rPr lang="en-US" dirty="0">
+                <a:latin typeface="Times New Roman" panose="02020603050405020304" pitchFamily="18" charset="0"/>
+                <a:cs typeface="Times New Roman" panose="02020603050405020304" pitchFamily="18" charset="0"/>
+              </a:rPr>
+              <a:t>Hamming Distance: 0 / 1981546</a:t>
+            </a:r>
+          </a:p>
+          <a:p>
+            <a:r>
+              <a:rPr lang="en-US" dirty="0">
+                <a:latin typeface="Times New Roman" panose="02020603050405020304" pitchFamily="18" charset="0"/>
+                <a:cs typeface="Times New Roman" panose="02020603050405020304" pitchFamily="18" charset="0"/>
+              </a:rPr>
+              <a:t>Entropy File 1: 7.9999</a:t>
+            </a:r>
+          </a:p>
+          <a:p>
+            <a:r>
+              <a:rPr lang="en-US" dirty="0">
+                <a:latin typeface="Times New Roman" panose="02020603050405020304" pitchFamily="18" charset="0"/>
+                <a:cs typeface="Times New Roman" panose="02020603050405020304" pitchFamily="18" charset="0"/>
+              </a:rPr>
+              <a:t>Entropy File 2: 7.9999</a:t>
+            </a:r>
+          </a:p>
+          <a:p>
+            <a:r>
+              <a:rPr lang="en-US" dirty="0">
+                <a:latin typeface="Times New Roman" panose="02020603050405020304" pitchFamily="18" charset="0"/>
+                <a:cs typeface="Times New Roman" panose="02020603050405020304" pitchFamily="18" charset="0"/>
+              </a:rPr>
+              <a:t>Compression Ratio File 1: 1.0003</a:t>
+            </a:r>
+          </a:p>
+          <a:p>
+            <a:r>
+              <a:rPr lang="en-US" dirty="0">
+                <a:latin typeface="Times New Roman" panose="02020603050405020304" pitchFamily="18" charset="0"/>
+                <a:cs typeface="Times New Roman" panose="02020603050405020304" pitchFamily="18" charset="0"/>
+              </a:rPr>
+              <a:t>Compression Ratio File 2: 1.0003</a:t>
+            </a:r>
+          </a:p>
+          <a:p>
+            <a:r>
+              <a:rPr lang="en-US" dirty="0">
+                <a:latin typeface="Times New Roman" panose="02020603050405020304" pitchFamily="18" charset="0"/>
+                <a:cs typeface="Times New Roman" panose="02020603050405020304" pitchFamily="18" charset="0"/>
+              </a:rPr>
+              <a:t>Pearson Correlation: 1.0000</a:t>
+            </a:r>
+          </a:p>
+        </p:txBody>
+      </p:sp>
+      <p:sp>
+        <p:nvSpPr>
+          <p:cNvPr id="15" name="TextBox 14">
+            <a:extLst>
+              <a:ext uri="{FF2B5EF4-FFF2-40B4-BE49-F238E27FC236}">
+                <a16:creationId xmlns:a16="http://schemas.microsoft.com/office/drawing/2014/main" id="{71D10508-4B03-430E-DE63-3AF407887525}"/>
+              </a:ext>
+            </a:extLst>
+          </p:cNvPr>
+          <p:cNvSpPr txBox="1"/>
+          <p:nvPr/>
+        </p:nvSpPr>
+        <p:spPr>
+          <a:xfrm>
+            <a:off x="4244800" y="5051366"/>
+            <a:ext cx="7127974" cy="1477328"/>
+          </a:xfrm>
+          <a:prstGeom prst="rect">
+            <a:avLst/>
+          </a:prstGeom>
+          <a:noFill/>
+        </p:spPr>
+        <p:txBody>
+          <a:bodyPr wrap="square" rtlCol="0">
+            <a:spAutoFit/>
+          </a:bodyPr>
+          <a:lstStyle/>
+          <a:p>
+            <a:pPr marL="285750" indent="-285750">
+              <a:buFont typeface="Arial" panose="020B0604020202020204" pitchFamily="34" charset="0"/>
+              <a:buChar char="•"/>
+            </a:pPr>
+            <a:r>
+              <a:rPr lang="en-US" dirty="0">
+                <a:latin typeface="Times New Roman" panose="02020603050405020304" pitchFamily="18" charset="0"/>
+                <a:cs typeface="Times New Roman" panose="02020603050405020304" pitchFamily="18" charset="0"/>
+              </a:rPr>
+              <a:t>Hamming distance – the number of bit positions that differ in each file</a:t>
+            </a:r>
+          </a:p>
+          <a:p>
+            <a:pPr marL="285750" indent="-285750">
+              <a:buFont typeface="Arial" panose="020B0604020202020204" pitchFamily="34" charset="0"/>
+              <a:buChar char="•"/>
+            </a:pPr>
+            <a:r>
+              <a:rPr lang="en-US" dirty="0">
+                <a:latin typeface="Times New Roman" panose="02020603050405020304" pitchFamily="18" charset="0"/>
+                <a:cs typeface="Times New Roman" panose="02020603050405020304" pitchFamily="18" charset="0"/>
+              </a:rPr>
+              <a:t>Pearson Correlation – measures the linear relationship between two variables; as one increases, the other one increases too (+1) </a:t>
+            </a:r>
+            <a:r>
+              <a:rPr lang="en-US" i="1" dirty="0">
+                <a:latin typeface="Times New Roman" panose="02020603050405020304" pitchFamily="18" charset="0"/>
+                <a:cs typeface="Times New Roman" panose="02020603050405020304" pitchFamily="18" charset="0"/>
+              </a:rPr>
+              <a:t>or </a:t>
+            </a:r>
+            <a:r>
+              <a:rPr lang="en-US" dirty="0">
+                <a:latin typeface="Times New Roman" panose="02020603050405020304" pitchFamily="18" charset="0"/>
+                <a:cs typeface="Times New Roman" panose="02020603050405020304" pitchFamily="18" charset="0"/>
+              </a:rPr>
+              <a:t>as one increases, the other decreases (-1) </a:t>
+            </a:r>
+            <a:r>
+              <a:rPr lang="en-US" i="1" dirty="0">
+                <a:latin typeface="Times New Roman" panose="02020603050405020304" pitchFamily="18" charset="0"/>
+                <a:cs typeface="Times New Roman" panose="02020603050405020304" pitchFamily="18" charset="0"/>
+              </a:rPr>
+              <a:t>or</a:t>
+            </a:r>
+            <a:r>
+              <a:rPr lang="en-US" dirty="0">
+                <a:latin typeface="Times New Roman" panose="02020603050405020304" pitchFamily="18" charset="0"/>
+                <a:cs typeface="Times New Roman" panose="02020603050405020304" pitchFamily="18" charset="0"/>
+              </a:rPr>
+              <a:t> there is no linear relationship between the variables (0).</a:t>
+            </a:r>
           </a:p>
         </p:txBody>
       </p:sp>
     </p:spTree>
     <p:extLst>
       <p:ext uri="{BB962C8B-B14F-4D97-AF65-F5344CB8AC3E}">
-        <p14:creationId xmlns:p14="http://schemas.microsoft.com/office/powerpoint/2010/main" val="4040280570"/>
+        <p14:creationId xmlns:p14="http://schemas.microsoft.com/office/powerpoint/2010/main" val="812520672"/>
       </p:ext>
     </p:extLst>
   </p:cSld>
@@ -12041,7 +12111,7 @@
     <p:bg>
       <p:bgPr>
         <a:solidFill>
-          <a:schemeClr val="bg2">
+          <a:schemeClr val="accent5">
             <a:lumMod val="90000"/>
           </a:schemeClr>
         </a:solidFill>
@@ -12078,16 +12148,25 @@
             <p:ph type="title"/>
           </p:nvPr>
         </p:nvSpPr>
-        <p:spPr/>
+        <p:spPr>
+          <a:xfrm>
+            <a:off x="2295144" y="1681172"/>
+            <a:ext cx="7498080" cy="704088"/>
+          </a:xfrm>
+        </p:spPr>
         <p:txBody>
           <a:bodyPr/>
           <a:lstStyle/>
           <a:p>
             <a:r>
               <a:rPr lang="en-US" dirty="0"/>
-              <a:t>Table of contents</a:t>
-            </a:r>
-            <a:endParaRPr lang="en-PK" dirty="0"/>
+              <a:t>T</a:t>
+            </a:r>
+            <a:r>
+              <a:rPr lang="en-US" sz="3500" dirty="0"/>
+              <a:t>able of contents</a:t>
+            </a:r>
+            <a:endParaRPr lang="en-PK" sz="3500" dirty="0"/>
           </a:p>
         </p:txBody>
       </p:sp>
@@ -12134,8 +12213,8 @@
         </p:nvSpPr>
         <p:spPr>
           <a:xfrm>
-            <a:off x="4026878" y="3147646"/>
-            <a:ext cx="5287452" cy="1477328"/>
+            <a:off x="2295144" y="2921403"/>
+            <a:ext cx="9285402" cy="2015936"/>
           </a:xfrm>
           <a:prstGeom prst="rect">
             <a:avLst/>
@@ -12153,7 +12232,7 @@
               <a:buAutoNum type="arabicPeriod"/>
             </a:pPr>
             <a:r>
-              <a:rPr lang="en-US" dirty="0"/>
+              <a:rPr lang="en-US" sz="2500" dirty="0"/>
               <a:t>Random numbers in Cryptography</a:t>
             </a:r>
           </a:p>
@@ -12163,7 +12242,7 @@
               <a:buAutoNum type="arabicPeriod"/>
             </a:pPr>
             <a:r>
-              <a:rPr lang="en-US" dirty="0"/>
+              <a:rPr lang="en-US" sz="2500" dirty="0"/>
               <a:t>Difference between a TRNG &amp; PRNG</a:t>
             </a:r>
           </a:p>
@@ -12173,7 +12252,7 @@
               <a:buAutoNum type="arabicPeriod"/>
             </a:pPr>
             <a:r>
-              <a:rPr lang="en-US" dirty="0"/>
+              <a:rPr lang="en-US" sz="2500" dirty="0"/>
               <a:t>Our implementation</a:t>
             </a:r>
           </a:p>
@@ -12183,7 +12262,7 @@
               <a:buAutoNum type="arabicPeriod"/>
             </a:pPr>
             <a:r>
-              <a:rPr lang="en-US" dirty="0"/>
+              <a:rPr lang="en-US" sz="2500" dirty="0"/>
               <a:t>Test Results</a:t>
             </a:r>
           </a:p>
@@ -12193,7 +12272,7 @@
               <a:buAutoNum type="arabicPeriod"/>
             </a:pPr>
             <a:r>
-              <a:rPr lang="en-US" dirty="0"/>
+              <a:rPr lang="en-US" sz="2500" dirty="0"/>
               <a:t>Security comparison to C’s default PRNG</a:t>
             </a:r>
           </a:p>
@@ -12335,8 +12414,8 @@
         </p:nvSpPr>
         <p:spPr>
           <a:xfrm>
-            <a:off x="559543" y="1167806"/>
-            <a:ext cx="10515600" cy="575321"/>
+            <a:off x="589260" y="1825035"/>
+            <a:ext cx="11236217" cy="575321"/>
           </a:xfrm>
         </p:spPr>
         <p:txBody>
@@ -12345,7 +12424,11 @@
           <a:p>
             <a:r>
               <a:rPr lang="en-US" dirty="0"/>
-              <a:t>1. Random numbers in cryptography</a:t>
+              <a:t>1. R</a:t>
+            </a:r>
+            <a:r>
+              <a:rPr lang="en-US" sz="3500" dirty="0"/>
+              <a:t>andom numbers in cryptography</a:t>
             </a:r>
           </a:p>
         </p:txBody>
@@ -12555,7 +12638,13 @@
   <p:cSld>
     <p:spTree>
       <p:nvGrpSpPr>
-        <p:cNvPr id="1" name=""/>
+        <p:cNvPr id="1" name="">
+          <a:extLst>
+            <a:ext uri="{FF2B5EF4-FFF2-40B4-BE49-F238E27FC236}">
+              <a16:creationId xmlns:a16="http://schemas.microsoft.com/office/drawing/2014/main" id="{30CFBFB8-685F-F6B1-2AC0-91E4B2CC8256}"/>
+            </a:ext>
+          </a:extLst>
+        </p:cNvPr>
         <p:cNvGrpSpPr/>
         <p:nvPr/>
       </p:nvGrpSpPr>
@@ -12569,54 +12658,10 @@
       </p:grpSpPr>
       <p:sp>
         <p:nvSpPr>
-          <p:cNvPr id="2" name="Title 1">
-            <a:extLst>
-              <a:ext uri="{FF2B5EF4-FFF2-40B4-BE49-F238E27FC236}">
-                <a16:creationId xmlns:a16="http://schemas.microsoft.com/office/drawing/2014/main" id="{F7291133-2B2D-CB5C-25A3-A6BBC6AC48F6}"/>
-              </a:ext>
-            </a:extLst>
-          </p:cNvPr>
-          <p:cNvSpPr>
-            <a:spLocks noGrp="1"/>
-          </p:cNvSpPr>
-          <p:nvPr>
-            <p:ph type="title"/>
-          </p:nvPr>
-        </p:nvSpPr>
-        <p:spPr/>
-        <p:txBody>
-          <a:bodyPr/>
-          <a:lstStyle/>
-          <a:p>
-            <a:r>
-              <a:rPr lang="en-US" dirty="0"/>
-              <a:t>2. Difference between a </a:t>
-            </a:r>
-            <a:br>
-              <a:rPr lang="en-US" dirty="0"/>
-            </a:br>
-            <a:r>
-              <a:rPr lang="en-US" dirty="0" err="1"/>
-              <a:t>trng</a:t>
-            </a:r>
-            <a:r>
-              <a:rPr lang="en-US" dirty="0"/>
-              <a:t> &amp; </a:t>
-            </a:r>
-            <a:r>
-              <a:rPr lang="en-US" dirty="0" err="1"/>
-              <a:t>prng</a:t>
-            </a:r>
-            <a:endParaRPr lang="en-US" dirty="0"/>
-          </a:p>
-        </p:txBody>
-      </p:sp>
-      <p:sp>
-        <p:nvSpPr>
-          <p:cNvPr id="10" name="Footer Placeholder 9">
-            <a:extLst>
-              <a:ext uri="{FF2B5EF4-FFF2-40B4-BE49-F238E27FC236}">
-                <a16:creationId xmlns:a16="http://schemas.microsoft.com/office/drawing/2014/main" id="{15C361D4-2114-E276-681B-0EDACAD8E3D4}"/>
+          <p:cNvPr id="12" name="Footer Placeholder 11">
+            <a:extLst>
+              <a:ext uri="{FF2B5EF4-FFF2-40B4-BE49-F238E27FC236}">
+                <a16:creationId xmlns:a16="http://schemas.microsoft.com/office/drawing/2014/main" id="{9E6454AD-06C4-18B7-EB99-C18141331F88}"/>
               </a:ext>
             </a:extLst>
           </p:cNvPr>
@@ -12636,172 +12681,16 @@
               <a:rPr lang="en-US"/>
               <a:t>An implementation of a true random number generator</a:t>
             </a:r>
-            <a:endParaRPr lang="en-US" dirty="0"/>
-          </a:p>
-        </p:txBody>
-      </p:sp>
-      <p:sp>
-        <p:nvSpPr>
-          <p:cNvPr id="4" name="Text Placeholder 3">
-            <a:extLst>
-              <a:ext uri="{FF2B5EF4-FFF2-40B4-BE49-F238E27FC236}">
-                <a16:creationId xmlns:a16="http://schemas.microsoft.com/office/drawing/2014/main" id="{C86737C8-4322-77C9-4E34-94E5EE136DBC}"/>
-              </a:ext>
-            </a:extLst>
-          </p:cNvPr>
-          <p:cNvSpPr>
-            <a:spLocks noGrp="1"/>
-          </p:cNvSpPr>
-          <p:nvPr>
-            <p:ph type="body" sz="quarter" idx="15"/>
-          </p:nvPr>
-        </p:nvSpPr>
-        <p:spPr>
-          <a:xfrm>
-            <a:off x="334134" y="3978265"/>
-            <a:ext cx="5372074" cy="1682750"/>
-          </a:xfrm>
-        </p:spPr>
-        <p:txBody>
-          <a:bodyPr/>
-          <a:lstStyle/>
-          <a:p>
-            <a:pPr marL="0" indent="0" algn="ctr">
-              <a:buNone/>
-            </a:pPr>
-            <a:r>
-              <a:rPr lang="en-US" dirty="0">
-                <a:latin typeface="Times New Roman" panose="02020603050405020304" pitchFamily="18" charset="0"/>
-                <a:cs typeface="Times New Roman" panose="02020603050405020304" pitchFamily="18" charset="0"/>
-              </a:rPr>
-              <a:t>TRNG</a:t>
-            </a:r>
-          </a:p>
-          <a:p>
-            <a:pPr algn="just">
-              <a:buFont typeface="Wingdings" panose="05000000000000000000" pitchFamily="2" charset="2"/>
-              <a:buChar char="Ø"/>
-            </a:pPr>
-            <a:r>
-              <a:rPr lang="en-US" dirty="0">
-                <a:latin typeface="Times New Roman" panose="02020603050405020304" pitchFamily="18" charset="0"/>
-                <a:cs typeface="Times New Roman" panose="02020603050405020304" pitchFamily="18" charset="0"/>
-              </a:rPr>
-              <a:t>Generates unpredictable sets of data.</a:t>
-            </a:r>
-          </a:p>
-          <a:p>
-            <a:pPr algn="just">
-              <a:buFont typeface="Wingdings" panose="05000000000000000000" pitchFamily="2" charset="2"/>
-              <a:buChar char="Ø"/>
-            </a:pPr>
-            <a:r>
-              <a:rPr lang="en-US" dirty="0">
-                <a:latin typeface="Times New Roman" panose="02020603050405020304" pitchFamily="18" charset="0"/>
-                <a:cs typeface="Times New Roman" panose="02020603050405020304" pitchFamily="18" charset="0"/>
-              </a:rPr>
-              <a:t>It exploits physical phenomena as a source of randomness (e.g. atmospheric noise, radioactive decay, etc.)</a:t>
-            </a:r>
-          </a:p>
-          <a:p>
-            <a:pPr algn="just">
-              <a:buFont typeface="Wingdings" panose="05000000000000000000" pitchFamily="2" charset="2"/>
-              <a:buChar char="Ø"/>
-            </a:pPr>
-            <a:r>
-              <a:rPr lang="en-US" dirty="0">
-                <a:latin typeface="Times New Roman" panose="02020603050405020304" pitchFamily="18" charset="0"/>
-                <a:cs typeface="Times New Roman" panose="02020603050405020304" pitchFamily="18" charset="0"/>
-              </a:rPr>
-              <a:t>Under the same conditions, it will always produce a different output</a:t>
-            </a:r>
-          </a:p>
-        </p:txBody>
-      </p:sp>
-      <p:sp>
-        <p:nvSpPr>
-          <p:cNvPr id="5" name="Text Placeholder 4">
-            <a:extLst>
-              <a:ext uri="{FF2B5EF4-FFF2-40B4-BE49-F238E27FC236}">
-                <a16:creationId xmlns:a16="http://schemas.microsoft.com/office/drawing/2014/main" id="{EEAACD48-B184-C932-E41F-216DF4C1A5BF}"/>
-              </a:ext>
-            </a:extLst>
-          </p:cNvPr>
-          <p:cNvSpPr>
-            <a:spLocks noGrp="1"/>
-          </p:cNvSpPr>
-          <p:nvPr>
-            <p:ph type="body" sz="quarter" idx="16"/>
-          </p:nvPr>
-        </p:nvSpPr>
-        <p:spPr>
-          <a:xfrm>
-            <a:off x="5952391" y="3978264"/>
-            <a:ext cx="5474677" cy="2026881"/>
-          </a:xfrm>
-        </p:spPr>
-        <p:txBody>
-          <a:bodyPr/>
-          <a:lstStyle/>
-          <a:p>
-            <a:pPr marL="0" indent="0" algn="ctr">
-              <a:buNone/>
-            </a:pPr>
-            <a:r>
-              <a:rPr lang="en-US" dirty="0">
-                <a:latin typeface="Times New Roman" panose="02020603050405020304" pitchFamily="18" charset="0"/>
-                <a:cs typeface="Times New Roman" panose="02020603050405020304" pitchFamily="18" charset="0"/>
-              </a:rPr>
-              <a:t>PRNG</a:t>
-            </a:r>
-          </a:p>
-          <a:p>
-            <a:pPr>
-              <a:buFont typeface="Wingdings" panose="05000000000000000000" pitchFamily="2" charset="2"/>
-              <a:buChar char="Ø"/>
-            </a:pPr>
-            <a:r>
-              <a:rPr lang="en-US" dirty="0">
-                <a:latin typeface="Times New Roman" panose="02020603050405020304" pitchFamily="18" charset="0"/>
-                <a:cs typeface="Times New Roman" panose="02020603050405020304" pitchFamily="18" charset="0"/>
-              </a:rPr>
-              <a:t>Uses deterministic algorithms (e.g. Mersenne Twister</a:t>
-            </a:r>
-          </a:p>
-          <a:p>
-            <a:pPr>
-              <a:buFont typeface="Wingdings" panose="05000000000000000000" pitchFamily="2" charset="2"/>
-              <a:buChar char="Ø"/>
-            </a:pPr>
-            <a:r>
-              <a:rPr lang="en-US" dirty="0">
-                <a:latin typeface="Times New Roman" panose="02020603050405020304" pitchFamily="18" charset="0"/>
-                <a:cs typeface="Times New Roman" panose="02020603050405020304" pitchFamily="18" charset="0"/>
-              </a:rPr>
-              <a:t>If the seed is known, it produces predictable output</a:t>
-            </a:r>
-          </a:p>
-          <a:p>
-            <a:pPr>
-              <a:buFont typeface="Wingdings" panose="05000000000000000000" pitchFamily="2" charset="2"/>
-              <a:buChar char="Ø"/>
-            </a:pPr>
-            <a:r>
-              <a:rPr lang="en-US" dirty="0">
-                <a:latin typeface="Times New Roman" panose="02020603050405020304" pitchFamily="18" charset="0"/>
-                <a:cs typeface="Times New Roman" panose="02020603050405020304" pitchFamily="18" charset="0"/>
-              </a:rPr>
-              <a:t>Given the same seed, a PRNG will produce identical sequences of values</a:t>
-            </a:r>
-          </a:p>
-        </p:txBody>
-      </p:sp>
-      <p:sp>
-        <p:nvSpPr>
-          <p:cNvPr id="11" name="Slide Number Placeholder 10">
-            <a:extLst>
-              <a:ext uri="{FF2B5EF4-FFF2-40B4-BE49-F238E27FC236}">
-                <a16:creationId xmlns:a16="http://schemas.microsoft.com/office/drawing/2014/main" id="{F8FC4DAD-8F22-40DC-8133-22BF52217FB8}"/>
+            <a:endParaRPr lang="en-PK" dirty="0"/>
+          </a:p>
+        </p:txBody>
+      </p:sp>
+      <p:sp>
+        <p:nvSpPr>
+          <p:cNvPr id="13" name="Slide Number Placeholder 12">
+            <a:extLst>
+              <a:ext uri="{FF2B5EF4-FFF2-40B4-BE49-F238E27FC236}">
+                <a16:creationId xmlns:a16="http://schemas.microsoft.com/office/drawing/2014/main" id="{3F8A0F24-053F-0C98-953B-24E0B964400E}"/>
               </a:ext>
             </a:extLst>
           </p:cNvPr>
@@ -12828,40 +12717,10 @@
       </p:sp>
       <p:pic>
         <p:nvPicPr>
-          <p:cNvPr id="3" name="Picture 2">
-            <a:extLst>
-              <a:ext uri="{FF2B5EF4-FFF2-40B4-BE49-F238E27FC236}">
-                <a16:creationId xmlns:a16="http://schemas.microsoft.com/office/drawing/2014/main" id="{915D0A2B-201B-3C4A-7AED-39758402D5FA}"/>
-              </a:ext>
-            </a:extLst>
-          </p:cNvPr>
-          <p:cNvPicPr>
-            <a:picLocks noChangeAspect="1"/>
-          </p:cNvPicPr>
-          <p:nvPr/>
-        </p:nvPicPr>
-        <p:blipFill>
-          <a:blip r:embed="rId2"/>
-          <a:stretch>
-            <a:fillRect/>
-          </a:stretch>
-        </p:blipFill>
-        <p:spPr>
-          <a:xfrm>
-            <a:off x="2240280" y="-8686"/>
-            <a:ext cx="942588" cy="982416"/>
-          </a:xfrm>
-          <a:prstGeom prst="rect">
-            <a:avLst/>
-          </a:prstGeom>
-        </p:spPr>
-      </p:pic>
-      <p:pic>
-        <p:nvPicPr>
-          <p:cNvPr id="6" name="Picture 5">
-            <a:extLst>
-              <a:ext uri="{FF2B5EF4-FFF2-40B4-BE49-F238E27FC236}">
-                <a16:creationId xmlns:a16="http://schemas.microsoft.com/office/drawing/2014/main" id="{0F4D40FA-C21F-ECA7-3E9A-6673FC9FF5E1}"/>
+          <p:cNvPr id="4" name="Picture 3">
+            <a:extLst>
+              <a:ext uri="{FF2B5EF4-FFF2-40B4-BE49-F238E27FC236}">
+                <a16:creationId xmlns:a16="http://schemas.microsoft.com/office/drawing/2014/main" id="{3649C97A-BF65-6850-0376-B05F56290382}"/>
               </a:ext>
             </a:extLst>
           </p:cNvPr>
@@ -12878,20 +12737,124 @@
         </p:blipFill>
         <p:spPr>
           <a:xfrm>
-            <a:off x="3111358" y="7115"/>
-            <a:ext cx="1137914" cy="1137914"/>
+            <a:off x="2240280" y="-8686"/>
+            <a:ext cx="942588" cy="982416"/>
           </a:xfrm>
           <a:prstGeom prst="rect">
             <a:avLst/>
           </a:prstGeom>
         </p:spPr>
       </p:pic>
-      <p:sp>
-        <p:nvSpPr>
-          <p:cNvPr id="7" name="TextBox 6">
-            <a:extLst>
-              <a:ext uri="{FF2B5EF4-FFF2-40B4-BE49-F238E27FC236}">
-                <a16:creationId xmlns:a16="http://schemas.microsoft.com/office/drawing/2014/main" id="{DECB689A-0E1C-EEEF-863A-F51FFD099D39}"/>
+      <p:pic>
+        <p:nvPicPr>
+          <p:cNvPr id="7" name="Picture 6">
+            <a:extLst>
+              <a:ext uri="{FF2B5EF4-FFF2-40B4-BE49-F238E27FC236}">
+                <a16:creationId xmlns:a16="http://schemas.microsoft.com/office/drawing/2014/main" id="{F8FE98AC-E218-3A63-E389-3BEEFEA723EE}"/>
+              </a:ext>
+            </a:extLst>
+          </p:cNvPr>
+          <p:cNvPicPr>
+            <a:picLocks noChangeAspect="1"/>
+          </p:cNvPicPr>
+          <p:nvPr/>
+        </p:nvPicPr>
+        <p:blipFill>
+          <a:blip r:embed="rId4"/>
+          <a:stretch>
+            <a:fillRect/>
+          </a:stretch>
+        </p:blipFill>
+        <p:spPr>
+          <a:xfrm>
+            <a:off x="3111358" y="7115"/>
+            <a:ext cx="1137914" cy="1137914"/>
+          </a:xfrm>
+          <a:prstGeom prst="rect">
+            <a:avLst/>
+          </a:prstGeom>
+        </p:spPr>
+      </p:pic>
+      <p:sp>
+        <p:nvSpPr>
+          <p:cNvPr id="3" name="Title 1">
+            <a:extLst>
+              <a:ext uri="{FF2B5EF4-FFF2-40B4-BE49-F238E27FC236}">
+                <a16:creationId xmlns:a16="http://schemas.microsoft.com/office/drawing/2014/main" id="{5ACDA8D1-C910-2AF6-5E83-FECC80D34E95}"/>
+              </a:ext>
+            </a:extLst>
+          </p:cNvPr>
+          <p:cNvSpPr txBox="1">
+            <a:spLocks/>
+          </p:cNvSpPr>
+          <p:nvPr/>
+        </p:nvSpPr>
+        <p:spPr>
+          <a:xfrm>
+            <a:off x="685222" y="1708087"/>
+            <a:ext cx="11371619" cy="575321"/>
+          </a:xfrm>
+          <a:prstGeom prst="rect">
+            <a:avLst/>
+          </a:prstGeom>
+          <a:ln>
+            <a:noFill/>
+          </a:ln>
+        </p:spPr>
+        <p:txBody>
+          <a:bodyPr vert="horz" lIns="91440" tIns="45720" rIns="91440" bIns="45720" rtlCol="0" anchor="t">
+            <a:noAutofit/>
+          </a:bodyPr>
+          <a:lstStyle>
+            <a:lvl1pPr algn="l" defTabSz="914400" rtl="0" eaLnBrk="1" latinLnBrk="0" hangingPunct="1">
+              <a:lnSpc>
+                <a:spcPct val="80000"/>
+              </a:lnSpc>
+              <a:spcBef>
+                <a:spcPct val="0"/>
+              </a:spcBef>
+              <a:buNone/>
+              <a:defRPr sz="5000" kern="1200" cap="all" baseline="0">
+                <a:solidFill>
+                  <a:schemeClr val="tx2"/>
+                </a:solidFill>
+                <a:latin typeface="+mj-lt"/>
+                <a:ea typeface="+mj-ea"/>
+                <a:cs typeface="+mj-cs"/>
+              </a:defRPr>
+            </a:lvl1pPr>
+          </a:lstStyle>
+          <a:p>
+            <a:r>
+              <a:rPr lang="en-US" dirty="0"/>
+              <a:t>2. D</a:t>
+            </a:r>
+            <a:r>
+              <a:rPr lang="en-US" sz="3500" dirty="0"/>
+              <a:t>ifference between a </a:t>
+            </a:r>
+            <a:r>
+              <a:rPr lang="en-US" sz="3500" dirty="0" err="1"/>
+              <a:t>trng</a:t>
+            </a:r>
+            <a:r>
+              <a:rPr lang="en-US" sz="3500" dirty="0"/>
+              <a:t> &amp; </a:t>
+            </a:r>
+            <a:r>
+              <a:rPr lang="en-US" sz="3500" dirty="0" err="1"/>
+              <a:t>prng</a:t>
+            </a:r>
+            <a:endParaRPr lang="en-US" sz="3500" dirty="0"/>
+          </a:p>
+        </p:txBody>
+      </p:sp>
+      <p:sp>
+        <p:nvSpPr>
+          <p:cNvPr id="8" name="TextBox 7">
+            <a:extLst>
+              <a:ext uri="{FF2B5EF4-FFF2-40B4-BE49-F238E27FC236}">
+                <a16:creationId xmlns:a16="http://schemas.microsoft.com/office/drawing/2014/main" id="{1E7A8F94-9260-EE62-1E2B-5D3BCA90DC68}"/>
               </a:ext>
             </a:extLst>
           </p:cNvPr>
@@ -12900,7 +12863,7 @@
         </p:nvSpPr>
         <p:spPr>
           <a:xfrm>
-            <a:off x="764931" y="3033346"/>
+            <a:off x="709012" y="2620107"/>
             <a:ext cx="10023231" cy="1107996"/>
           </a:xfrm>
           <a:prstGeom prst="rect">
@@ -12928,10 +12891,508 @@
           </a:p>
         </p:txBody>
       </p:sp>
+      <p:sp>
+        <p:nvSpPr>
+          <p:cNvPr id="9" name="Text Placeholder 3">
+            <a:extLst>
+              <a:ext uri="{FF2B5EF4-FFF2-40B4-BE49-F238E27FC236}">
+                <a16:creationId xmlns:a16="http://schemas.microsoft.com/office/drawing/2014/main" id="{EEE9E906-A9C5-9936-5B62-FC79681673A6}"/>
+              </a:ext>
+            </a:extLst>
+          </p:cNvPr>
+          <p:cNvSpPr txBox="1">
+            <a:spLocks/>
+          </p:cNvSpPr>
+          <p:nvPr/>
+        </p:nvSpPr>
+        <p:spPr>
+          <a:xfrm>
+            <a:off x="709012" y="3565027"/>
+            <a:ext cx="5372074" cy="1682750"/>
+          </a:xfrm>
+          <a:prstGeom prst="rect">
+            <a:avLst/>
+          </a:prstGeom>
+        </p:spPr>
+        <p:txBody>
+          <a:bodyPr vert="horz" lIns="91440" tIns="45720" rIns="91440" bIns="45720" rtlCol="0">
+            <a:noAutofit/>
+          </a:bodyPr>
+          <a:lstStyle>
+            <a:lvl1pPr marL="283464" indent="-283464" algn="l" defTabSz="914400" rtl="0" eaLnBrk="1" latinLnBrk="0" hangingPunct="1">
+              <a:lnSpc>
+                <a:spcPct val="150000"/>
+              </a:lnSpc>
+              <a:spcBef>
+                <a:spcPts val="0"/>
+              </a:spcBef>
+              <a:buFont typeface="Arial" panose="020B0604020202020204" pitchFamily="34" charset="0"/>
+              <a:buChar char="•"/>
+              <a:defRPr sz="1600" kern="1200">
+                <a:solidFill>
+                  <a:schemeClr val="tx2"/>
+                </a:solidFill>
+                <a:latin typeface="+mn-lt"/>
+                <a:ea typeface="+mn-ea"/>
+                <a:cs typeface="+mn-cs"/>
+              </a:defRPr>
+            </a:lvl1pPr>
+            <a:lvl2pPr marL="685800" indent="-283464" algn="l" defTabSz="914400" rtl="0" eaLnBrk="1" latinLnBrk="0" hangingPunct="1">
+              <a:lnSpc>
+                <a:spcPct val="150000"/>
+              </a:lnSpc>
+              <a:spcBef>
+                <a:spcPts val="0"/>
+              </a:spcBef>
+              <a:buFont typeface="Arial" panose="020B0604020202020204" pitchFamily="34" charset="0"/>
+              <a:buChar char="•"/>
+              <a:defRPr sz="1600" kern="1200">
+                <a:solidFill>
+                  <a:schemeClr val="tx2"/>
+                </a:solidFill>
+                <a:latin typeface="+mn-lt"/>
+                <a:ea typeface="+mn-ea"/>
+                <a:cs typeface="+mn-cs"/>
+              </a:defRPr>
+            </a:lvl2pPr>
+            <a:lvl3pPr marL="1143000" indent="-283464" algn="l" defTabSz="914400" rtl="0" eaLnBrk="1" latinLnBrk="0" hangingPunct="1">
+              <a:lnSpc>
+                <a:spcPct val="150000"/>
+              </a:lnSpc>
+              <a:spcBef>
+                <a:spcPts val="0"/>
+              </a:spcBef>
+              <a:buFont typeface="Arial" panose="020B0604020202020204" pitchFamily="34" charset="0"/>
+              <a:buChar char="•"/>
+              <a:defRPr sz="1600" kern="1200">
+                <a:solidFill>
+                  <a:schemeClr val="tx2"/>
+                </a:solidFill>
+                <a:latin typeface="+mn-lt"/>
+                <a:ea typeface="+mn-ea"/>
+                <a:cs typeface="+mn-cs"/>
+              </a:defRPr>
+            </a:lvl3pPr>
+            <a:lvl4pPr marL="1600200" indent="-283464" algn="l" defTabSz="914400" rtl="0" eaLnBrk="1" latinLnBrk="0" hangingPunct="1">
+              <a:lnSpc>
+                <a:spcPct val="150000"/>
+              </a:lnSpc>
+              <a:spcBef>
+                <a:spcPts val="0"/>
+              </a:spcBef>
+              <a:buFont typeface="Arial" panose="020B0604020202020204" pitchFamily="34" charset="0"/>
+              <a:buChar char="•"/>
+              <a:defRPr sz="1600" kern="1200">
+                <a:solidFill>
+                  <a:schemeClr val="tx2"/>
+                </a:solidFill>
+                <a:latin typeface="+mn-lt"/>
+                <a:ea typeface="+mn-ea"/>
+                <a:cs typeface="+mn-cs"/>
+              </a:defRPr>
+            </a:lvl4pPr>
+            <a:lvl5pPr marL="2057400" indent="-283464" algn="l" defTabSz="914400" rtl="0" eaLnBrk="1" latinLnBrk="0" hangingPunct="1">
+              <a:lnSpc>
+                <a:spcPct val="150000"/>
+              </a:lnSpc>
+              <a:spcBef>
+                <a:spcPts val="0"/>
+              </a:spcBef>
+              <a:buFont typeface="Arial" panose="020B0604020202020204" pitchFamily="34" charset="0"/>
+              <a:buChar char="•"/>
+              <a:defRPr sz="1600" kern="1200">
+                <a:solidFill>
+                  <a:schemeClr val="tx2"/>
+                </a:solidFill>
+                <a:latin typeface="+mn-lt"/>
+                <a:ea typeface="+mn-ea"/>
+                <a:cs typeface="+mn-cs"/>
+              </a:defRPr>
+            </a:lvl5pPr>
+            <a:lvl6pPr marL="2514600" indent="-228600" algn="l" defTabSz="914400" rtl="0" eaLnBrk="1" latinLnBrk="0" hangingPunct="1">
+              <a:lnSpc>
+                <a:spcPct val="90000"/>
+              </a:lnSpc>
+              <a:spcBef>
+                <a:spcPts val="500"/>
+              </a:spcBef>
+              <a:buFont typeface="Arial" panose="020B0604020202020204" pitchFamily="34" charset="0"/>
+              <a:buChar char="•"/>
+              <a:defRPr sz="1800" kern="1200">
+                <a:solidFill>
+                  <a:schemeClr val="tx1"/>
+                </a:solidFill>
+                <a:latin typeface="+mn-lt"/>
+                <a:ea typeface="+mn-ea"/>
+                <a:cs typeface="+mn-cs"/>
+              </a:defRPr>
+            </a:lvl6pPr>
+            <a:lvl7pPr marL="2971800" indent="-228600" algn="l" defTabSz="914400" rtl="0" eaLnBrk="1" latinLnBrk="0" hangingPunct="1">
+              <a:lnSpc>
+                <a:spcPct val="90000"/>
+              </a:lnSpc>
+              <a:spcBef>
+                <a:spcPts val="500"/>
+              </a:spcBef>
+              <a:buFont typeface="Arial" panose="020B0604020202020204" pitchFamily="34" charset="0"/>
+              <a:buChar char="•"/>
+              <a:defRPr sz="1800" kern="1200">
+                <a:solidFill>
+                  <a:schemeClr val="tx1"/>
+                </a:solidFill>
+                <a:latin typeface="+mn-lt"/>
+                <a:ea typeface="+mn-ea"/>
+                <a:cs typeface="+mn-cs"/>
+              </a:defRPr>
+            </a:lvl7pPr>
+            <a:lvl8pPr marL="3429000" indent="-228600" algn="l" defTabSz="914400" rtl="0" eaLnBrk="1" latinLnBrk="0" hangingPunct="1">
+              <a:lnSpc>
+                <a:spcPct val="90000"/>
+              </a:lnSpc>
+              <a:spcBef>
+                <a:spcPts val="500"/>
+              </a:spcBef>
+              <a:buFont typeface="Arial" panose="020B0604020202020204" pitchFamily="34" charset="0"/>
+              <a:buChar char="•"/>
+              <a:defRPr sz="1800" kern="1200">
+                <a:solidFill>
+                  <a:schemeClr val="tx1"/>
+                </a:solidFill>
+                <a:latin typeface="+mn-lt"/>
+                <a:ea typeface="+mn-ea"/>
+                <a:cs typeface="+mn-cs"/>
+              </a:defRPr>
+            </a:lvl8pPr>
+            <a:lvl9pPr marL="3886200" indent="-228600" algn="l" defTabSz="914400" rtl="0" eaLnBrk="1" latinLnBrk="0" hangingPunct="1">
+              <a:lnSpc>
+                <a:spcPct val="90000"/>
+              </a:lnSpc>
+              <a:spcBef>
+                <a:spcPts val="500"/>
+              </a:spcBef>
+              <a:buFont typeface="Arial" panose="020B0604020202020204" pitchFamily="34" charset="0"/>
+              <a:buChar char="•"/>
+              <a:defRPr sz="1800" kern="1200">
+                <a:solidFill>
+                  <a:schemeClr val="tx1"/>
+                </a:solidFill>
+                <a:latin typeface="+mn-lt"/>
+                <a:ea typeface="+mn-ea"/>
+                <a:cs typeface="+mn-cs"/>
+              </a:defRPr>
+            </a:lvl9pPr>
+          </a:lstStyle>
+          <a:p>
+            <a:pPr marL="0" indent="0" algn="ctr">
+              <a:buFont typeface="Arial" panose="020B0604020202020204" pitchFamily="34" charset="0"/>
+              <a:buNone/>
+            </a:pPr>
+            <a:r>
+              <a:rPr lang="en-US">
+                <a:latin typeface="Times New Roman" panose="02020603050405020304" pitchFamily="18" charset="0"/>
+                <a:cs typeface="Times New Roman" panose="02020603050405020304" pitchFamily="18" charset="0"/>
+              </a:rPr>
+              <a:t>TRNG</a:t>
+            </a:r>
+          </a:p>
+          <a:p>
+            <a:pPr algn="just">
+              <a:buFont typeface="Wingdings" panose="05000000000000000000" pitchFamily="2" charset="2"/>
+              <a:buChar char="Ø"/>
+            </a:pPr>
+            <a:r>
+              <a:rPr lang="en-US">
+                <a:latin typeface="Times New Roman" panose="02020603050405020304" pitchFamily="18" charset="0"/>
+                <a:cs typeface="Times New Roman" panose="02020603050405020304" pitchFamily="18" charset="0"/>
+              </a:rPr>
+              <a:t>Generates unpredictable sets of data.</a:t>
+            </a:r>
+          </a:p>
+          <a:p>
+            <a:pPr algn="just">
+              <a:buFont typeface="Wingdings" panose="05000000000000000000" pitchFamily="2" charset="2"/>
+              <a:buChar char="Ø"/>
+            </a:pPr>
+            <a:r>
+              <a:rPr lang="en-US">
+                <a:latin typeface="Times New Roman" panose="02020603050405020304" pitchFamily="18" charset="0"/>
+                <a:cs typeface="Times New Roman" panose="02020603050405020304" pitchFamily="18" charset="0"/>
+              </a:rPr>
+              <a:t>It exploits physical phenomena as a source of randomness (e.g. atmospheric noise, radioactive decay, etc.)</a:t>
+            </a:r>
+          </a:p>
+          <a:p>
+            <a:pPr algn="just">
+              <a:buFont typeface="Wingdings" panose="05000000000000000000" pitchFamily="2" charset="2"/>
+              <a:buChar char="Ø"/>
+            </a:pPr>
+            <a:r>
+              <a:rPr lang="en-US">
+                <a:latin typeface="Times New Roman" panose="02020603050405020304" pitchFamily="18" charset="0"/>
+                <a:cs typeface="Times New Roman" panose="02020603050405020304" pitchFamily="18" charset="0"/>
+              </a:rPr>
+              <a:t>Under the same conditions, it will always produce a different output</a:t>
+            </a:r>
+            <a:endParaRPr lang="en-US" dirty="0">
+              <a:latin typeface="Times New Roman" panose="02020603050405020304" pitchFamily="18" charset="0"/>
+              <a:cs typeface="Times New Roman" panose="02020603050405020304" pitchFamily="18" charset="0"/>
+            </a:endParaRPr>
+          </a:p>
+        </p:txBody>
+      </p:sp>
+      <p:sp>
+        <p:nvSpPr>
+          <p:cNvPr id="11" name="Text Placeholder 4">
+            <a:extLst>
+              <a:ext uri="{FF2B5EF4-FFF2-40B4-BE49-F238E27FC236}">
+                <a16:creationId xmlns:a16="http://schemas.microsoft.com/office/drawing/2014/main" id="{20245088-0B06-F557-BD7F-AF1FE5869C85}"/>
+              </a:ext>
+            </a:extLst>
+          </p:cNvPr>
+          <p:cNvSpPr txBox="1">
+            <a:spLocks/>
+          </p:cNvSpPr>
+          <p:nvPr/>
+        </p:nvSpPr>
+        <p:spPr>
+          <a:xfrm>
+            <a:off x="6198576" y="3565027"/>
+            <a:ext cx="5474677" cy="2026881"/>
+          </a:xfrm>
+          <a:prstGeom prst="rect">
+            <a:avLst/>
+          </a:prstGeom>
+        </p:spPr>
+        <p:txBody>
+          <a:bodyPr vert="horz" lIns="91440" tIns="45720" rIns="91440" bIns="45720" rtlCol="0">
+            <a:noAutofit/>
+          </a:bodyPr>
+          <a:lstStyle>
+            <a:lvl1pPr marL="283464" indent="-283464" algn="l" defTabSz="914400" rtl="0" eaLnBrk="1" latinLnBrk="0" hangingPunct="1">
+              <a:lnSpc>
+                <a:spcPct val="150000"/>
+              </a:lnSpc>
+              <a:spcBef>
+                <a:spcPts val="0"/>
+              </a:spcBef>
+              <a:buFont typeface="Arial" panose="020B0604020202020204" pitchFamily="34" charset="0"/>
+              <a:buChar char="•"/>
+              <a:defRPr sz="1600" kern="1200">
+                <a:solidFill>
+                  <a:schemeClr val="tx2"/>
+                </a:solidFill>
+                <a:latin typeface="+mn-lt"/>
+                <a:ea typeface="+mn-ea"/>
+                <a:cs typeface="+mn-cs"/>
+              </a:defRPr>
+            </a:lvl1pPr>
+            <a:lvl2pPr marL="685800" indent="-283464" algn="l" defTabSz="914400" rtl="0" eaLnBrk="1" latinLnBrk="0" hangingPunct="1">
+              <a:lnSpc>
+                <a:spcPct val="150000"/>
+              </a:lnSpc>
+              <a:spcBef>
+                <a:spcPts val="0"/>
+              </a:spcBef>
+              <a:buFont typeface="Arial" panose="020B0604020202020204" pitchFamily="34" charset="0"/>
+              <a:buChar char="•"/>
+              <a:defRPr sz="1600" kern="1200">
+                <a:solidFill>
+                  <a:schemeClr val="tx2"/>
+                </a:solidFill>
+                <a:latin typeface="+mn-lt"/>
+                <a:ea typeface="+mn-ea"/>
+                <a:cs typeface="+mn-cs"/>
+              </a:defRPr>
+            </a:lvl2pPr>
+            <a:lvl3pPr marL="1143000" indent="-283464" algn="l" defTabSz="914400" rtl="0" eaLnBrk="1" latinLnBrk="0" hangingPunct="1">
+              <a:lnSpc>
+                <a:spcPct val="150000"/>
+              </a:lnSpc>
+              <a:spcBef>
+                <a:spcPts val="0"/>
+              </a:spcBef>
+              <a:buFont typeface="Arial" panose="020B0604020202020204" pitchFamily="34" charset="0"/>
+              <a:buChar char="•"/>
+              <a:defRPr sz="1600" kern="1200">
+                <a:solidFill>
+                  <a:schemeClr val="tx2"/>
+                </a:solidFill>
+                <a:latin typeface="+mn-lt"/>
+                <a:ea typeface="+mn-ea"/>
+                <a:cs typeface="+mn-cs"/>
+              </a:defRPr>
+            </a:lvl3pPr>
+            <a:lvl4pPr marL="1600200" indent="-283464" algn="l" defTabSz="914400" rtl="0" eaLnBrk="1" latinLnBrk="0" hangingPunct="1">
+              <a:lnSpc>
+                <a:spcPct val="150000"/>
+              </a:lnSpc>
+              <a:spcBef>
+                <a:spcPts val="0"/>
+              </a:spcBef>
+              <a:buFont typeface="Arial" panose="020B0604020202020204" pitchFamily="34" charset="0"/>
+              <a:buChar char="•"/>
+              <a:defRPr sz="1600" kern="1200">
+                <a:solidFill>
+                  <a:schemeClr val="tx2"/>
+                </a:solidFill>
+                <a:latin typeface="+mn-lt"/>
+                <a:ea typeface="+mn-ea"/>
+                <a:cs typeface="+mn-cs"/>
+              </a:defRPr>
+            </a:lvl4pPr>
+            <a:lvl5pPr marL="2057400" indent="-283464" algn="l" defTabSz="914400" rtl="0" eaLnBrk="1" latinLnBrk="0" hangingPunct="1">
+              <a:lnSpc>
+                <a:spcPct val="150000"/>
+              </a:lnSpc>
+              <a:spcBef>
+                <a:spcPts val="0"/>
+              </a:spcBef>
+              <a:buFont typeface="Arial" panose="020B0604020202020204" pitchFamily="34" charset="0"/>
+              <a:buChar char="•"/>
+              <a:defRPr sz="1600" kern="1200">
+                <a:solidFill>
+                  <a:schemeClr val="tx2"/>
+                </a:solidFill>
+                <a:latin typeface="+mn-lt"/>
+                <a:ea typeface="+mn-ea"/>
+                <a:cs typeface="+mn-cs"/>
+              </a:defRPr>
+            </a:lvl5pPr>
+            <a:lvl6pPr marL="2514600" indent="-228600" algn="l" defTabSz="914400" rtl="0" eaLnBrk="1" latinLnBrk="0" hangingPunct="1">
+              <a:lnSpc>
+                <a:spcPct val="90000"/>
+              </a:lnSpc>
+              <a:spcBef>
+                <a:spcPts val="500"/>
+              </a:spcBef>
+              <a:buFont typeface="Arial" panose="020B0604020202020204" pitchFamily="34" charset="0"/>
+              <a:buChar char="•"/>
+              <a:defRPr sz="1800" kern="1200">
+                <a:solidFill>
+                  <a:schemeClr val="tx1"/>
+                </a:solidFill>
+                <a:latin typeface="+mn-lt"/>
+                <a:ea typeface="+mn-ea"/>
+                <a:cs typeface="+mn-cs"/>
+              </a:defRPr>
+            </a:lvl6pPr>
+            <a:lvl7pPr marL="2971800" indent="-228600" algn="l" defTabSz="914400" rtl="0" eaLnBrk="1" latinLnBrk="0" hangingPunct="1">
+              <a:lnSpc>
+                <a:spcPct val="90000"/>
+              </a:lnSpc>
+              <a:spcBef>
+                <a:spcPts val="500"/>
+              </a:spcBef>
+              <a:buFont typeface="Arial" panose="020B0604020202020204" pitchFamily="34" charset="0"/>
+              <a:buChar char="•"/>
+              <a:defRPr sz="1800" kern="1200">
+                <a:solidFill>
+                  <a:schemeClr val="tx1"/>
+                </a:solidFill>
+                <a:latin typeface="+mn-lt"/>
+                <a:ea typeface="+mn-ea"/>
+                <a:cs typeface="+mn-cs"/>
+              </a:defRPr>
+            </a:lvl7pPr>
+            <a:lvl8pPr marL="3429000" indent="-228600" algn="l" defTabSz="914400" rtl="0" eaLnBrk="1" latinLnBrk="0" hangingPunct="1">
+              <a:lnSpc>
+                <a:spcPct val="90000"/>
+              </a:lnSpc>
+              <a:spcBef>
+                <a:spcPts val="500"/>
+              </a:spcBef>
+              <a:buFont typeface="Arial" panose="020B0604020202020204" pitchFamily="34" charset="0"/>
+              <a:buChar char="•"/>
+              <a:defRPr sz="1800" kern="1200">
+                <a:solidFill>
+                  <a:schemeClr val="tx1"/>
+                </a:solidFill>
+                <a:latin typeface="+mn-lt"/>
+                <a:ea typeface="+mn-ea"/>
+                <a:cs typeface="+mn-cs"/>
+              </a:defRPr>
+            </a:lvl8pPr>
+            <a:lvl9pPr marL="3886200" indent="-228600" algn="l" defTabSz="914400" rtl="0" eaLnBrk="1" latinLnBrk="0" hangingPunct="1">
+              <a:lnSpc>
+                <a:spcPct val="90000"/>
+              </a:lnSpc>
+              <a:spcBef>
+                <a:spcPts val="500"/>
+              </a:spcBef>
+              <a:buFont typeface="Arial" panose="020B0604020202020204" pitchFamily="34" charset="0"/>
+              <a:buChar char="•"/>
+              <a:defRPr sz="1800" kern="1200">
+                <a:solidFill>
+                  <a:schemeClr val="tx1"/>
+                </a:solidFill>
+                <a:latin typeface="+mn-lt"/>
+                <a:ea typeface="+mn-ea"/>
+                <a:cs typeface="+mn-cs"/>
+              </a:defRPr>
+            </a:lvl9pPr>
+          </a:lstStyle>
+          <a:p>
+            <a:pPr marL="0" indent="0" algn="ctr">
+              <a:buFont typeface="Arial" panose="020B0604020202020204" pitchFamily="34" charset="0"/>
+              <a:buNone/>
+            </a:pPr>
+            <a:r>
+              <a:rPr lang="en-US">
+                <a:latin typeface="Times New Roman" panose="02020603050405020304" pitchFamily="18" charset="0"/>
+                <a:cs typeface="Times New Roman" panose="02020603050405020304" pitchFamily="18" charset="0"/>
+              </a:rPr>
+              <a:t>PRNG</a:t>
+            </a:r>
+          </a:p>
+          <a:p>
+            <a:pPr>
+              <a:buFont typeface="Wingdings" panose="05000000000000000000" pitchFamily="2" charset="2"/>
+              <a:buChar char="Ø"/>
+            </a:pPr>
+            <a:r>
+              <a:rPr lang="en-US">
+                <a:latin typeface="Times New Roman" panose="02020603050405020304" pitchFamily="18" charset="0"/>
+                <a:cs typeface="Times New Roman" panose="02020603050405020304" pitchFamily="18" charset="0"/>
+              </a:rPr>
+              <a:t>Uses deterministic algorithms (e.g. Mersenne Twister</a:t>
+            </a:r>
+          </a:p>
+          <a:p>
+            <a:pPr>
+              <a:buFont typeface="Wingdings" panose="05000000000000000000" pitchFamily="2" charset="2"/>
+              <a:buChar char="Ø"/>
+            </a:pPr>
+            <a:r>
+              <a:rPr lang="en-US">
+                <a:latin typeface="Times New Roman" panose="02020603050405020304" pitchFamily="18" charset="0"/>
+                <a:cs typeface="Times New Roman" panose="02020603050405020304" pitchFamily="18" charset="0"/>
+              </a:rPr>
+              <a:t>If the seed is known, it produces predictable output</a:t>
+            </a:r>
+          </a:p>
+          <a:p>
+            <a:pPr>
+              <a:buFont typeface="Wingdings" panose="05000000000000000000" pitchFamily="2" charset="2"/>
+              <a:buChar char="Ø"/>
+            </a:pPr>
+            <a:r>
+              <a:rPr lang="en-US">
+                <a:latin typeface="Times New Roman" panose="02020603050405020304" pitchFamily="18" charset="0"/>
+                <a:cs typeface="Times New Roman" panose="02020603050405020304" pitchFamily="18" charset="0"/>
+              </a:rPr>
+              <a:t>Given the same seed, a PRNG will produce identical sequences of values</a:t>
+            </a:r>
+            <a:endParaRPr lang="en-US" dirty="0">
+              <a:latin typeface="Times New Roman" panose="02020603050405020304" pitchFamily="18" charset="0"/>
+              <a:cs typeface="Times New Roman" panose="02020603050405020304" pitchFamily="18" charset="0"/>
+            </a:endParaRPr>
+          </a:p>
+        </p:txBody>
+      </p:sp>
     </p:spTree>
     <p:extLst>
       <p:ext uri="{BB962C8B-B14F-4D97-AF65-F5344CB8AC3E}">
-        <p14:creationId xmlns:p14="http://schemas.microsoft.com/office/powerpoint/2010/main" val="901526237"/>
+        <p14:creationId xmlns:p14="http://schemas.microsoft.com/office/powerpoint/2010/main" val="408537967"/>
       </p:ext>
     </p:extLst>
   </p:cSld>
@@ -12976,8 +13437,8 @@
         </p:nvSpPr>
         <p:spPr>
           <a:xfrm>
-            <a:off x="87923" y="1252728"/>
-            <a:ext cx="5794131" cy="1682749"/>
+            <a:off x="0" y="2315208"/>
+            <a:ext cx="6550269" cy="1682749"/>
           </a:xfrm>
         </p:spPr>
         <p:txBody>
@@ -12986,7 +13447,11 @@
           <a:p>
             <a:r>
               <a:rPr lang="en-US" dirty="0"/>
-              <a:t>3. Our implementation</a:t>
+              <a:t>3. O</a:t>
+            </a:r>
+            <a:r>
+              <a:rPr lang="en-US" sz="3500" dirty="0"/>
+              <a:t>ur implementation</a:t>
             </a:r>
           </a:p>
         </p:txBody>
@@ -13373,7 +13838,13 @@
   <p:cSld>
     <p:spTree>
       <p:nvGrpSpPr>
-        <p:cNvPr id="1" name=""/>
+        <p:cNvPr id="1" name="">
+          <a:extLst>
+            <a:ext uri="{FF2B5EF4-FFF2-40B4-BE49-F238E27FC236}">
+              <a16:creationId xmlns:a16="http://schemas.microsoft.com/office/drawing/2014/main" id="{7D405D0F-FD82-72E9-7512-3461E86E3261}"/>
+            </a:ext>
+          </a:extLst>
+        </p:cNvPr>
         <p:cNvGrpSpPr/>
         <p:nvPr/>
       </p:nvGrpSpPr>
@@ -13387,47 +13858,10 @@
       </p:grpSpPr>
       <p:sp>
         <p:nvSpPr>
-          <p:cNvPr id="2" name="Title 1">
-            <a:extLst>
-              <a:ext uri="{FF2B5EF4-FFF2-40B4-BE49-F238E27FC236}">
-                <a16:creationId xmlns:a16="http://schemas.microsoft.com/office/drawing/2014/main" id="{A052E563-D2B2-A0AD-3574-E8C8FDCE3DAC}"/>
-              </a:ext>
-            </a:extLst>
-          </p:cNvPr>
-          <p:cNvSpPr>
-            <a:spLocks noGrp="1"/>
-          </p:cNvSpPr>
-          <p:nvPr>
-            <p:ph type="title"/>
-          </p:nvPr>
-        </p:nvSpPr>
-        <p:spPr>
-          <a:xfrm>
-            <a:off x="6729057" y="3696171"/>
-            <a:ext cx="5333306" cy="1682749"/>
-          </a:xfrm>
-        </p:spPr>
-        <p:txBody>
-          <a:bodyPr/>
-          <a:lstStyle/>
-          <a:p>
-            <a:r>
-              <a:rPr lang="en-US" dirty="0"/>
-              <a:t>A</a:t>
-            </a:r>
-            <a:r>
-              <a:rPr lang="en-US" sz="3000" dirty="0"/>
-              <a:t>pplication workflow</a:t>
-            </a:r>
-          </a:p>
-        </p:txBody>
-      </p:sp>
-      <p:sp>
-        <p:nvSpPr>
-          <p:cNvPr id="13" name="Footer Placeholder 12">
-            <a:extLst>
-              <a:ext uri="{FF2B5EF4-FFF2-40B4-BE49-F238E27FC236}">
-                <a16:creationId xmlns:a16="http://schemas.microsoft.com/office/drawing/2014/main" id="{B83AAE15-CE16-991A-C05F-0BD97418193D}"/>
+          <p:cNvPr id="12" name="Footer Placeholder 11">
+            <a:extLst>
+              <a:ext uri="{FF2B5EF4-FFF2-40B4-BE49-F238E27FC236}">
+                <a16:creationId xmlns:a16="http://schemas.microsoft.com/office/drawing/2014/main" id="{044B8290-BE46-DF76-DA2D-BD3AB1229968}"/>
               </a:ext>
             </a:extLst>
           </p:cNvPr>
@@ -13453,10 +13887,10 @@
       </p:sp>
       <p:sp>
         <p:nvSpPr>
-          <p:cNvPr id="14" name="Slide Number Placeholder 13">
-            <a:extLst>
-              <a:ext uri="{FF2B5EF4-FFF2-40B4-BE49-F238E27FC236}">
-                <a16:creationId xmlns:a16="http://schemas.microsoft.com/office/drawing/2014/main" id="{CB66A1BD-2500-AB18-9DCA-0585F33C2410}"/>
+          <p:cNvPr id="13" name="Slide Number Placeholder 12">
+            <a:extLst>
+              <a:ext uri="{FF2B5EF4-FFF2-40B4-BE49-F238E27FC236}">
+                <a16:creationId xmlns:a16="http://schemas.microsoft.com/office/drawing/2014/main" id="{639C7AAF-6C83-91D9-2E68-956BBBAE865E}"/>
               </a:ext>
             </a:extLst>
           </p:cNvPr>
@@ -13483,10 +13917,10 @@
       </p:sp>
       <p:pic>
         <p:nvPicPr>
-          <p:cNvPr id="3" name="Picture 2">
-            <a:extLst>
-              <a:ext uri="{FF2B5EF4-FFF2-40B4-BE49-F238E27FC236}">
-                <a16:creationId xmlns:a16="http://schemas.microsoft.com/office/drawing/2014/main" id="{1F6BB34D-240C-9AA5-58FC-8548ADA5EC33}"/>
+          <p:cNvPr id="7" name="Picture 6">
+            <a:extLst>
+              <a:ext uri="{FF2B5EF4-FFF2-40B4-BE49-F238E27FC236}">
+                <a16:creationId xmlns:a16="http://schemas.microsoft.com/office/drawing/2014/main" id="{51209B82-5276-7766-3CC9-C82219831B41}"/>
               </a:ext>
             </a:extLst>
           </p:cNvPr>
@@ -13513,10 +13947,10 @@
       </p:pic>
       <p:pic>
         <p:nvPicPr>
-          <p:cNvPr id="4" name="Picture 3">
-            <a:extLst>
-              <a:ext uri="{FF2B5EF4-FFF2-40B4-BE49-F238E27FC236}">
-                <a16:creationId xmlns:a16="http://schemas.microsoft.com/office/drawing/2014/main" id="{CA34C35E-974A-9F1D-8A98-596F0C6A695D}"/>
+          <p:cNvPr id="8" name="Picture 7">
+            <a:extLst>
+              <a:ext uri="{FF2B5EF4-FFF2-40B4-BE49-F238E27FC236}">
+                <a16:creationId xmlns:a16="http://schemas.microsoft.com/office/drawing/2014/main" id="{61D0FACF-A5A7-6271-3420-8FB43A8649B2}"/>
               </a:ext>
             </a:extLst>
           </p:cNvPr>
@@ -13541,12 +13975,76 @@
           </a:prstGeom>
         </p:spPr>
       </p:pic>
+      <p:sp>
+        <p:nvSpPr>
+          <p:cNvPr id="4" name="Title 1">
+            <a:extLst>
+              <a:ext uri="{FF2B5EF4-FFF2-40B4-BE49-F238E27FC236}">
+                <a16:creationId xmlns:a16="http://schemas.microsoft.com/office/drawing/2014/main" id="{2C7AFCDF-3E41-D289-C32C-847B7097D844}"/>
+              </a:ext>
+            </a:extLst>
+          </p:cNvPr>
+          <p:cNvSpPr txBox="1">
+            <a:spLocks/>
+          </p:cNvSpPr>
+          <p:nvPr/>
+        </p:nvSpPr>
+        <p:spPr>
+          <a:xfrm>
+            <a:off x="44921" y="1974078"/>
+            <a:ext cx="5333306" cy="1682749"/>
+          </a:xfrm>
+          <a:prstGeom prst="rect">
+            <a:avLst/>
+          </a:prstGeom>
+        </p:spPr>
+        <p:txBody>
+          <a:bodyPr vert="horz" lIns="91440" tIns="45720" rIns="91440" bIns="45720" rtlCol="0" anchor="t">
+            <a:noAutofit/>
+          </a:bodyPr>
+          <a:lstStyle>
+            <a:lvl1pPr algn="l" defTabSz="914400" rtl="0" eaLnBrk="1" latinLnBrk="0" hangingPunct="1">
+              <a:lnSpc>
+                <a:spcPct val="80000"/>
+              </a:lnSpc>
+              <a:spcBef>
+                <a:spcPct val="0"/>
+              </a:spcBef>
+              <a:buNone/>
+              <a:defRPr sz="5000" kern="1200" cap="all" baseline="0">
+                <a:solidFill>
+                  <a:schemeClr val="tx2"/>
+                </a:solidFill>
+                <a:latin typeface="+mj-lt"/>
+                <a:ea typeface="+mj-ea"/>
+                <a:cs typeface="+mj-cs"/>
+              </a:defRPr>
+            </a:lvl1pPr>
+          </a:lstStyle>
+          <a:p>
+            <a:r>
+              <a:rPr lang="en-US" dirty="0"/>
+              <a:t>A</a:t>
+            </a:r>
+            <a:r>
+              <a:rPr lang="en-US" sz="3500" dirty="0"/>
+              <a:t>pplication</a:t>
+            </a:r>
+          </a:p>
+          <a:p>
+            <a:r>
+              <a:rPr lang="en-US" sz="3500" dirty="0"/>
+              <a:t>workflow</a:t>
+            </a:r>
+          </a:p>
+        </p:txBody>
+      </p:sp>
       <p:pic>
         <p:nvPicPr>
-          <p:cNvPr id="11" name="Picture 10">
-            <a:extLst>
-              <a:ext uri="{FF2B5EF4-FFF2-40B4-BE49-F238E27FC236}">
-                <a16:creationId xmlns:a16="http://schemas.microsoft.com/office/drawing/2014/main" id="{409B8C85-713A-E718-BD3E-FE1E1F6951B5}"/>
+          <p:cNvPr id="10" name="Picture 9">
+            <a:extLst>
+              <a:ext uri="{FF2B5EF4-FFF2-40B4-BE49-F238E27FC236}">
+                <a16:creationId xmlns:a16="http://schemas.microsoft.com/office/drawing/2014/main" id="{64917D61-CACE-4854-72F6-3FD9880813FA}"/>
               </a:ext>
             </a:extLst>
           </p:cNvPr>
@@ -13563,7 +14061,7 @@
         </p:blipFill>
         <p:spPr>
           <a:xfrm>
-            <a:off x="233007" y="668085"/>
+            <a:off x="4463034" y="438912"/>
             <a:ext cx="6496050" cy="5810250"/>
           </a:xfrm>
           <a:prstGeom prst="rect">
@@ -13574,7 +14072,7 @@
     </p:spTree>
     <p:extLst>
       <p:ext uri="{BB962C8B-B14F-4D97-AF65-F5344CB8AC3E}">
-        <p14:creationId xmlns:p14="http://schemas.microsoft.com/office/powerpoint/2010/main" val="73848494"/>
+        <p14:creationId xmlns:p14="http://schemas.microsoft.com/office/powerpoint/2010/main" val="1332322725"/>
       </p:ext>
     </p:extLst>
   </p:cSld>
@@ -13592,7 +14090,7 @@
         <p:cNvPr id="1" name="">
           <a:extLst>
             <a:ext uri="{FF2B5EF4-FFF2-40B4-BE49-F238E27FC236}">
-              <a16:creationId xmlns:a16="http://schemas.microsoft.com/office/drawing/2014/main" id="{88124026-98A9-0654-F8A8-A28972C45388}"/>
+              <a16:creationId xmlns:a16="http://schemas.microsoft.com/office/drawing/2014/main" id="{EB93B759-6E56-F275-07E5-ACAFC5744C08}"/>
             </a:ext>
           </a:extLst>
         </p:cNvPr>
@@ -13609,47 +14107,10 @@
       </p:grpSpPr>
       <p:sp>
         <p:nvSpPr>
-          <p:cNvPr id="2" name="Title 1">
-            <a:extLst>
-              <a:ext uri="{FF2B5EF4-FFF2-40B4-BE49-F238E27FC236}">
-                <a16:creationId xmlns:a16="http://schemas.microsoft.com/office/drawing/2014/main" id="{E0120769-4B42-91CF-B44D-C426A54FCCF4}"/>
-              </a:ext>
-            </a:extLst>
-          </p:cNvPr>
-          <p:cNvSpPr>
-            <a:spLocks noGrp="1"/>
-          </p:cNvSpPr>
-          <p:nvPr>
-            <p:ph type="title"/>
-          </p:nvPr>
-        </p:nvSpPr>
-        <p:spPr>
-          <a:xfrm>
-            <a:off x="6729057" y="3696171"/>
-            <a:ext cx="5333306" cy="1682749"/>
-          </a:xfrm>
-        </p:spPr>
-        <p:txBody>
-          <a:bodyPr/>
-          <a:lstStyle/>
-          <a:p>
-            <a:r>
-              <a:rPr lang="en-US" dirty="0"/>
-              <a:t>A</a:t>
-            </a:r>
-            <a:r>
-              <a:rPr lang="en-US" sz="3000" dirty="0"/>
-              <a:t>pplication workflow</a:t>
-            </a:r>
-          </a:p>
-        </p:txBody>
-      </p:sp>
-      <p:sp>
-        <p:nvSpPr>
-          <p:cNvPr id="13" name="Footer Placeholder 12">
-            <a:extLst>
-              <a:ext uri="{FF2B5EF4-FFF2-40B4-BE49-F238E27FC236}">
-                <a16:creationId xmlns:a16="http://schemas.microsoft.com/office/drawing/2014/main" id="{1DD3C043-1891-9FC8-9F7A-CDA3FB0927F1}"/>
+          <p:cNvPr id="12" name="Footer Placeholder 11">
+            <a:extLst>
+              <a:ext uri="{FF2B5EF4-FFF2-40B4-BE49-F238E27FC236}">
+                <a16:creationId xmlns:a16="http://schemas.microsoft.com/office/drawing/2014/main" id="{70CF91B5-7FAC-4B83-366F-5DC0224F2632}"/>
               </a:ext>
             </a:extLst>
           </p:cNvPr>
@@ -13675,10 +14136,10 @@
       </p:sp>
       <p:sp>
         <p:nvSpPr>
-          <p:cNvPr id="14" name="Slide Number Placeholder 13">
-            <a:extLst>
-              <a:ext uri="{FF2B5EF4-FFF2-40B4-BE49-F238E27FC236}">
-                <a16:creationId xmlns:a16="http://schemas.microsoft.com/office/drawing/2014/main" id="{8224291F-5E11-5331-D61B-D62F8245CDDD}"/>
+          <p:cNvPr id="13" name="Slide Number Placeholder 12">
+            <a:extLst>
+              <a:ext uri="{FF2B5EF4-FFF2-40B4-BE49-F238E27FC236}">
+                <a16:creationId xmlns:a16="http://schemas.microsoft.com/office/drawing/2014/main" id="{7CA892E7-A959-D2A8-5590-6BA7952D1E5F}"/>
               </a:ext>
             </a:extLst>
           </p:cNvPr>
@@ -13705,10 +14166,10 @@
       </p:sp>
       <p:pic>
         <p:nvPicPr>
-          <p:cNvPr id="3" name="Picture 2">
-            <a:extLst>
-              <a:ext uri="{FF2B5EF4-FFF2-40B4-BE49-F238E27FC236}">
-                <a16:creationId xmlns:a16="http://schemas.microsoft.com/office/drawing/2014/main" id="{2C435950-DBEA-E7F2-59F8-5A994169920D}"/>
+          <p:cNvPr id="7" name="Picture 6">
+            <a:extLst>
+              <a:ext uri="{FF2B5EF4-FFF2-40B4-BE49-F238E27FC236}">
+                <a16:creationId xmlns:a16="http://schemas.microsoft.com/office/drawing/2014/main" id="{E4072422-4C95-309B-C6EB-C50B9CB0BAE3}"/>
               </a:ext>
             </a:extLst>
           </p:cNvPr>
@@ -13735,10 +14196,10 @@
       </p:pic>
       <p:pic>
         <p:nvPicPr>
-          <p:cNvPr id="4" name="Picture 3">
-            <a:extLst>
-              <a:ext uri="{FF2B5EF4-FFF2-40B4-BE49-F238E27FC236}">
-                <a16:creationId xmlns:a16="http://schemas.microsoft.com/office/drawing/2014/main" id="{E9B6B8FB-DBF5-A689-E9CC-A289EFF25F10}"/>
+          <p:cNvPr id="8" name="Picture 7">
+            <a:extLst>
+              <a:ext uri="{FF2B5EF4-FFF2-40B4-BE49-F238E27FC236}">
+                <a16:creationId xmlns:a16="http://schemas.microsoft.com/office/drawing/2014/main" id="{849F7856-AE03-0F56-1608-566EE07BF260}"/>
               </a:ext>
             </a:extLst>
           </p:cNvPr>
@@ -13763,12 +14224,70 @@
           </a:prstGeom>
         </p:spPr>
       </p:pic>
+      <p:sp>
+        <p:nvSpPr>
+          <p:cNvPr id="4" name="Title 1">
+            <a:extLst>
+              <a:ext uri="{FF2B5EF4-FFF2-40B4-BE49-F238E27FC236}">
+                <a16:creationId xmlns:a16="http://schemas.microsoft.com/office/drawing/2014/main" id="{F096563E-E3D0-ABAA-34EC-427CAE198FBB}"/>
+              </a:ext>
+            </a:extLst>
+          </p:cNvPr>
+          <p:cNvSpPr txBox="1">
+            <a:spLocks/>
+          </p:cNvSpPr>
+          <p:nvPr/>
+        </p:nvSpPr>
+        <p:spPr>
+          <a:xfrm>
+            <a:off x="44921" y="1974078"/>
+            <a:ext cx="4597417" cy="1682749"/>
+          </a:xfrm>
+          <a:prstGeom prst="rect">
+            <a:avLst/>
+          </a:prstGeom>
+        </p:spPr>
+        <p:txBody>
+          <a:bodyPr vert="horz" lIns="91440" tIns="45720" rIns="91440" bIns="45720" rtlCol="0" anchor="t">
+            <a:noAutofit/>
+          </a:bodyPr>
+          <a:lstStyle>
+            <a:lvl1pPr algn="l" defTabSz="914400" rtl="0" eaLnBrk="1" latinLnBrk="0" hangingPunct="1">
+              <a:lnSpc>
+                <a:spcPct val="80000"/>
+              </a:lnSpc>
+              <a:spcBef>
+                <a:spcPct val="0"/>
+              </a:spcBef>
+              <a:buNone/>
+              <a:defRPr sz="5000" kern="1200" cap="all" baseline="0">
+                <a:solidFill>
+                  <a:schemeClr val="tx2"/>
+                </a:solidFill>
+                <a:latin typeface="+mj-lt"/>
+                <a:ea typeface="+mj-ea"/>
+                <a:cs typeface="+mj-cs"/>
+              </a:defRPr>
+            </a:lvl1pPr>
+          </a:lstStyle>
+          <a:p>
+            <a:r>
+              <a:rPr lang="en-US" dirty="0"/>
+              <a:t>A</a:t>
+            </a:r>
+            <a:r>
+              <a:rPr lang="en-US" sz="3500" dirty="0"/>
+              <a:t>pplication workflow</a:t>
+            </a:r>
+          </a:p>
+        </p:txBody>
+      </p:sp>
       <p:pic>
         <p:nvPicPr>
-          <p:cNvPr id="6" name="Picture 5">
-            <a:extLst>
-              <a:ext uri="{FF2B5EF4-FFF2-40B4-BE49-F238E27FC236}">
-                <a16:creationId xmlns:a16="http://schemas.microsoft.com/office/drawing/2014/main" id="{43450AAE-5E8A-2B32-7498-0EBC156ADE02}"/>
+          <p:cNvPr id="2" name="Picture 1">
+            <a:extLst>
+              <a:ext uri="{FF2B5EF4-FFF2-40B4-BE49-F238E27FC236}">
+                <a16:creationId xmlns:a16="http://schemas.microsoft.com/office/drawing/2014/main" id="{EBB7ACEC-278F-B94C-1E4C-4B86FDE6C46E}"/>
               </a:ext>
             </a:extLst>
           </p:cNvPr>
@@ -13785,7 +14304,7 @@
         </p:blipFill>
         <p:spPr>
           <a:xfrm>
-            <a:off x="481369" y="1580315"/>
+            <a:off x="5475400" y="1270814"/>
             <a:ext cx="4981575" cy="4772025"/>
           </a:xfrm>
           <a:prstGeom prst="rect">
@@ -13796,7 +14315,7 @@
     </p:spTree>
     <p:extLst>
       <p:ext uri="{BB962C8B-B14F-4D97-AF65-F5344CB8AC3E}">
-        <p14:creationId xmlns:p14="http://schemas.microsoft.com/office/powerpoint/2010/main" val="4082954154"/>
+        <p14:creationId xmlns:p14="http://schemas.microsoft.com/office/powerpoint/2010/main" val="1597819786"/>
       </p:ext>
     </p:extLst>
   </p:cSld>
@@ -14001,7 +14520,7 @@
         </p:nvSpPr>
         <p:spPr>
           <a:xfrm>
-            <a:off x="288414" y="1810898"/>
+            <a:off x="0" y="2344400"/>
             <a:ext cx="4846320" cy="1682749"/>
           </a:xfrm>
           <a:prstGeom prst="rect">
@@ -14034,7 +14553,11 @@
           <a:p>
             <a:r>
               <a:rPr lang="en-US" dirty="0"/>
-              <a:t>Test results</a:t>
+              <a:t>4. T</a:t>
+            </a:r>
+            <a:r>
+              <a:rPr lang="en-US" sz="3500" dirty="0"/>
+              <a:t>est results</a:t>
             </a:r>
           </a:p>
         </p:txBody>
@@ -14335,7 +14858,7 @@
         </p:nvSpPr>
         <p:spPr>
           <a:xfrm>
-            <a:off x="288414" y="1810898"/>
+            <a:off x="0" y="2375160"/>
             <a:ext cx="4846320" cy="1682749"/>
           </a:xfrm>
           <a:prstGeom prst="rect">
@@ -14368,7 +14891,11 @@
           <a:p>
             <a:r>
               <a:rPr lang="en-US" dirty="0"/>
-              <a:t>Test results</a:t>
+              <a:t>4. T</a:t>
+            </a:r>
+            <a:r>
+              <a:rPr lang="en-US" sz="3500" dirty="0"/>
+              <a:t>est results</a:t>
             </a:r>
           </a:p>
         </p:txBody>
@@ -15364,6 +15891,26 @@
 </file>
 
 <file path=customXml/item1.xml><?xml version="1.0" encoding="utf-8"?>
+<p:properties xmlns:p="http://schemas.microsoft.com/office/2006/metadata/properties" xmlns:xsi="http://www.w3.org/2001/XMLSchema-instance" xmlns:pc="http://schemas.microsoft.com/office/infopath/2007/PartnerControls">
+  <documentManagement>
+    <_ip_UnifiedCompliancePolicyUIAction xmlns="http://schemas.microsoft.com/sharepoint/v3" xsi:nil="true"/>
+    <Image xmlns="71af3243-3dd4-4a8d-8c0d-dd76da1f02a5">
+      <Url xsi:nil="true"/>
+      <Description xsi:nil="true"/>
+    </Image>
+    <Status xmlns="71af3243-3dd4-4a8d-8c0d-dd76da1f02a5">Not started</Status>
+    <Background xmlns="71af3243-3dd4-4a8d-8c0d-dd76da1f02a5">false</Background>
+    <_ip_UnifiedCompliancePolicyProperties xmlns="http://schemas.microsoft.com/sharepoint/v3" xsi:nil="true"/>
+    <ImageTagsTaxHTField xmlns="71af3243-3dd4-4a8d-8c0d-dd76da1f02a5">
+      <Terms xmlns="http://schemas.microsoft.com/office/infopath/2007/PartnerControls"/>
+    </ImageTagsTaxHTField>
+    <TaxCatchAll xmlns="230e9df3-be65-4c73-a93b-d1236ebd677e" xsi:nil="true"/>
+    <MediaServiceKeyPoints xmlns="71af3243-3dd4-4a8d-8c0d-dd76da1f02a5" xsi:nil="true"/>
+  </documentManagement>
+</p:properties>
+</file>
+
+<file path=customXml/item2.xml><?xml version="1.0" encoding="utf-8"?>
 <ct:contentTypeSchema xmlns:ct="http://schemas.microsoft.com/office/2006/metadata/contentType" xmlns:ma="http://schemas.microsoft.com/office/2006/metadata/properties/metaAttributes" ct:_="" ma:_="" ma:contentTypeName="Document" ma:contentTypeID="0x01010079F111ED35F8CC479449609E8A0923A6" ma:contentTypeVersion="24" ma:contentTypeDescription="Create a new document." ma:contentTypeScope="" ma:versionID="2d714a3296df14eba7a100bb665443ca">
   <xsd:schema xmlns:xsd="http://www.w3.org/2001/XMLSchema" xmlns:xs="http://www.w3.org/2001/XMLSchema" xmlns:p="http://schemas.microsoft.com/office/2006/metadata/properties" xmlns:ns1="http://schemas.microsoft.com/sharepoint/v3" xmlns:ns2="71af3243-3dd4-4a8d-8c0d-dd76da1f02a5" xmlns:ns3="16c05727-aa75-4e4a-9b5f-8a80a1165891" xmlns:ns4="230e9df3-be65-4c73-a93b-d1236ebd677e" targetNamespace="http://schemas.microsoft.com/office/2006/metadata/properties" ma:root="true" ma:fieldsID="49549bf45bfbbfb6cffed527380e77e1" ns1:_="" ns2:_="" ns3:_="" ns4:_="">
     <xsd:import namespace="http://schemas.microsoft.com/sharepoint/v3"/>
@@ -15651,26 +16198,6 @@
 </ct:contentTypeSchema>
 </file>
 
-<file path=customXml/item2.xml><?xml version="1.0" encoding="utf-8"?>
-<p:properties xmlns:p="http://schemas.microsoft.com/office/2006/metadata/properties" xmlns:xsi="http://www.w3.org/2001/XMLSchema-instance" xmlns:pc="http://schemas.microsoft.com/office/infopath/2007/PartnerControls">
-  <documentManagement>
-    <_ip_UnifiedCompliancePolicyUIAction xmlns="http://schemas.microsoft.com/sharepoint/v3" xsi:nil="true"/>
-    <Image xmlns="71af3243-3dd4-4a8d-8c0d-dd76da1f02a5">
-      <Url xsi:nil="true"/>
-      <Description xsi:nil="true"/>
-    </Image>
-    <Status xmlns="71af3243-3dd4-4a8d-8c0d-dd76da1f02a5">Not started</Status>
-    <Background xmlns="71af3243-3dd4-4a8d-8c0d-dd76da1f02a5">false</Background>
-    <_ip_UnifiedCompliancePolicyProperties xmlns="http://schemas.microsoft.com/sharepoint/v3" xsi:nil="true"/>
-    <ImageTagsTaxHTField xmlns="71af3243-3dd4-4a8d-8c0d-dd76da1f02a5">
-      <Terms xmlns="http://schemas.microsoft.com/office/infopath/2007/PartnerControls"/>
-    </ImageTagsTaxHTField>
-    <TaxCatchAll xmlns="230e9df3-be65-4c73-a93b-d1236ebd677e" xsi:nil="true"/>
-    <MediaServiceKeyPoints xmlns="71af3243-3dd4-4a8d-8c0d-dd76da1f02a5" xsi:nil="true"/>
-  </documentManagement>
-</p:properties>
-</file>
-
 <file path=customXml/item3.xml><?xml version="1.0" encoding="utf-8"?>
 <?mso-contentType ?>
 <FormTemplates xmlns="http://schemas.microsoft.com/sharepoint/v3/contenttype/forms">
@@ -15681,6 +16208,18 @@
 </file>
 
 <file path=customXml/itemProps1.xml><?xml version="1.0" encoding="utf-8"?>
+<ds:datastoreItem xmlns:ds="http://schemas.openxmlformats.org/officeDocument/2006/customXml" ds:itemID="{411F98F7-6576-47F1-AD63-56E26C339747}">
+  <ds:schemaRefs>
+    <ds:schemaRef ds:uri="http://schemas.microsoft.com/office/2006/metadata/properties"/>
+    <ds:schemaRef ds:uri="http://schemas.microsoft.com/office/infopath/2007/PartnerControls"/>
+    <ds:schemaRef ds:uri="http://schemas.microsoft.com/sharepoint/v3"/>
+    <ds:schemaRef ds:uri="71af3243-3dd4-4a8d-8c0d-dd76da1f02a5"/>
+    <ds:schemaRef ds:uri="230e9df3-be65-4c73-a93b-d1236ebd677e"/>
+  </ds:schemaRefs>
+</ds:datastoreItem>
+</file>
+
+<file path=customXml/itemProps2.xml><?xml version="1.0" encoding="utf-8"?>
 <ds:datastoreItem xmlns:ds="http://schemas.openxmlformats.org/officeDocument/2006/customXml" ds:itemID="{5783CE7D-BFC6-4030-A335-E7F88DB66414}">
   <ds:schemaRefs>
     <ds:schemaRef ds:uri="http://schemas.microsoft.com/office/2006/metadata/contentType"/>
@@ -15701,18 +16240,6 @@
 </ds:datastoreItem>
 </file>
 
-<file path=customXml/itemProps2.xml><?xml version="1.0" encoding="utf-8"?>
-<ds:datastoreItem xmlns:ds="http://schemas.openxmlformats.org/officeDocument/2006/customXml" ds:itemID="{411F98F7-6576-47F1-AD63-56E26C339747}">
-  <ds:schemaRefs>
-    <ds:schemaRef ds:uri="http://schemas.microsoft.com/office/2006/metadata/properties"/>
-    <ds:schemaRef ds:uri="http://schemas.microsoft.com/office/infopath/2007/PartnerControls"/>
-    <ds:schemaRef ds:uri="http://schemas.microsoft.com/sharepoint/v3"/>
-    <ds:schemaRef ds:uri="71af3243-3dd4-4a8d-8c0d-dd76da1f02a5"/>
-    <ds:schemaRef ds:uri="230e9df3-be65-4c73-a93b-d1236ebd677e"/>
-  </ds:schemaRefs>
-</ds:datastoreItem>
-</file>
-
 <file path=customXml/itemProps3.xml><?xml version="1.0" encoding="utf-8"?>
 <ds:datastoreItem xmlns:ds="http://schemas.openxmlformats.org/officeDocument/2006/customXml" ds:itemID="{25B4CAA5-BE7A-46AB-97ED-63B24C46A3A8}">
   <ds:schemaRefs>
